--- a/SuSS/ANL252_Python_4_Biz/3_Lecturer/Lecture_1/ANL252_SU1_Jul2021 (MK_edits).pptx
+++ b/SuSS/ANL252_Python_4_Biz/3_Lecturer/Lecture_1/ANL252_SU1_Jul2021 (MK_edits).pptx
@@ -9018,7 +9018,7 @@
           <p:cNvPr id="6" name="Title 1">
             <a:extLst>
               <a:ext uri="{FF2B5EF4-FFF2-40B4-BE49-F238E27FC236}">
-                <a16:creationId xmlns:a16="http://schemas.microsoft.com/office/drawing/2014/main" id="{68CF854E-20CB-4ED7-8722-FCA536D762F6}"/>
+                <a16:creationId xmlns:a16="http://schemas.microsoft.com/office/drawing/2014/main" xmlns="" id="{68CF854E-20CB-4ED7-8722-FCA536D762F6}"/>
               </a:ext>
             </a:extLst>
           </p:cNvPr>
@@ -9059,7 +9059,7 @@
           <p:cNvPr id="9" name="Picture 8" descr="holding device-02.png">
             <a:extLst>
               <a:ext uri="{FF2B5EF4-FFF2-40B4-BE49-F238E27FC236}">
-                <a16:creationId xmlns:a16="http://schemas.microsoft.com/office/drawing/2014/main" id="{AA410A6D-8E37-40A0-B8CC-1C962083824E}"/>
+                <a16:creationId xmlns:a16="http://schemas.microsoft.com/office/drawing/2014/main" xmlns="" id="{AA410A6D-8E37-40A0-B8CC-1C962083824E}"/>
               </a:ext>
             </a:extLst>
           </p:cNvPr>
@@ -9094,7 +9094,7 @@
           <p:cNvPr id="10" name="Subtitle 2">
             <a:extLst>
               <a:ext uri="{FF2B5EF4-FFF2-40B4-BE49-F238E27FC236}">
-                <a16:creationId xmlns:a16="http://schemas.microsoft.com/office/drawing/2014/main" id="{2BD45AE7-ECF6-4289-BFAE-B988AB3AD28C}"/>
+                <a16:creationId xmlns:a16="http://schemas.microsoft.com/office/drawing/2014/main" xmlns="" id="{2BD45AE7-ECF6-4289-BFAE-B988AB3AD28C}"/>
               </a:ext>
             </a:extLst>
           </p:cNvPr>
@@ -9218,7 +9218,7 @@
           <p:cNvPr id="3" name="TextBox 2">
             <a:extLst>
               <a:ext uri="{FF2B5EF4-FFF2-40B4-BE49-F238E27FC236}">
-                <a16:creationId xmlns:a16="http://schemas.microsoft.com/office/drawing/2014/main" id="{F1E37139-96F0-452A-889E-7BC6FD1F677F}"/>
+                <a16:creationId xmlns:a16="http://schemas.microsoft.com/office/drawing/2014/main" xmlns="" id="{F1E37139-96F0-452A-889E-7BC6FD1F677F}"/>
               </a:ext>
             </a:extLst>
           </p:cNvPr>
@@ -12431,7 +12431,7 @@
           <p:cNvPr id="7" name="Picture 6" descr="holding device-02.png">
             <a:extLst>
               <a:ext uri="{FF2B5EF4-FFF2-40B4-BE49-F238E27FC236}">
-                <a16:creationId xmlns:a16="http://schemas.microsoft.com/office/drawing/2014/main" id="{77683DCF-304F-4543-AC23-5629F576D64C}"/>
+                <a16:creationId xmlns:a16="http://schemas.microsoft.com/office/drawing/2014/main" xmlns="" id="{77683DCF-304F-4543-AC23-5629F576D64C}"/>
               </a:ext>
             </a:extLst>
           </p:cNvPr>
@@ -12466,7 +12466,7 @@
           <p:cNvPr id="8" name="Subtitle 2">
             <a:extLst>
               <a:ext uri="{FF2B5EF4-FFF2-40B4-BE49-F238E27FC236}">
-                <a16:creationId xmlns:a16="http://schemas.microsoft.com/office/drawing/2014/main" id="{E17BF815-5C07-4BFA-9409-344E12682DF8}"/>
+                <a16:creationId xmlns:a16="http://schemas.microsoft.com/office/drawing/2014/main" xmlns="" id="{E17BF815-5C07-4BFA-9409-344E12682DF8}"/>
               </a:ext>
             </a:extLst>
           </p:cNvPr>
@@ -12590,7 +12590,7 @@
           <p:cNvPr id="6" name="TextBox 5">
             <a:extLst>
               <a:ext uri="{FF2B5EF4-FFF2-40B4-BE49-F238E27FC236}">
-                <a16:creationId xmlns:a16="http://schemas.microsoft.com/office/drawing/2014/main" id="{2876B1B1-984B-45C4-B17C-D67968468F89}"/>
+                <a16:creationId xmlns:a16="http://schemas.microsoft.com/office/drawing/2014/main" xmlns="" id="{2876B1B1-984B-45C4-B17C-D67968468F89}"/>
               </a:ext>
             </a:extLst>
           </p:cNvPr>
@@ -12641,7 +12641,7 @@
           <p:cNvPr id="9" name="Title 1">
             <a:extLst>
               <a:ext uri="{FF2B5EF4-FFF2-40B4-BE49-F238E27FC236}">
-                <a16:creationId xmlns:a16="http://schemas.microsoft.com/office/drawing/2014/main" id="{B84775C9-0020-4760-8F1A-1BC6A18CF030}"/>
+                <a16:creationId xmlns:a16="http://schemas.microsoft.com/office/drawing/2014/main" xmlns="" id="{B84775C9-0020-4760-8F1A-1BC6A18CF030}"/>
               </a:ext>
             </a:extLst>
           </p:cNvPr>
@@ -15835,7 +15835,7 @@
           <p:cNvPr id="6" name="Picture 5" descr="holding device-02.png">
             <a:extLst>
               <a:ext uri="{FF2B5EF4-FFF2-40B4-BE49-F238E27FC236}">
-                <a16:creationId xmlns:a16="http://schemas.microsoft.com/office/drawing/2014/main" id="{40570172-6531-4623-94F6-969DC93D5C82}"/>
+                <a16:creationId xmlns:a16="http://schemas.microsoft.com/office/drawing/2014/main" xmlns="" id="{40570172-6531-4623-94F6-969DC93D5C82}"/>
               </a:ext>
             </a:extLst>
           </p:cNvPr>
@@ -15870,7 +15870,7 @@
           <p:cNvPr id="7" name="Subtitle 2">
             <a:extLst>
               <a:ext uri="{FF2B5EF4-FFF2-40B4-BE49-F238E27FC236}">
-                <a16:creationId xmlns:a16="http://schemas.microsoft.com/office/drawing/2014/main" id="{6DCAD2DA-B888-43BF-AF5D-2273C167D24A}"/>
+                <a16:creationId xmlns:a16="http://schemas.microsoft.com/office/drawing/2014/main" xmlns="" id="{6DCAD2DA-B888-43BF-AF5D-2273C167D24A}"/>
               </a:ext>
             </a:extLst>
           </p:cNvPr>
@@ -15994,7 +15994,7 @@
           <p:cNvPr id="8" name="TextBox 7">
             <a:extLst>
               <a:ext uri="{FF2B5EF4-FFF2-40B4-BE49-F238E27FC236}">
-                <a16:creationId xmlns:a16="http://schemas.microsoft.com/office/drawing/2014/main" id="{98637835-A4A6-44B3-97AF-A304D77D6E8D}"/>
+                <a16:creationId xmlns:a16="http://schemas.microsoft.com/office/drawing/2014/main" xmlns="" id="{98637835-A4A6-44B3-97AF-A304D77D6E8D}"/>
               </a:ext>
             </a:extLst>
           </p:cNvPr>
@@ -16042,7 +16042,7 @@
           <p:cNvPr id="9" name="Title 1">
             <a:extLst>
               <a:ext uri="{FF2B5EF4-FFF2-40B4-BE49-F238E27FC236}">
-                <a16:creationId xmlns:a16="http://schemas.microsoft.com/office/drawing/2014/main" id="{50EAF03C-5C3E-4FE6-86AE-D5F72CC7A28B}"/>
+                <a16:creationId xmlns:a16="http://schemas.microsoft.com/office/drawing/2014/main" xmlns="" id="{50EAF03C-5C3E-4FE6-86AE-D5F72CC7A28B}"/>
               </a:ext>
             </a:extLst>
           </p:cNvPr>
@@ -16265,7 +16265,7 @@
           <p:cNvPr id="8" name="Picture 7" descr="holding device-02.png">
             <a:extLst>
               <a:ext uri="{FF2B5EF4-FFF2-40B4-BE49-F238E27FC236}">
-                <a16:creationId xmlns:a16="http://schemas.microsoft.com/office/drawing/2014/main" id="{DC58F275-C00E-4C38-8E85-7D10AB5BC611}"/>
+                <a16:creationId xmlns:a16="http://schemas.microsoft.com/office/drawing/2014/main" xmlns="" id="{DC58F275-C00E-4C38-8E85-7D10AB5BC611}"/>
               </a:ext>
             </a:extLst>
           </p:cNvPr>
@@ -16300,7 +16300,7 @@
           <p:cNvPr id="9" name="Subtitle 2">
             <a:extLst>
               <a:ext uri="{FF2B5EF4-FFF2-40B4-BE49-F238E27FC236}">
-                <a16:creationId xmlns:a16="http://schemas.microsoft.com/office/drawing/2014/main" id="{655A8B44-E113-4C6B-A2FC-5BEFE731A049}"/>
+                <a16:creationId xmlns:a16="http://schemas.microsoft.com/office/drawing/2014/main" xmlns="" id="{655A8B44-E113-4C6B-A2FC-5BEFE731A049}"/>
               </a:ext>
             </a:extLst>
           </p:cNvPr>
@@ -16424,7 +16424,7 @@
           <p:cNvPr id="5" name="TextBox 4">
             <a:extLst>
               <a:ext uri="{FF2B5EF4-FFF2-40B4-BE49-F238E27FC236}">
-                <a16:creationId xmlns:a16="http://schemas.microsoft.com/office/drawing/2014/main" id="{BC63C119-8C3D-4BA9-A698-F0D0CB9C8A1B}"/>
+                <a16:creationId xmlns:a16="http://schemas.microsoft.com/office/drawing/2014/main" xmlns="" id="{BC63C119-8C3D-4BA9-A698-F0D0CB9C8A1B}"/>
               </a:ext>
             </a:extLst>
           </p:cNvPr>
@@ -16472,7 +16472,7 @@
           <p:cNvPr id="6" name="Title 1">
             <a:extLst>
               <a:ext uri="{FF2B5EF4-FFF2-40B4-BE49-F238E27FC236}">
-                <a16:creationId xmlns:a16="http://schemas.microsoft.com/office/drawing/2014/main" id="{6A906A90-53E0-477B-A699-45F215D27E05}"/>
+                <a16:creationId xmlns:a16="http://schemas.microsoft.com/office/drawing/2014/main" xmlns="" id="{6A906A90-53E0-477B-A699-45F215D27E05}"/>
               </a:ext>
             </a:extLst>
           </p:cNvPr>
@@ -16541,7 +16541,7 @@
           <p:cNvPr id="6" name="Picture 5" descr="holding device-02.png">
             <a:extLst>
               <a:ext uri="{FF2B5EF4-FFF2-40B4-BE49-F238E27FC236}">
-                <a16:creationId xmlns:a16="http://schemas.microsoft.com/office/drawing/2014/main" id="{2DB593FB-453B-49CE-8C22-EC4F23596A03}"/>
+                <a16:creationId xmlns:a16="http://schemas.microsoft.com/office/drawing/2014/main" xmlns="" id="{2DB593FB-453B-49CE-8C22-EC4F23596A03}"/>
               </a:ext>
             </a:extLst>
           </p:cNvPr>
@@ -16576,7 +16576,7 @@
           <p:cNvPr id="10" name="Subtitle 2">
             <a:extLst>
               <a:ext uri="{FF2B5EF4-FFF2-40B4-BE49-F238E27FC236}">
-                <a16:creationId xmlns:a16="http://schemas.microsoft.com/office/drawing/2014/main" id="{B8C2D3B4-8000-4C3B-83C3-D27675CA2CFF}"/>
+                <a16:creationId xmlns:a16="http://schemas.microsoft.com/office/drawing/2014/main" xmlns="" id="{B8C2D3B4-8000-4C3B-83C3-D27675CA2CFF}"/>
               </a:ext>
             </a:extLst>
           </p:cNvPr>
@@ -16700,7 +16700,7 @@
           <p:cNvPr id="7" name="TextBox 6">
             <a:extLst>
               <a:ext uri="{FF2B5EF4-FFF2-40B4-BE49-F238E27FC236}">
-                <a16:creationId xmlns:a16="http://schemas.microsoft.com/office/drawing/2014/main" id="{5E8C3497-4C86-45A9-9AD7-8BB196B817C0}"/>
+                <a16:creationId xmlns:a16="http://schemas.microsoft.com/office/drawing/2014/main" xmlns="" id="{5E8C3497-4C86-45A9-9AD7-8BB196B817C0}"/>
               </a:ext>
             </a:extLst>
           </p:cNvPr>
@@ -16751,7 +16751,7 @@
           <p:cNvPr id="8" name="Title 1">
             <a:extLst>
               <a:ext uri="{FF2B5EF4-FFF2-40B4-BE49-F238E27FC236}">
-                <a16:creationId xmlns:a16="http://schemas.microsoft.com/office/drawing/2014/main" id="{7E77B9EF-A3AA-4C7D-BD20-E9188C16E13D}"/>
+                <a16:creationId xmlns:a16="http://schemas.microsoft.com/office/drawing/2014/main" xmlns="" id="{7E77B9EF-A3AA-4C7D-BD20-E9188C16E13D}"/>
               </a:ext>
             </a:extLst>
           </p:cNvPr>
@@ -16854,7 +16854,7 @@
           <p:cNvPr id="4" name="Picture 3" descr="01 Singapore University of Social Sciences_Horizontal Format_Version A_White Background_RGB.png">
             <a:extLst>
               <a:ext uri="{FF2B5EF4-FFF2-40B4-BE49-F238E27FC236}">
-                <a16:creationId xmlns:a16="http://schemas.microsoft.com/office/drawing/2014/main" id="{F4B87DF8-359B-428C-8106-C024322B14EB}"/>
+                <a16:creationId xmlns:a16="http://schemas.microsoft.com/office/drawing/2014/main" xmlns="" id="{F4B87DF8-359B-428C-8106-C024322B14EB}"/>
               </a:ext>
             </a:extLst>
           </p:cNvPr>
@@ -16890,7 +16890,7 @@
           <p:cNvPr id="5" name="Title 1">
             <a:extLst>
               <a:ext uri="{FF2B5EF4-FFF2-40B4-BE49-F238E27FC236}">
-                <a16:creationId xmlns:a16="http://schemas.microsoft.com/office/drawing/2014/main" id="{199BAE98-A49E-472D-8ACE-E2B33FF24B12}"/>
+                <a16:creationId xmlns:a16="http://schemas.microsoft.com/office/drawing/2014/main" xmlns="" id="{199BAE98-A49E-472D-8ACE-E2B33FF24B12}"/>
               </a:ext>
             </a:extLst>
           </p:cNvPr>
@@ -21614,8 +21614,8 @@
         </p:nvSpPr>
         <p:spPr bwMode="auto">
           <a:xfrm>
-            <a:off x="1433513" y="1022747"/>
-            <a:ext cx="5657850" cy="457200"/>
+            <a:off x="497118" y="1060325"/>
+            <a:ext cx="6204306" cy="457200"/>
           </a:xfrm>
           <a:noFill/>
           <a:extLst>
@@ -21666,7 +21666,18 @@
                 <a:ea typeface="ヒラギノ角ゴ Pro W3"/>
                 <a:cs typeface="ヒラギノ角ゴ Pro W3"/>
               </a:rPr>
-              <a:t>– Study Units</a:t>
+              <a:t>– </a:t>
+            </a:r>
+            <a:r>
+              <a:rPr lang="en-US" altLang="en-US" sz="2100" dirty="0">
+                <a:solidFill>
+                  <a:schemeClr val="bg1"/>
+                </a:solidFill>
+                <a:latin typeface="Lucida Sans" panose="020B0602030504020204" pitchFamily="34" charset="0"/>
+                <a:ea typeface="ヒラギノ角ゴ Pro W3"/>
+                <a:cs typeface="ヒラギノ角ゴ Pro W3"/>
+              </a:rPr>
+              <a:t>Assessments, weightage, deadlines</a:t>
             </a:r>
             <a:endParaRPr lang="en-SG" altLang="en-US" sz="2100" dirty="0">
               <a:solidFill>
@@ -21691,7 +21702,7 @@
         </p:nvSpPr>
         <p:spPr bwMode="auto">
           <a:xfrm>
-            <a:off x="1223628" y="1606088"/>
+            <a:off x="497118" y="1631140"/>
             <a:ext cx="5657850" cy="228600"/>
           </a:xfrm>
           <a:noFill/>
@@ -21741,27 +21752,21 @@
       </p:sp>
       <p:graphicFrame>
         <p:nvGraphicFramePr>
-          <p:cNvPr id="2" name="Table 2">
-            <a:extLst>
-              <a:ext uri="{FF2B5EF4-FFF2-40B4-BE49-F238E27FC236}">
-                <a16:creationId xmlns:a16="http://schemas.microsoft.com/office/drawing/2014/main" id="{A557F063-8854-48BA-BF0D-D7E1B7E4BBA7}"/>
-              </a:ext>
-            </a:extLst>
-          </p:cNvPr>
+          <p:cNvPr id="6" name="Content Placeholder 3"/>
           <p:cNvGraphicFramePr>
-            <a:graphicFrameLocks noGrp="1"/>
+            <a:graphicFrameLocks/>
           </p:cNvGraphicFramePr>
           <p:nvPr>
             <p:extLst>
               <p:ext uri="{D42A27DB-BD31-4B8C-83A1-F6EECF244321}">
-                <p14:modId xmlns:p14="http://schemas.microsoft.com/office/powerpoint/2010/main" val="1632723437"/>
+                <p14:modId xmlns:p14="http://schemas.microsoft.com/office/powerpoint/2010/main" val="1114086816"/>
               </p:ext>
             </p:extLst>
           </p:nvPr>
         </p:nvGraphicFramePr>
         <p:xfrm>
-          <a:off x="1223628" y="1978519"/>
-          <a:ext cx="6683956" cy="3108960"/>
+          <a:off x="495522" y="2093160"/>
+          <a:ext cx="8152956" cy="3773204"/>
         </p:xfrm>
         <a:graphic>
           <a:graphicData uri="http://schemas.openxmlformats.org/drawingml/2006/table">
@@ -21770,101 +21775,49 @@
                 <a:tableStyleId>{5C22544A-7EE6-4342-B048-85BDC9FD1C3A}</a:tableStyleId>
               </a:tblPr>
               <a:tblGrid>
-                <a:gridCol w="568166">
+                <a:gridCol w="2073847">
                   <a:extLst>
                     <a:ext uri="{9D8B030D-6E8A-4147-A177-3AD203B41FA5}">
-                      <a16:colId xmlns:a16="http://schemas.microsoft.com/office/drawing/2014/main" val="490576269"/>
+                      <a16:colId xmlns:a16="http://schemas.microsoft.com/office/drawing/2014/main" xmlns="" val="736504923"/>
                     </a:ext>
                   </a:extLst>
                 </a:gridCol>
-                <a:gridCol w="2398728">
+                <a:gridCol w="2867660">
                   <a:extLst>
                     <a:ext uri="{9D8B030D-6E8A-4147-A177-3AD203B41FA5}">
-                      <a16:colId xmlns:a16="http://schemas.microsoft.com/office/drawing/2014/main" val="2750247129"/>
+                      <a16:colId xmlns:a16="http://schemas.microsoft.com/office/drawing/2014/main" xmlns="" val="2972121942"/>
                     </a:ext>
                   </a:extLst>
                 </a:gridCol>
-                <a:gridCol w="705089">
+                <a:gridCol w="1188085">
                   <a:extLst>
                     <a:ext uri="{9D8B030D-6E8A-4147-A177-3AD203B41FA5}">
-                      <a16:colId xmlns:a16="http://schemas.microsoft.com/office/drawing/2014/main" val="3137058074"/>
+                      <a16:colId xmlns:a16="http://schemas.microsoft.com/office/drawing/2014/main" xmlns="" val="366444726"/>
                     </a:ext>
                   </a:extLst>
                 </a:gridCol>
-                <a:gridCol w="1765364">
+                <a:gridCol w="2023364">
                   <a:extLst>
                     <a:ext uri="{9D8B030D-6E8A-4147-A177-3AD203B41FA5}">
-                      <a16:colId xmlns:a16="http://schemas.microsoft.com/office/drawing/2014/main" val="2240145745"/>
-                    </a:ext>
-                  </a:extLst>
-                </a:gridCol>
-                <a:gridCol w="1246609">
-                  <a:extLst>
-                    <a:ext uri="{9D8B030D-6E8A-4147-A177-3AD203B41FA5}">
-                      <a16:colId xmlns:a16="http://schemas.microsoft.com/office/drawing/2014/main" val="3968797517"/>
+                      <a16:colId xmlns:a16="http://schemas.microsoft.com/office/drawing/2014/main" xmlns="" val="4127926302"/>
                     </a:ext>
                   </a:extLst>
                 </a:gridCol>
               </a:tblGrid>
-              <a:tr h="434340">
+              <a:tr h="391886">
                 <a:tc>
                   <a:txBody>
                     <a:bodyPr/>
                     <a:lstStyle/>
                     <a:p>
-                      <a:pPr algn="ctr"/>
                       <a:r>
-                        <a:rPr lang="en-US" sz="1200" dirty="0"/>
-                        <a:t>Study </a:t>
+                        <a:rPr lang="en-US" dirty="0" smtClean="0"/>
+                        <a:t>Assessment</a:t>
                       </a:r>
-                    </a:p>
-                    <a:p>
-                      <a:pPr algn="ctr"/>
-                      <a:r>
-                        <a:rPr lang="en-US" sz="1200" dirty="0"/>
-                        <a:t>Unit</a:t>
-                      </a:r>
-                      <a:endParaRPr lang="en-SG" sz="1200" dirty="0"/>
+                      <a:endParaRPr lang="en-SG" dirty="0"/>
                     </a:p>
                   </a:txBody>
-                  <a:tcPr marL="68580" marR="68580" marT="34290" marB="34290" anchor="ctr">
-                    <a:lnL w="12700" cap="flat" cmpd="sng" algn="ctr">
-                      <a:solidFill>
-                        <a:schemeClr val="tx1"/>
-                      </a:solidFill>
-                      <a:prstDash val="solid"/>
-                      <a:round/>
-                      <a:headEnd type="none" w="med" len="med"/>
-                      <a:tailEnd type="none" w="med" len="med"/>
-                    </a:lnL>
-                    <a:lnR w="12700" cap="flat" cmpd="sng" algn="ctr">
-                      <a:solidFill>
-                        <a:schemeClr val="tx1"/>
-                      </a:solidFill>
-                      <a:prstDash val="solid"/>
-                      <a:round/>
-                      <a:headEnd type="none" w="med" len="med"/>
-                      <a:tailEnd type="none" w="med" len="med"/>
-                    </a:lnR>
-                    <a:lnT w="12700" cap="flat" cmpd="sng" algn="ctr">
-                      <a:solidFill>
-                        <a:schemeClr val="tx1"/>
-                      </a:solidFill>
-                      <a:prstDash val="solid"/>
-                      <a:round/>
-                      <a:headEnd type="none" w="med" len="med"/>
-                      <a:tailEnd type="none" w="med" len="med"/>
-                    </a:lnT>
-                    <a:lnB w="12700" cap="flat" cmpd="sng" algn="ctr">
-                      <a:solidFill>
-                        <a:schemeClr val="tx1"/>
-                      </a:solidFill>
-                      <a:prstDash val="solid"/>
-                      <a:round/>
-                      <a:headEnd type="none" w="med" len="med"/>
-                      <a:tailEnd type="none" w="med" len="med"/>
-                    </a:lnB>
-                  </a:tcPr>
+                  <a:tcPr anchor="ctr"/>
                 </a:tc>
                 <a:tc>
                   <a:txBody>
@@ -21873,50 +21826,13 @@
                     <a:p>
                       <a:pPr algn="ctr"/>
                       <a:r>
-                        <a:rPr lang="en-US" sz="1200" dirty="0"/>
-                        <a:t>Topic</a:t>
+                        <a:rPr lang="en-US" dirty="0" smtClean="0"/>
+                        <a:t>Weightage</a:t>
                       </a:r>
-                      <a:endParaRPr lang="en-SG" sz="1200" dirty="0"/>
+                      <a:endParaRPr lang="en-SG" dirty="0"/>
                     </a:p>
                   </a:txBody>
-                  <a:tcPr marL="68580" marR="68580" marT="34290" marB="34290" anchor="ctr">
-                    <a:lnL w="12700" cap="flat" cmpd="sng" algn="ctr">
-                      <a:solidFill>
-                        <a:schemeClr val="tx1"/>
-                      </a:solidFill>
-                      <a:prstDash val="solid"/>
-                      <a:round/>
-                      <a:headEnd type="none" w="med" len="med"/>
-                      <a:tailEnd type="none" w="med" len="med"/>
-                    </a:lnL>
-                    <a:lnR w="12700" cap="flat" cmpd="sng" algn="ctr">
-                      <a:solidFill>
-                        <a:schemeClr val="tx1"/>
-                      </a:solidFill>
-                      <a:prstDash val="solid"/>
-                      <a:round/>
-                      <a:headEnd type="none" w="med" len="med"/>
-                      <a:tailEnd type="none" w="med" len="med"/>
-                    </a:lnR>
-                    <a:lnT w="12700" cap="flat" cmpd="sng" algn="ctr">
-                      <a:solidFill>
-                        <a:schemeClr val="tx1"/>
-                      </a:solidFill>
-                      <a:prstDash val="solid"/>
-                      <a:round/>
-                      <a:headEnd type="none" w="med" len="med"/>
-                      <a:tailEnd type="none" w="med" len="med"/>
-                    </a:lnT>
-                    <a:lnB w="12700" cap="flat" cmpd="sng" algn="ctr">
-                      <a:solidFill>
-                        <a:schemeClr val="tx1"/>
-                      </a:solidFill>
-                      <a:prstDash val="solid"/>
-                      <a:round/>
-                      <a:headEnd type="none" w="med" len="med"/>
-                      <a:tailEnd type="none" w="med" len="med"/>
-                    </a:lnB>
-                  </a:tcPr>
+                  <a:tcPr anchor="ctr"/>
                 </a:tc>
                 <a:tc>
                   <a:txBody>
@@ -21925,57 +21841,13 @@
                     <a:p>
                       <a:pPr algn="ctr"/>
                       <a:r>
-                        <a:rPr lang="en-US" sz="1200" dirty="0"/>
-                        <a:t>Date </a:t>
+                        <a:rPr lang="en-US" dirty="0" smtClean="0"/>
+                        <a:t>Start date</a:t>
                       </a:r>
-                    </a:p>
-                    <a:p>
-                      <a:pPr algn="ctr"/>
-                      <a:r>
-                        <a:rPr lang="en-US" sz="1200" dirty="0"/>
-                        <a:t>(2021)</a:t>
-                      </a:r>
-                      <a:endParaRPr lang="en-SG" sz="1200" dirty="0"/>
+                      <a:endParaRPr lang="en-SG" dirty="0"/>
                     </a:p>
                   </a:txBody>
-                  <a:tcPr marL="68580" marR="68580" marT="34290" marB="34290" anchor="ctr">
-                    <a:lnL w="12700" cap="flat" cmpd="sng" algn="ctr">
-                      <a:solidFill>
-                        <a:schemeClr val="tx1"/>
-                      </a:solidFill>
-                      <a:prstDash val="solid"/>
-                      <a:round/>
-                      <a:headEnd type="none" w="med" len="med"/>
-                      <a:tailEnd type="none" w="med" len="med"/>
-                    </a:lnL>
-                    <a:lnR w="12700" cap="flat" cmpd="sng" algn="ctr">
-                      <a:solidFill>
-                        <a:schemeClr val="tx1"/>
-                      </a:solidFill>
-                      <a:prstDash val="solid"/>
-                      <a:round/>
-                      <a:headEnd type="none" w="med" len="med"/>
-                      <a:tailEnd type="none" w="med" len="med"/>
-                    </a:lnR>
-                    <a:lnT w="12700" cap="flat" cmpd="sng" algn="ctr">
-                      <a:solidFill>
-                        <a:schemeClr val="tx1"/>
-                      </a:solidFill>
-                      <a:prstDash val="solid"/>
-                      <a:round/>
-                      <a:headEnd type="none" w="med" len="med"/>
-                      <a:tailEnd type="none" w="med" len="med"/>
-                    </a:lnT>
-                    <a:lnB w="12700" cap="flat" cmpd="sng" algn="ctr">
-                      <a:solidFill>
-                        <a:schemeClr val="tx1"/>
-                      </a:solidFill>
-                      <a:prstDash val="solid"/>
-                      <a:round/>
-                      <a:headEnd type="none" w="med" len="med"/>
-                      <a:tailEnd type="none" w="med" len="med"/>
-                    </a:lnB>
-                  </a:tcPr>
+                  <a:tcPr anchor="ctr"/>
                 </a:tc>
                 <a:tc>
                   <a:txBody>
@@ -21984,50 +21856,38 @@
                     <a:p>
                       <a:pPr algn="ctr"/>
                       <a:r>
-                        <a:rPr lang="en-US" sz="1200" dirty="0"/>
-                        <a:t>Quiz</a:t>
+                        <a:rPr lang="en-US" dirty="0" smtClean="0"/>
+                        <a:t>Deadline</a:t>
                       </a:r>
-                      <a:endParaRPr lang="en-SG" sz="1200" dirty="0"/>
+                      <a:endParaRPr lang="en-SG" dirty="0"/>
                     </a:p>
                   </a:txBody>
-                  <a:tcPr marL="68580" marR="68580" marT="34290" marB="34290" anchor="ctr">
-                    <a:lnL w="12700" cap="flat" cmpd="sng" algn="ctr">
-                      <a:solidFill>
-                        <a:schemeClr val="tx1"/>
-                      </a:solidFill>
-                      <a:prstDash val="solid"/>
-                      <a:round/>
-                      <a:headEnd type="none" w="med" len="med"/>
-                      <a:tailEnd type="none" w="med" len="med"/>
-                    </a:lnL>
-                    <a:lnR w="12700" cap="flat" cmpd="sng" algn="ctr">
-                      <a:solidFill>
-                        <a:schemeClr val="tx1"/>
-                      </a:solidFill>
-                      <a:prstDash val="solid"/>
-                      <a:round/>
-                      <a:headEnd type="none" w="med" len="med"/>
-                      <a:tailEnd type="none" w="med" len="med"/>
-                    </a:lnR>
-                    <a:lnT w="12700" cap="flat" cmpd="sng" algn="ctr">
-                      <a:solidFill>
-                        <a:schemeClr val="tx1"/>
-                      </a:solidFill>
-                      <a:prstDash val="solid"/>
-                      <a:round/>
-                      <a:headEnd type="none" w="med" len="med"/>
-                      <a:tailEnd type="none" w="med" len="med"/>
-                    </a:lnT>
-                    <a:lnB w="12700" cap="flat" cmpd="sng" algn="ctr">
-                      <a:solidFill>
-                        <a:schemeClr val="tx1"/>
-                      </a:solidFill>
-                      <a:prstDash val="solid"/>
-                      <a:round/>
-                      <a:headEnd type="none" w="med" len="med"/>
-                      <a:tailEnd type="none" w="med" len="med"/>
-                    </a:lnB>
-                  </a:tcPr>
+                  <a:tcPr anchor="ctr"/>
+                </a:tc>
+                <a:extLst>
+                  <a:ext uri="{0D108BD9-81ED-4DB2-BD59-A6C34878D82A}">
+                    <a16:rowId xmlns:a16="http://schemas.microsoft.com/office/drawing/2014/main" xmlns="" val="920890589"/>
+                  </a:ext>
+                </a:extLst>
+              </a:tr>
+              <a:tr h="368412">
+                <a:tc>
+                  <a:txBody>
+                    <a:bodyPr/>
+                    <a:lstStyle/>
+                    <a:p>
+                      <a:r>
+                        <a:rPr lang="en-US" dirty="0" smtClean="0"/>
+                        <a:t>Pre-Course</a:t>
+                      </a:r>
+                      <a:r>
+                        <a:rPr lang="en-US" baseline="0" dirty="0" smtClean="0"/>
+                        <a:t> Quiz 1</a:t>
+                      </a:r>
+                      <a:endParaRPr lang="en-SG" dirty="0"/>
+                    </a:p>
+                  </a:txBody>
+                  <a:tcPr anchor="ctr"/>
                 </a:tc>
                 <a:tc>
                   <a:txBody>
@@ -22036,120 +21896,13 @@
                     <a:p>
                       <a:pPr algn="ctr"/>
                       <a:r>
-                        <a:rPr lang="en-US" sz="1200" dirty="0">
-                          <a:solidFill>
-                            <a:srgbClr val="FF0000"/>
-                          </a:solidFill>
-                        </a:rPr>
-                        <a:t>Deadlines</a:t>
+                        <a:rPr lang="en-US" dirty="0" smtClean="0"/>
+                        <a:t>2%</a:t>
                       </a:r>
-                      <a:endParaRPr lang="en-SG" sz="1200" dirty="0">
-                        <a:solidFill>
-                          <a:srgbClr val="FF0000"/>
-                        </a:solidFill>
-                      </a:endParaRPr>
+                      <a:endParaRPr lang="en-SG" dirty="0"/>
                     </a:p>
                   </a:txBody>
-                  <a:tcPr marL="68580" marR="68580" marT="34290" marB="34290" anchor="ctr">
-                    <a:lnL w="12700" cap="flat" cmpd="sng" algn="ctr">
-                      <a:solidFill>
-                        <a:schemeClr val="tx1"/>
-                      </a:solidFill>
-                      <a:prstDash val="solid"/>
-                      <a:round/>
-                      <a:headEnd type="none" w="med" len="med"/>
-                      <a:tailEnd type="none" w="med" len="med"/>
-                    </a:lnL>
-                    <a:lnR w="12700" cap="flat" cmpd="sng" algn="ctr">
-                      <a:solidFill>
-                        <a:schemeClr val="tx1"/>
-                      </a:solidFill>
-                      <a:prstDash val="solid"/>
-                      <a:round/>
-                      <a:headEnd type="none" w="med" len="med"/>
-                      <a:tailEnd type="none" w="med" len="med"/>
-                    </a:lnR>
-                    <a:lnT w="12700" cap="flat" cmpd="sng" algn="ctr">
-                      <a:solidFill>
-                        <a:schemeClr val="tx1"/>
-                      </a:solidFill>
-                      <a:prstDash val="solid"/>
-                      <a:round/>
-                      <a:headEnd type="none" w="med" len="med"/>
-                      <a:tailEnd type="none" w="med" len="med"/>
-                    </a:lnT>
-                    <a:lnB w="12700" cap="flat" cmpd="sng" algn="ctr">
-                      <a:solidFill>
-                        <a:schemeClr val="tx1"/>
-                      </a:solidFill>
-                      <a:prstDash val="solid"/>
-                      <a:round/>
-                      <a:headEnd type="none" w="med" len="med"/>
-                      <a:tailEnd type="none" w="med" len="med"/>
-                    </a:lnB>
-                    <a:solidFill>
-                      <a:srgbClr val="FFFF00"/>
-                    </a:solidFill>
-                  </a:tcPr>
-                </a:tc>
-                <a:extLst>
-                  <a:ext uri="{0D108BD9-81ED-4DB2-BD59-A6C34878D82A}">
-                    <a16:rowId xmlns:a16="http://schemas.microsoft.com/office/drawing/2014/main" val="1944635151"/>
-                  </a:ext>
-                </a:extLst>
-              </a:tr>
-              <a:tr h="617220">
-                <a:tc>
-                  <a:txBody>
-                    <a:bodyPr/>
-                    <a:lstStyle/>
-                    <a:p>
-                      <a:pPr algn="ctr"/>
-                      <a:r>
-                        <a:rPr lang="en-US" sz="1200" dirty="0"/>
-                        <a:t>1</a:t>
-                      </a:r>
-                      <a:endParaRPr lang="en-SG" sz="1200" dirty="0"/>
-                    </a:p>
-                  </a:txBody>
-                  <a:tcPr marL="68580" marR="68580" marT="34290" marB="34290" anchor="ctr">
-                    <a:lnL w="12700" cap="flat" cmpd="sng" algn="ctr">
-                      <a:solidFill>
-                        <a:schemeClr val="tx1"/>
-                      </a:solidFill>
-                      <a:prstDash val="solid"/>
-                      <a:round/>
-                      <a:headEnd type="none" w="med" len="med"/>
-                      <a:tailEnd type="none" w="med" len="med"/>
-                    </a:lnL>
-                    <a:lnR w="12700" cap="flat" cmpd="sng" algn="ctr">
-                      <a:solidFill>
-                        <a:schemeClr val="tx1"/>
-                      </a:solidFill>
-                      <a:prstDash val="solid"/>
-                      <a:round/>
-                      <a:headEnd type="none" w="med" len="med"/>
-                      <a:tailEnd type="none" w="med" len="med"/>
-                    </a:lnR>
-                    <a:lnT w="12700" cap="flat" cmpd="sng" algn="ctr">
-                      <a:solidFill>
-                        <a:schemeClr val="tx1"/>
-                      </a:solidFill>
-                      <a:prstDash val="solid"/>
-                      <a:round/>
-                      <a:headEnd type="none" w="med" len="med"/>
-                      <a:tailEnd type="none" w="med" len="med"/>
-                    </a:lnT>
-                    <a:lnB w="12700" cap="flat" cmpd="sng" algn="ctr">
-                      <a:solidFill>
-                        <a:schemeClr val="tx1"/>
-                      </a:solidFill>
-                      <a:prstDash val="solid"/>
-                      <a:round/>
-                      <a:headEnd type="none" w="med" len="med"/>
-                      <a:tailEnd type="none" w="med" len="med"/>
-                    </a:lnB>
-                  </a:tcPr>
+                  <a:tcPr anchor="ctr"/>
                 </a:tc>
                 <a:tc>
                   <a:txBody>
@@ -22158,50 +21911,13 @@
                     <a:p>
                       <a:pPr algn="ctr"/>
                       <a:r>
-                        <a:rPr lang="en-US" sz="1200" dirty="0" smtClean="0"/>
-                        <a:t>Introduction to Python Programming</a:t>
+                        <a:rPr lang="en-US" dirty="0" smtClean="0"/>
+                        <a:t>19 July, 12pm</a:t>
                       </a:r>
-                      <a:endParaRPr lang="en-SG" sz="1200" dirty="0"/>
+                      <a:endParaRPr lang="en-SG" dirty="0"/>
                     </a:p>
                   </a:txBody>
-                  <a:tcPr marL="68580" marR="68580" marT="34290" marB="34290" anchor="ctr">
-                    <a:lnL w="12700" cap="flat" cmpd="sng" algn="ctr">
-                      <a:solidFill>
-                        <a:schemeClr val="tx1"/>
-                      </a:solidFill>
-                      <a:prstDash val="solid"/>
-                      <a:round/>
-                      <a:headEnd type="none" w="med" len="med"/>
-                      <a:tailEnd type="none" w="med" len="med"/>
-                    </a:lnL>
-                    <a:lnR w="12700" cap="flat" cmpd="sng" algn="ctr">
-                      <a:solidFill>
-                        <a:schemeClr val="tx1"/>
-                      </a:solidFill>
-                      <a:prstDash val="solid"/>
-                      <a:round/>
-                      <a:headEnd type="none" w="med" len="med"/>
-                      <a:tailEnd type="none" w="med" len="med"/>
-                    </a:lnR>
-                    <a:lnT w="12700" cap="flat" cmpd="sng" algn="ctr">
-                      <a:solidFill>
-                        <a:schemeClr val="tx1"/>
-                      </a:solidFill>
-                      <a:prstDash val="solid"/>
-                      <a:round/>
-                      <a:headEnd type="none" w="med" len="med"/>
-                      <a:tailEnd type="none" w="med" len="med"/>
-                    </a:lnT>
-                    <a:lnB w="12700" cap="flat" cmpd="sng" algn="ctr">
-                      <a:solidFill>
-                        <a:schemeClr val="tx1"/>
-                      </a:solidFill>
-                      <a:prstDash val="solid"/>
-                      <a:round/>
-                      <a:headEnd type="none" w="med" len="med"/>
-                      <a:tailEnd type="none" w="med" len="med"/>
-                    </a:lnB>
-                  </a:tcPr>
+                  <a:tcPr anchor="ctr"/>
                 </a:tc>
                 <a:tc>
                   <a:txBody>
@@ -22210,58 +21926,38 @@
                     <a:p>
                       <a:pPr algn="ctr"/>
                       <a:r>
-                        <a:rPr lang="en-US" sz="1200" dirty="0" smtClean="0"/>
-                        <a:t>26</a:t>
+                        <a:rPr lang="en-US" dirty="0" smtClean="0"/>
+                        <a:t>30 July,</a:t>
                       </a:r>
                       <a:r>
-                        <a:rPr lang="en-US" sz="1200" baseline="30000" dirty="0" smtClean="0"/>
-                        <a:t>th</a:t>
+                        <a:rPr lang="en-US" baseline="0" dirty="0" smtClean="0"/>
+                        <a:t> 12pm</a:t>
                       </a:r>
-                      <a:r>
-                        <a:rPr lang="en-US" sz="1200" dirty="0" smtClean="0"/>
-                        <a:t> Jul</a:t>
-                      </a:r>
-                      <a:endParaRPr lang="en-SG" sz="1200" dirty="0"/>
+                      <a:endParaRPr lang="en-SG" dirty="0"/>
                     </a:p>
                   </a:txBody>
-                  <a:tcPr marL="68580" marR="68580" marT="34290" marB="34290" anchor="ctr">
-                    <a:lnL w="12700" cap="flat" cmpd="sng" algn="ctr">
-                      <a:solidFill>
-                        <a:schemeClr val="tx1"/>
-                      </a:solidFill>
-                      <a:prstDash val="solid"/>
-                      <a:round/>
-                      <a:headEnd type="none" w="med" len="med"/>
-                      <a:tailEnd type="none" w="med" len="med"/>
-                    </a:lnL>
-                    <a:lnR w="12700" cap="flat" cmpd="sng" algn="ctr">
-                      <a:solidFill>
-                        <a:schemeClr val="tx1"/>
-                      </a:solidFill>
-                      <a:prstDash val="solid"/>
-                      <a:round/>
-                      <a:headEnd type="none" w="med" len="med"/>
-                      <a:tailEnd type="none" w="med" len="med"/>
-                    </a:lnR>
-                    <a:lnT w="12700" cap="flat" cmpd="sng" algn="ctr">
-                      <a:solidFill>
-                        <a:schemeClr val="tx1"/>
-                      </a:solidFill>
-                      <a:prstDash val="solid"/>
-                      <a:round/>
-                      <a:headEnd type="none" w="med" len="med"/>
-                      <a:tailEnd type="none" w="med" len="med"/>
-                    </a:lnT>
-                    <a:lnB w="12700" cap="flat" cmpd="sng" algn="ctr">
-                      <a:solidFill>
-                        <a:schemeClr val="tx1"/>
-                      </a:solidFill>
-                      <a:prstDash val="solid"/>
-                      <a:round/>
-                      <a:headEnd type="none" w="med" len="med"/>
-                      <a:tailEnd type="none" w="med" len="med"/>
-                    </a:lnB>
-                  </a:tcPr>
+                  <a:tcPr anchor="ctr"/>
+                </a:tc>
+                <a:extLst>
+                  <a:ext uri="{0D108BD9-81ED-4DB2-BD59-A6C34878D82A}">
+                    <a16:rowId xmlns:a16="http://schemas.microsoft.com/office/drawing/2014/main" xmlns="" val="301574426"/>
+                  </a:ext>
+                </a:extLst>
+              </a:tr>
+              <a:tr h="368412">
+                <a:tc>
+                  <a:txBody>
+                    <a:bodyPr/>
+                    <a:lstStyle/>
+                    <a:p>
+                      <a:r>
+                        <a:rPr lang="en-US" dirty="0" smtClean="0"/>
+                        <a:t>Pre-Class Quiz 1</a:t>
+                      </a:r>
+                      <a:endParaRPr lang="en-SG" dirty="0"/>
+                    </a:p>
+                  </a:txBody>
+                  <a:tcPr anchor="ctr"/>
                 </a:tc>
                 <a:tc>
                   <a:txBody>
@@ -22270,212 +21966,13 @@
                     <a:p>
                       <a:pPr algn="ctr"/>
                       <a:r>
-                        <a:rPr lang="en-US" sz="1200" dirty="0"/>
-                        <a:t>Pre-Course Quiz 01*</a:t>
+                        <a:rPr lang="en-US" dirty="0" smtClean="0"/>
+                        <a:t>2%</a:t>
                       </a:r>
-                      <a:endParaRPr lang="en-SG" sz="1200" dirty="0"/>
+                      <a:endParaRPr lang="en-SG" dirty="0"/>
                     </a:p>
                   </a:txBody>
-                  <a:tcPr marL="68580" marR="68580" marT="34290" marB="34290" anchor="ctr">
-                    <a:lnL w="12700" cap="flat" cmpd="sng" algn="ctr">
-                      <a:solidFill>
-                        <a:schemeClr val="tx1"/>
-                      </a:solidFill>
-                      <a:prstDash val="solid"/>
-                      <a:round/>
-                      <a:headEnd type="none" w="med" len="med"/>
-                      <a:tailEnd type="none" w="med" len="med"/>
-                    </a:lnL>
-                    <a:lnR w="12700" cap="flat" cmpd="sng" algn="ctr">
-                      <a:solidFill>
-                        <a:schemeClr val="tx1"/>
-                      </a:solidFill>
-                      <a:prstDash val="solid"/>
-                      <a:round/>
-                      <a:headEnd type="none" w="med" len="med"/>
-                      <a:tailEnd type="none" w="med" len="med"/>
-                    </a:lnR>
-                    <a:lnT w="12700" cap="flat" cmpd="sng" algn="ctr">
-                      <a:solidFill>
-                        <a:schemeClr val="tx1"/>
-                      </a:solidFill>
-                      <a:prstDash val="solid"/>
-                      <a:round/>
-                      <a:headEnd type="none" w="med" len="med"/>
-                      <a:tailEnd type="none" w="med" len="med"/>
-                    </a:lnT>
-                    <a:lnB w="12700" cap="flat" cmpd="sng" algn="ctr">
-                      <a:solidFill>
-                        <a:schemeClr val="tx1"/>
-                      </a:solidFill>
-                      <a:prstDash val="solid"/>
-                      <a:round/>
-                      <a:headEnd type="none" w="med" len="med"/>
-                      <a:tailEnd type="none" w="med" len="med"/>
-                    </a:lnB>
-                  </a:tcPr>
-                </a:tc>
-                <a:tc>
-                  <a:txBody>
-                    <a:bodyPr/>
-                    <a:lstStyle/>
-                    <a:p>
-                      <a:pPr algn="ctr"/>
-                      <a:endParaRPr lang="en-SG" sz="1200" dirty="0">
-                        <a:solidFill>
-                          <a:srgbClr val="FF0000"/>
-                        </a:solidFill>
-                      </a:endParaRPr>
-                    </a:p>
-                  </a:txBody>
-                  <a:tcPr marL="68580" marR="68580" marT="34290" marB="34290" anchor="ctr">
-                    <a:lnL w="12700" cap="flat" cmpd="sng" algn="ctr">
-                      <a:solidFill>
-                        <a:schemeClr val="tx1"/>
-                      </a:solidFill>
-                      <a:prstDash val="solid"/>
-                      <a:round/>
-                      <a:headEnd type="none" w="med" len="med"/>
-                      <a:tailEnd type="none" w="med" len="med"/>
-                    </a:lnL>
-                    <a:lnR w="12700" cap="flat" cmpd="sng" algn="ctr">
-                      <a:solidFill>
-                        <a:schemeClr val="tx1"/>
-                      </a:solidFill>
-                      <a:prstDash val="solid"/>
-                      <a:round/>
-                      <a:headEnd type="none" w="med" len="med"/>
-                      <a:tailEnd type="none" w="med" len="med"/>
-                    </a:lnR>
-                    <a:lnT w="12700" cap="flat" cmpd="sng" algn="ctr">
-                      <a:solidFill>
-                        <a:schemeClr val="tx1"/>
-                      </a:solidFill>
-                      <a:prstDash val="solid"/>
-                      <a:round/>
-                      <a:headEnd type="none" w="med" len="med"/>
-                      <a:tailEnd type="none" w="med" len="med"/>
-                    </a:lnT>
-                    <a:lnB w="12700" cap="flat" cmpd="sng" algn="ctr">
-                      <a:solidFill>
-                        <a:schemeClr val="tx1"/>
-                      </a:solidFill>
-                      <a:prstDash val="solid"/>
-                      <a:round/>
-                      <a:headEnd type="none" w="med" len="med"/>
-                      <a:tailEnd type="none" w="med" len="med"/>
-                    </a:lnB>
-                    <a:solidFill>
-                      <a:srgbClr val="FFFF00"/>
-                    </a:solidFill>
-                  </a:tcPr>
-                </a:tc>
-                <a:extLst>
-                  <a:ext uri="{0D108BD9-81ED-4DB2-BD59-A6C34878D82A}">
-                    <a16:rowId xmlns:a16="http://schemas.microsoft.com/office/drawing/2014/main" val="3504103745"/>
-                  </a:ext>
-                </a:extLst>
-              </a:tr>
-              <a:tr h="251460">
-                <a:tc>
-                  <a:txBody>
-                    <a:bodyPr/>
-                    <a:lstStyle/>
-                    <a:p>
-                      <a:pPr algn="ctr"/>
-                      <a:r>
-                        <a:rPr lang="en-US" sz="1200" dirty="0"/>
-                        <a:t>2</a:t>
-                      </a:r>
-                      <a:endParaRPr lang="en-SG" sz="1200" dirty="0"/>
-                    </a:p>
-                  </a:txBody>
-                  <a:tcPr marL="68580" marR="68580" marT="34290" marB="34290" anchor="ctr">
-                    <a:lnL w="12700" cap="flat" cmpd="sng" algn="ctr">
-                      <a:solidFill>
-                        <a:schemeClr val="tx1"/>
-                      </a:solidFill>
-                      <a:prstDash val="solid"/>
-                      <a:round/>
-                      <a:headEnd type="none" w="med" len="med"/>
-                      <a:tailEnd type="none" w="med" len="med"/>
-                    </a:lnL>
-                    <a:lnR w="12700" cap="flat" cmpd="sng" algn="ctr">
-                      <a:solidFill>
-                        <a:schemeClr val="tx1"/>
-                      </a:solidFill>
-                      <a:prstDash val="solid"/>
-                      <a:round/>
-                      <a:headEnd type="none" w="med" len="med"/>
-                      <a:tailEnd type="none" w="med" len="med"/>
-                    </a:lnR>
-                    <a:lnT w="12700" cap="flat" cmpd="sng" algn="ctr">
-                      <a:solidFill>
-                        <a:schemeClr val="tx1"/>
-                      </a:solidFill>
-                      <a:prstDash val="solid"/>
-                      <a:round/>
-                      <a:headEnd type="none" w="med" len="med"/>
-                      <a:tailEnd type="none" w="med" len="med"/>
-                    </a:lnT>
-                    <a:lnB w="12700" cap="flat" cmpd="sng" algn="ctr">
-                      <a:solidFill>
-                        <a:schemeClr val="tx1"/>
-                      </a:solidFill>
-                      <a:prstDash val="solid"/>
-                      <a:round/>
-                      <a:headEnd type="none" w="med" len="med"/>
-                      <a:tailEnd type="none" w="med" len="med"/>
-                    </a:lnB>
-                  </a:tcPr>
-                </a:tc>
-                <a:tc>
-                  <a:txBody>
-                    <a:bodyPr/>
-                    <a:lstStyle/>
-                    <a:p>
-                      <a:pPr algn="ctr"/>
-                      <a:endParaRPr lang="en-SG" sz="1200" dirty="0"/>
-                    </a:p>
-                  </a:txBody>
-                  <a:tcPr marL="68580" marR="68580" marT="34290" marB="34290" anchor="ctr">
-                    <a:lnL w="12700" cap="flat" cmpd="sng" algn="ctr">
-                      <a:solidFill>
-                        <a:schemeClr val="tx1"/>
-                      </a:solidFill>
-                      <a:prstDash val="solid"/>
-                      <a:round/>
-                      <a:headEnd type="none" w="med" len="med"/>
-                      <a:tailEnd type="none" w="med" len="med"/>
-                    </a:lnL>
-                    <a:lnR w="12700" cap="flat" cmpd="sng" algn="ctr">
-                      <a:solidFill>
-                        <a:schemeClr val="tx1"/>
-                      </a:solidFill>
-                      <a:prstDash val="solid"/>
-                      <a:round/>
-                      <a:headEnd type="none" w="med" len="med"/>
-                      <a:tailEnd type="none" w="med" len="med"/>
-                    </a:lnR>
-                    <a:lnT w="12700" cap="flat" cmpd="sng" algn="ctr">
-                      <a:solidFill>
-                        <a:schemeClr val="tx1"/>
-                      </a:solidFill>
-                      <a:prstDash val="solid"/>
-                      <a:round/>
-                      <a:headEnd type="none" w="med" len="med"/>
-                      <a:tailEnd type="none" w="med" len="med"/>
-                    </a:lnT>
-                    <a:lnB w="12700" cap="flat" cmpd="sng" algn="ctr">
-                      <a:solidFill>
-                        <a:schemeClr val="tx1"/>
-                      </a:solidFill>
-                      <a:prstDash val="solid"/>
-                      <a:round/>
-                      <a:headEnd type="none" w="med" len="med"/>
-                      <a:tailEnd type="none" w="med" len="med"/>
-                    </a:lnB>
-                  </a:tcPr>
+                  <a:tcPr anchor="ctr"/>
                 </a:tc>
                 <a:tc>
                   <a:txBody>
@@ -22484,58 +21981,17 @@
                     <a:p>
                       <a:pPr algn="ctr"/>
                       <a:r>
-                        <a:rPr lang="en-US" sz="1200" dirty="0" smtClean="0"/>
-                        <a:t>2</a:t>
+                        <a:rPr lang="en-US" dirty="0" smtClean="0"/>
+                        <a:t>2 Aug,</a:t>
                       </a:r>
                       <a:r>
-                        <a:rPr lang="en-US" sz="1200" baseline="30000" dirty="0" smtClean="0"/>
-                        <a:t>nd</a:t>
+                        <a:rPr lang="en-US" baseline="0" dirty="0" smtClean="0"/>
+                        <a:t> 12pm</a:t>
                       </a:r>
-                      <a:r>
-                        <a:rPr lang="en-US" sz="1200" dirty="0" smtClean="0"/>
-                        <a:t> Aug</a:t>
-                      </a:r>
-                      <a:endParaRPr lang="en-SG" sz="1200" dirty="0"/>
+                      <a:endParaRPr lang="en-SG" dirty="0"/>
                     </a:p>
                   </a:txBody>
-                  <a:tcPr marL="68580" marR="68580" marT="34290" marB="34290" anchor="ctr">
-                    <a:lnL w="12700" cap="flat" cmpd="sng" algn="ctr">
-                      <a:solidFill>
-                        <a:schemeClr val="tx1"/>
-                      </a:solidFill>
-                      <a:prstDash val="solid"/>
-                      <a:round/>
-                      <a:headEnd type="none" w="med" len="med"/>
-                      <a:tailEnd type="none" w="med" len="med"/>
-                    </a:lnL>
-                    <a:lnR w="12700" cap="flat" cmpd="sng" algn="ctr">
-                      <a:solidFill>
-                        <a:schemeClr val="tx1"/>
-                      </a:solidFill>
-                      <a:prstDash val="solid"/>
-                      <a:round/>
-                      <a:headEnd type="none" w="med" len="med"/>
-                      <a:tailEnd type="none" w="med" len="med"/>
-                    </a:lnR>
-                    <a:lnT w="12700" cap="flat" cmpd="sng" algn="ctr">
-                      <a:solidFill>
-                        <a:schemeClr val="tx1"/>
-                      </a:solidFill>
-                      <a:prstDash val="solid"/>
-                      <a:round/>
-                      <a:headEnd type="none" w="med" len="med"/>
-                      <a:tailEnd type="none" w="med" len="med"/>
-                    </a:lnT>
-                    <a:lnB w="12700" cap="flat" cmpd="sng" algn="ctr">
-                      <a:solidFill>
-                        <a:schemeClr val="tx1"/>
-                      </a:solidFill>
-                      <a:prstDash val="solid"/>
-                      <a:round/>
-                      <a:headEnd type="none" w="med" len="med"/>
-                      <a:tailEnd type="none" w="med" len="med"/>
-                    </a:lnB>
-                  </a:tcPr>
+                  <a:tcPr anchor="ctr"/>
                 </a:tc>
                 <a:tc>
                   <a:txBody>
@@ -22544,256 +22000,38 @@
                     <a:p>
                       <a:pPr algn="ctr"/>
                       <a:r>
-                        <a:rPr lang="en-US" sz="1200" dirty="0"/>
-                        <a:t>Pre-Class Quiz 01*</a:t>
+                        <a:rPr lang="en-US" dirty="0" smtClean="0"/>
+                        <a:t>9 Aug, 12pm</a:t>
                       </a:r>
-                      <a:endParaRPr lang="en-SG" sz="1200" dirty="0"/>
+                      <a:endParaRPr lang="en-SG" dirty="0"/>
                     </a:p>
                   </a:txBody>
-                  <a:tcPr marL="68580" marR="68580" marT="34290" marB="34290" anchor="ctr">
-                    <a:lnL w="12700" cap="flat" cmpd="sng" algn="ctr">
-                      <a:solidFill>
-                        <a:schemeClr val="tx1"/>
-                      </a:solidFill>
-                      <a:prstDash val="solid"/>
-                      <a:round/>
-                      <a:headEnd type="none" w="med" len="med"/>
-                      <a:tailEnd type="none" w="med" len="med"/>
-                    </a:lnL>
-                    <a:lnR w="12700" cap="flat" cmpd="sng" algn="ctr">
-                      <a:solidFill>
-                        <a:schemeClr val="tx1"/>
-                      </a:solidFill>
-                      <a:prstDash val="solid"/>
-                      <a:round/>
-                      <a:headEnd type="none" w="med" len="med"/>
-                      <a:tailEnd type="none" w="med" len="med"/>
-                    </a:lnR>
-                    <a:lnT w="12700" cap="flat" cmpd="sng" algn="ctr">
-                      <a:solidFill>
-                        <a:schemeClr val="tx1"/>
-                      </a:solidFill>
-                      <a:prstDash val="solid"/>
-                      <a:round/>
-                      <a:headEnd type="none" w="med" len="med"/>
-                      <a:tailEnd type="none" w="med" len="med"/>
-                    </a:lnT>
-                    <a:lnB w="12700" cap="flat" cmpd="sng" algn="ctr">
-                      <a:solidFill>
-                        <a:schemeClr val="tx1"/>
-                      </a:solidFill>
-                      <a:prstDash val="solid"/>
-                      <a:round/>
-                      <a:headEnd type="none" w="med" len="med"/>
-                      <a:tailEnd type="none" w="med" len="med"/>
-                    </a:lnB>
-                  </a:tcPr>
+                  <a:tcPr anchor="ctr"/>
                 </a:tc>
+                <a:extLst>
+                  <a:ext uri="{0D108BD9-81ED-4DB2-BD59-A6C34878D82A}">
+                    <a16:rowId xmlns:a16="http://schemas.microsoft.com/office/drawing/2014/main" xmlns="" val="196128480"/>
+                  </a:ext>
+                </a:extLst>
+              </a:tr>
+              <a:tr h="368412">
                 <a:tc>
                   <a:txBody>
                     <a:bodyPr/>
                     <a:lstStyle/>
                     <a:p>
-                      <a:pPr algn="ctr"/>
-                      <a:endParaRPr lang="en-SG" sz="1200" dirty="0">
-                        <a:solidFill>
-                          <a:srgbClr val="FF0000"/>
-                        </a:solidFill>
-                      </a:endParaRPr>
+                      <a:r>
+                        <a:rPr lang="en-US" dirty="0" smtClean="0"/>
+                        <a:t>Pre-Class Quiz</a:t>
+                      </a:r>
+                      <a:r>
+                        <a:rPr lang="en-US" baseline="0" dirty="0" smtClean="0"/>
+                        <a:t> 2</a:t>
+                      </a:r>
+                      <a:endParaRPr lang="en-SG" dirty="0"/>
                     </a:p>
                   </a:txBody>
-                  <a:tcPr marL="68580" marR="68580" marT="34290" marB="34290" anchor="ctr">
-                    <a:lnL w="12700" cap="flat" cmpd="sng" algn="ctr">
-                      <a:solidFill>
-                        <a:schemeClr val="tx1"/>
-                      </a:solidFill>
-                      <a:prstDash val="solid"/>
-                      <a:round/>
-                      <a:headEnd type="none" w="med" len="med"/>
-                      <a:tailEnd type="none" w="med" len="med"/>
-                    </a:lnL>
-                    <a:lnR w="12700" cap="flat" cmpd="sng" algn="ctr">
-                      <a:solidFill>
-                        <a:schemeClr val="tx1"/>
-                      </a:solidFill>
-                      <a:prstDash val="solid"/>
-                      <a:round/>
-                      <a:headEnd type="none" w="med" len="med"/>
-                      <a:tailEnd type="none" w="med" len="med"/>
-                    </a:lnR>
-                    <a:lnT w="12700" cap="flat" cmpd="sng" algn="ctr">
-                      <a:solidFill>
-                        <a:schemeClr val="tx1"/>
-                      </a:solidFill>
-                      <a:prstDash val="solid"/>
-                      <a:round/>
-                      <a:headEnd type="none" w="med" len="med"/>
-                      <a:tailEnd type="none" w="med" len="med"/>
-                    </a:lnT>
-                    <a:lnB w="12700" cap="flat" cmpd="sng" algn="ctr">
-                      <a:solidFill>
-                        <a:schemeClr val="tx1"/>
-                      </a:solidFill>
-                      <a:prstDash val="solid"/>
-                      <a:round/>
-                      <a:headEnd type="none" w="med" len="med"/>
-                      <a:tailEnd type="none" w="med" len="med"/>
-                    </a:lnB>
-                    <a:solidFill>
-                      <a:srgbClr val="FFFF00"/>
-                    </a:solidFill>
-                  </a:tcPr>
-                </a:tc>
-                <a:extLst>
-                  <a:ext uri="{0D108BD9-81ED-4DB2-BD59-A6C34878D82A}">
-                    <a16:rowId xmlns:a16="http://schemas.microsoft.com/office/drawing/2014/main" val="2410617811"/>
-                  </a:ext>
-                </a:extLst>
-              </a:tr>
-              <a:tr h="434340">
-                <a:tc>
-                  <a:txBody>
-                    <a:bodyPr/>
-                    <a:lstStyle/>
-                    <a:p>
-                      <a:pPr algn="ctr"/>
-                      <a:endParaRPr lang="en-SG" sz="1200" dirty="0"/>
-                    </a:p>
-                  </a:txBody>
-                  <a:tcPr marL="68580" marR="68580" marT="34290" marB="34290" anchor="ctr">
-                    <a:lnL w="12700" cap="flat" cmpd="sng" algn="ctr">
-                      <a:solidFill>
-                        <a:schemeClr val="tx1"/>
-                      </a:solidFill>
-                      <a:prstDash val="solid"/>
-                      <a:round/>
-                      <a:headEnd type="none" w="med" len="med"/>
-                      <a:tailEnd type="none" w="med" len="med"/>
-                    </a:lnL>
-                    <a:lnR w="12700" cap="flat" cmpd="sng" algn="ctr">
-                      <a:solidFill>
-                        <a:schemeClr val="tx1"/>
-                      </a:solidFill>
-                      <a:prstDash val="solid"/>
-                      <a:round/>
-                      <a:headEnd type="none" w="med" len="med"/>
-                      <a:tailEnd type="none" w="med" len="med"/>
-                    </a:lnR>
-                    <a:lnT w="12700" cap="flat" cmpd="sng" algn="ctr">
-                      <a:solidFill>
-                        <a:schemeClr val="tx1"/>
-                      </a:solidFill>
-                      <a:prstDash val="solid"/>
-                      <a:round/>
-                      <a:headEnd type="none" w="med" len="med"/>
-                      <a:tailEnd type="none" w="med" len="med"/>
-                    </a:lnT>
-                    <a:lnB w="12700" cap="flat" cmpd="sng" algn="ctr">
-                      <a:solidFill>
-                        <a:schemeClr val="tx1"/>
-                      </a:solidFill>
-                      <a:prstDash val="solid"/>
-                      <a:round/>
-                      <a:headEnd type="none" w="med" len="med"/>
-                      <a:tailEnd type="none" w="med" len="med"/>
-                    </a:lnB>
-                  </a:tcPr>
-                </a:tc>
-                <a:tc>
-                  <a:txBody>
-                    <a:bodyPr/>
-                    <a:lstStyle/>
-                    <a:p>
-                      <a:pPr algn="ctr"/>
-                      <a:endParaRPr lang="en-SG" sz="1200" dirty="0"/>
-                    </a:p>
-                  </a:txBody>
-                  <a:tcPr marL="68580" marR="68580" marT="34290" marB="34290" anchor="ctr">
-                    <a:lnL w="12700" cap="flat" cmpd="sng" algn="ctr">
-                      <a:solidFill>
-                        <a:schemeClr val="tx1"/>
-                      </a:solidFill>
-                      <a:prstDash val="solid"/>
-                      <a:round/>
-                      <a:headEnd type="none" w="med" len="med"/>
-                      <a:tailEnd type="none" w="med" len="med"/>
-                    </a:lnL>
-                    <a:lnR w="12700" cap="flat" cmpd="sng" algn="ctr">
-                      <a:solidFill>
-                        <a:schemeClr val="tx1"/>
-                      </a:solidFill>
-                      <a:prstDash val="solid"/>
-                      <a:round/>
-                      <a:headEnd type="none" w="med" len="med"/>
-                      <a:tailEnd type="none" w="med" len="med"/>
-                    </a:lnR>
-                    <a:lnT w="12700" cap="flat" cmpd="sng" algn="ctr">
-                      <a:solidFill>
-                        <a:schemeClr val="tx1"/>
-                      </a:solidFill>
-                      <a:prstDash val="solid"/>
-                      <a:round/>
-                      <a:headEnd type="none" w="med" len="med"/>
-                      <a:tailEnd type="none" w="med" len="med"/>
-                    </a:lnT>
-                    <a:lnB w="12700" cap="flat" cmpd="sng" algn="ctr">
-                      <a:solidFill>
-                        <a:schemeClr val="tx1"/>
-                      </a:solidFill>
-                      <a:prstDash val="solid"/>
-                      <a:round/>
-                      <a:headEnd type="none" w="med" len="med"/>
-                      <a:tailEnd type="none" w="med" len="med"/>
-                    </a:lnB>
-                  </a:tcPr>
-                </a:tc>
-                <a:tc>
-                  <a:txBody>
-                    <a:bodyPr/>
-                    <a:lstStyle/>
-                    <a:p>
-                      <a:pPr algn="ctr"/>
-                      <a:endParaRPr lang="en-SG" sz="1200" dirty="0"/>
-                    </a:p>
-                  </a:txBody>
-                  <a:tcPr marL="68580" marR="68580" marT="34290" marB="34290" anchor="ctr">
-                    <a:lnL w="12700" cap="flat" cmpd="sng" algn="ctr">
-                      <a:solidFill>
-                        <a:schemeClr val="tx1"/>
-                      </a:solidFill>
-                      <a:prstDash val="solid"/>
-                      <a:round/>
-                      <a:headEnd type="none" w="med" len="med"/>
-                      <a:tailEnd type="none" w="med" len="med"/>
-                    </a:lnL>
-                    <a:lnR w="12700" cap="flat" cmpd="sng" algn="ctr">
-                      <a:solidFill>
-                        <a:schemeClr val="tx1"/>
-                      </a:solidFill>
-                      <a:prstDash val="solid"/>
-                      <a:round/>
-                      <a:headEnd type="none" w="med" len="med"/>
-                      <a:tailEnd type="none" w="med" len="med"/>
-                    </a:lnR>
-                    <a:lnT w="12700" cap="flat" cmpd="sng" algn="ctr">
-                      <a:solidFill>
-                        <a:schemeClr val="tx1"/>
-                      </a:solidFill>
-                      <a:prstDash val="solid"/>
-                      <a:round/>
-                      <a:headEnd type="none" w="med" len="med"/>
-                      <a:tailEnd type="none" w="med" len="med"/>
-                    </a:lnT>
-                    <a:lnB w="12700" cap="flat" cmpd="sng" algn="ctr">
-                      <a:solidFill>
-                        <a:schemeClr val="tx1"/>
-                      </a:solidFill>
-                      <a:prstDash val="solid"/>
-                      <a:round/>
-                      <a:headEnd type="none" w="med" len="med"/>
-                      <a:tailEnd type="none" w="med" len="med"/>
-                    </a:lnB>
-                  </a:tcPr>
+                  <a:tcPr anchor="ctr"/>
                 </a:tc>
                 <a:tc>
                   <a:txBody>
@@ -22802,212 +22040,13 @@
                     <a:p>
                       <a:pPr algn="ctr"/>
                       <a:r>
-                        <a:rPr lang="en-US" sz="1200" dirty="0"/>
-                        <a:t>Tutor Marked Assignment</a:t>
+                        <a:rPr lang="en-US" dirty="0" smtClean="0"/>
+                        <a:t>2%</a:t>
                       </a:r>
-                      <a:endParaRPr lang="en-SG" sz="1200" dirty="0"/>
+                      <a:endParaRPr lang="en-SG" dirty="0"/>
                     </a:p>
                   </a:txBody>
-                  <a:tcPr marL="68580" marR="68580" marT="34290" marB="34290" anchor="ctr">
-                    <a:lnL w="12700" cap="flat" cmpd="sng" algn="ctr">
-                      <a:solidFill>
-                        <a:schemeClr val="tx1"/>
-                      </a:solidFill>
-                      <a:prstDash val="solid"/>
-                      <a:round/>
-                      <a:headEnd type="none" w="med" len="med"/>
-                      <a:tailEnd type="none" w="med" len="med"/>
-                    </a:lnL>
-                    <a:lnR w="12700" cap="flat" cmpd="sng" algn="ctr">
-                      <a:solidFill>
-                        <a:schemeClr val="tx1"/>
-                      </a:solidFill>
-                      <a:prstDash val="solid"/>
-                      <a:round/>
-                      <a:headEnd type="none" w="med" len="med"/>
-                      <a:tailEnd type="none" w="med" len="med"/>
-                    </a:lnR>
-                    <a:lnT w="12700" cap="flat" cmpd="sng" algn="ctr">
-                      <a:solidFill>
-                        <a:schemeClr val="tx1"/>
-                      </a:solidFill>
-                      <a:prstDash val="solid"/>
-                      <a:round/>
-                      <a:headEnd type="none" w="med" len="med"/>
-                      <a:tailEnd type="none" w="med" len="med"/>
-                    </a:lnT>
-                    <a:lnB w="12700" cap="flat" cmpd="sng" algn="ctr">
-                      <a:solidFill>
-                        <a:schemeClr val="tx1"/>
-                      </a:solidFill>
-                      <a:prstDash val="solid"/>
-                      <a:round/>
-                      <a:headEnd type="none" w="med" len="med"/>
-                      <a:tailEnd type="none" w="med" len="med"/>
-                    </a:lnB>
-                  </a:tcPr>
-                </a:tc>
-                <a:tc>
-                  <a:txBody>
-                    <a:bodyPr/>
-                    <a:lstStyle/>
-                    <a:p>
-                      <a:pPr algn="ctr"/>
-                      <a:endParaRPr lang="en-SG" sz="1200" dirty="0">
-                        <a:solidFill>
-                          <a:srgbClr val="FF0000"/>
-                        </a:solidFill>
-                      </a:endParaRPr>
-                    </a:p>
-                  </a:txBody>
-                  <a:tcPr marL="68580" marR="68580" marT="34290" marB="34290" anchor="ctr">
-                    <a:lnL w="12700" cap="flat" cmpd="sng" algn="ctr">
-                      <a:solidFill>
-                        <a:schemeClr val="tx1"/>
-                      </a:solidFill>
-                      <a:prstDash val="solid"/>
-                      <a:round/>
-                      <a:headEnd type="none" w="med" len="med"/>
-                      <a:tailEnd type="none" w="med" len="med"/>
-                    </a:lnL>
-                    <a:lnR w="12700" cap="flat" cmpd="sng" algn="ctr">
-                      <a:solidFill>
-                        <a:schemeClr val="tx1"/>
-                      </a:solidFill>
-                      <a:prstDash val="solid"/>
-                      <a:round/>
-                      <a:headEnd type="none" w="med" len="med"/>
-                      <a:tailEnd type="none" w="med" len="med"/>
-                    </a:lnR>
-                    <a:lnT w="12700" cap="flat" cmpd="sng" algn="ctr">
-                      <a:solidFill>
-                        <a:schemeClr val="tx1"/>
-                      </a:solidFill>
-                      <a:prstDash val="solid"/>
-                      <a:round/>
-                      <a:headEnd type="none" w="med" len="med"/>
-                      <a:tailEnd type="none" w="med" len="med"/>
-                    </a:lnT>
-                    <a:lnB w="12700" cap="flat" cmpd="sng" algn="ctr">
-                      <a:solidFill>
-                        <a:schemeClr val="tx1"/>
-                      </a:solidFill>
-                      <a:prstDash val="solid"/>
-                      <a:round/>
-                      <a:headEnd type="none" w="med" len="med"/>
-                      <a:tailEnd type="none" w="med" len="med"/>
-                    </a:lnB>
-                    <a:solidFill>
-                      <a:srgbClr val="FFFF00"/>
-                    </a:solidFill>
-                  </a:tcPr>
-                </a:tc>
-                <a:extLst>
-                  <a:ext uri="{0D108BD9-81ED-4DB2-BD59-A6C34878D82A}">
-                    <a16:rowId xmlns:a16="http://schemas.microsoft.com/office/drawing/2014/main" val="1077056632"/>
-                  </a:ext>
-                </a:extLst>
-              </a:tr>
-              <a:tr h="251460">
-                <a:tc>
-                  <a:txBody>
-                    <a:bodyPr/>
-                    <a:lstStyle/>
-                    <a:p>
-                      <a:pPr algn="ctr"/>
-                      <a:r>
-                        <a:rPr lang="en-US" sz="1200" dirty="0"/>
-                        <a:t>3</a:t>
-                      </a:r>
-                      <a:endParaRPr lang="en-SG" sz="1200" dirty="0"/>
-                    </a:p>
-                  </a:txBody>
-                  <a:tcPr marL="68580" marR="68580" marT="34290" marB="34290" anchor="ctr">
-                    <a:lnL w="12700" cap="flat" cmpd="sng" algn="ctr">
-                      <a:solidFill>
-                        <a:schemeClr val="tx1"/>
-                      </a:solidFill>
-                      <a:prstDash val="solid"/>
-                      <a:round/>
-                      <a:headEnd type="none" w="med" len="med"/>
-                      <a:tailEnd type="none" w="med" len="med"/>
-                    </a:lnL>
-                    <a:lnR w="12700" cap="flat" cmpd="sng" algn="ctr">
-                      <a:solidFill>
-                        <a:schemeClr val="tx1"/>
-                      </a:solidFill>
-                      <a:prstDash val="solid"/>
-                      <a:round/>
-                      <a:headEnd type="none" w="med" len="med"/>
-                      <a:tailEnd type="none" w="med" len="med"/>
-                    </a:lnR>
-                    <a:lnT w="12700" cap="flat" cmpd="sng" algn="ctr">
-                      <a:solidFill>
-                        <a:schemeClr val="tx1"/>
-                      </a:solidFill>
-                      <a:prstDash val="solid"/>
-                      <a:round/>
-                      <a:headEnd type="none" w="med" len="med"/>
-                      <a:tailEnd type="none" w="med" len="med"/>
-                    </a:lnT>
-                    <a:lnB w="12700" cap="flat" cmpd="sng" algn="ctr">
-                      <a:solidFill>
-                        <a:schemeClr val="tx1"/>
-                      </a:solidFill>
-                      <a:prstDash val="solid"/>
-                      <a:round/>
-                      <a:headEnd type="none" w="med" len="med"/>
-                      <a:tailEnd type="none" w="med" len="med"/>
-                    </a:lnB>
-                  </a:tcPr>
-                </a:tc>
-                <a:tc>
-                  <a:txBody>
-                    <a:bodyPr/>
-                    <a:lstStyle/>
-                    <a:p>
-                      <a:pPr algn="ctr"/>
-                      <a:endParaRPr lang="en-SG" sz="1200" dirty="0"/>
-                    </a:p>
-                  </a:txBody>
-                  <a:tcPr marL="68580" marR="68580" marT="34290" marB="34290" anchor="ctr">
-                    <a:lnL w="12700" cap="flat" cmpd="sng" algn="ctr">
-                      <a:solidFill>
-                        <a:schemeClr val="tx1"/>
-                      </a:solidFill>
-                      <a:prstDash val="solid"/>
-                      <a:round/>
-                      <a:headEnd type="none" w="med" len="med"/>
-                      <a:tailEnd type="none" w="med" len="med"/>
-                    </a:lnL>
-                    <a:lnR w="12700" cap="flat" cmpd="sng" algn="ctr">
-                      <a:solidFill>
-                        <a:schemeClr val="tx1"/>
-                      </a:solidFill>
-                      <a:prstDash val="solid"/>
-                      <a:round/>
-                      <a:headEnd type="none" w="med" len="med"/>
-                      <a:tailEnd type="none" w="med" len="med"/>
-                    </a:lnR>
-                    <a:lnT w="12700" cap="flat" cmpd="sng" algn="ctr">
-                      <a:solidFill>
-                        <a:schemeClr val="tx1"/>
-                      </a:solidFill>
-                      <a:prstDash val="solid"/>
-                      <a:round/>
-                      <a:headEnd type="none" w="med" len="med"/>
-                      <a:tailEnd type="none" w="med" len="med"/>
-                    </a:lnT>
-                    <a:lnB w="12700" cap="flat" cmpd="sng" algn="ctr">
-                      <a:solidFill>
-                        <a:schemeClr val="tx1"/>
-                      </a:solidFill>
-                      <a:prstDash val="solid"/>
-                      <a:round/>
-                      <a:headEnd type="none" w="med" len="med"/>
-                      <a:tailEnd type="none" w="med" len="med"/>
-                    </a:lnB>
-                  </a:tcPr>
+                  <a:tcPr anchor="ctr"/>
                 </a:tc>
                 <a:tc>
                   <a:txBody>
@@ -23016,588 +22055,20 @@
                     <a:p>
                       <a:pPr algn="ctr"/>
                       <a:r>
-                        <a:rPr lang="en-US" sz="1200" dirty="0" smtClean="0"/>
-                        <a:t>14</a:t>
+                        <a:rPr lang="en-US" dirty="0" smtClean="0"/>
+                        <a:t>16 Aug, 12pm</a:t>
                       </a:r>
-                      <a:r>
-                        <a:rPr lang="en-US" sz="1200" baseline="30000" dirty="0" smtClean="0"/>
-                        <a:t>th</a:t>
-                      </a:r>
-                      <a:r>
-                        <a:rPr lang="en-US" sz="1200" dirty="0" smtClean="0"/>
-                        <a:t> Aug</a:t>
-                      </a:r>
-                      <a:endParaRPr lang="en-SG" sz="1200" dirty="0"/>
+                      <a:endParaRPr lang="en-SG" dirty="0"/>
                     </a:p>
                   </a:txBody>
-                  <a:tcPr marL="68580" marR="68580" marT="34290" marB="34290" anchor="ctr">
-                    <a:lnL w="12700" cap="flat" cmpd="sng" algn="ctr">
-                      <a:solidFill>
-                        <a:schemeClr val="tx1"/>
-                      </a:solidFill>
-                      <a:prstDash val="solid"/>
-                      <a:round/>
-                      <a:headEnd type="none" w="med" len="med"/>
-                      <a:tailEnd type="none" w="med" len="med"/>
-                    </a:lnL>
-                    <a:lnR w="12700" cap="flat" cmpd="sng" algn="ctr">
-                      <a:solidFill>
-                        <a:schemeClr val="tx1"/>
-                      </a:solidFill>
-                      <a:prstDash val="solid"/>
-                      <a:round/>
-                      <a:headEnd type="none" w="med" len="med"/>
-                      <a:tailEnd type="none" w="med" len="med"/>
-                    </a:lnR>
-                    <a:lnT w="12700" cap="flat" cmpd="sng" algn="ctr">
-                      <a:solidFill>
-                        <a:schemeClr val="tx1"/>
-                      </a:solidFill>
-                      <a:prstDash val="solid"/>
-                      <a:round/>
-                      <a:headEnd type="none" w="med" len="med"/>
-                      <a:tailEnd type="none" w="med" len="med"/>
-                    </a:lnT>
-                    <a:lnB w="12700" cap="flat" cmpd="sng" algn="ctr">
-                      <a:solidFill>
-                        <a:schemeClr val="tx1"/>
-                      </a:solidFill>
-                      <a:prstDash val="solid"/>
-                      <a:round/>
-                      <a:headEnd type="none" w="med" len="med"/>
-                      <a:tailEnd type="none" w="med" len="med"/>
-                    </a:lnB>
-                  </a:tcPr>
-                </a:tc>
-                <a:tc rowSpan="2">
-                  <a:txBody>
-                    <a:bodyPr/>
-                    <a:lstStyle/>
-                    <a:p>
-                      <a:pPr algn="ctr"/>
-                      <a:r>
-                        <a:rPr lang="en-US" sz="1200" dirty="0"/>
-                        <a:t>Pre-Class Quiz 02*</a:t>
-                      </a:r>
-                      <a:endParaRPr lang="en-SG" sz="1200" dirty="0"/>
-                    </a:p>
-                    <a:p>
-                      <a:pPr algn="ctr"/>
-                      <a:r>
-                        <a:rPr lang="en-US" sz="1200" dirty="0"/>
-                        <a:t>-</a:t>
-                      </a:r>
-                      <a:endParaRPr lang="en-SG" sz="1200" dirty="0"/>
-                    </a:p>
-                  </a:txBody>
-                  <a:tcPr marL="68580" marR="68580" marT="34290" marB="34290" anchor="ctr">
-                    <a:lnL w="12700" cap="flat" cmpd="sng" algn="ctr">
-                      <a:solidFill>
-                        <a:schemeClr val="tx1"/>
-                      </a:solidFill>
-                      <a:prstDash val="solid"/>
-                      <a:round/>
-                      <a:headEnd type="none" w="med" len="med"/>
-                      <a:tailEnd type="none" w="med" len="med"/>
-                    </a:lnL>
-                    <a:lnR w="12700" cap="flat" cmpd="sng" algn="ctr">
-                      <a:solidFill>
-                        <a:schemeClr val="tx1"/>
-                      </a:solidFill>
-                      <a:prstDash val="solid"/>
-                      <a:round/>
-                      <a:headEnd type="none" w="med" len="med"/>
-                      <a:tailEnd type="none" w="med" len="med"/>
-                    </a:lnR>
-                    <a:lnT w="12700" cap="flat" cmpd="sng" algn="ctr">
-                      <a:solidFill>
-                        <a:schemeClr val="tx1"/>
-                      </a:solidFill>
-                      <a:prstDash val="solid"/>
-                      <a:round/>
-                      <a:headEnd type="none" w="med" len="med"/>
-                      <a:tailEnd type="none" w="med" len="med"/>
-                    </a:lnT>
-                    <a:lnB w="12700" cap="flat" cmpd="sng" algn="ctr">
-                      <a:solidFill>
-                        <a:schemeClr val="tx1"/>
-                      </a:solidFill>
-                      <a:prstDash val="solid"/>
-                      <a:round/>
-                      <a:headEnd type="none" w="med" len="med"/>
-                      <a:tailEnd type="none" w="med" len="med"/>
-                    </a:lnB>
-                  </a:tcPr>
-                </a:tc>
-                <a:tc rowSpan="2">
-                  <a:txBody>
-                    <a:bodyPr/>
-                    <a:lstStyle/>
-                    <a:p>
-                      <a:pPr algn="ctr"/>
-                      <a:endParaRPr lang="en-SG" sz="1200" dirty="0">
-                        <a:solidFill>
-                          <a:srgbClr val="FF0000"/>
-                        </a:solidFill>
-                      </a:endParaRPr>
-                    </a:p>
-                  </a:txBody>
-                  <a:tcPr marL="68580" marR="68580" marT="34290" marB="34290" anchor="ctr">
-                    <a:lnL w="12700" cap="flat" cmpd="sng" algn="ctr">
-                      <a:solidFill>
-                        <a:schemeClr val="tx1"/>
-                      </a:solidFill>
-                      <a:prstDash val="solid"/>
-                      <a:round/>
-                      <a:headEnd type="none" w="med" len="med"/>
-                      <a:tailEnd type="none" w="med" len="med"/>
-                    </a:lnL>
-                    <a:lnR w="12700" cap="flat" cmpd="sng" algn="ctr">
-                      <a:solidFill>
-                        <a:schemeClr val="tx1"/>
-                      </a:solidFill>
-                      <a:prstDash val="solid"/>
-                      <a:round/>
-                      <a:headEnd type="none" w="med" len="med"/>
-                      <a:tailEnd type="none" w="med" len="med"/>
-                    </a:lnR>
-                    <a:lnT w="12700" cap="flat" cmpd="sng" algn="ctr">
-                      <a:solidFill>
-                        <a:schemeClr val="tx1"/>
-                      </a:solidFill>
-                      <a:prstDash val="solid"/>
-                      <a:round/>
-                      <a:headEnd type="none" w="med" len="med"/>
-                      <a:tailEnd type="none" w="med" len="med"/>
-                    </a:lnT>
-                    <a:lnB w="12700" cap="flat" cmpd="sng" algn="ctr">
-                      <a:solidFill>
-                        <a:schemeClr val="tx1"/>
-                      </a:solidFill>
-                      <a:prstDash val="solid"/>
-                      <a:round/>
-                      <a:headEnd type="none" w="med" len="med"/>
-                      <a:tailEnd type="none" w="med" len="med"/>
-                    </a:lnB>
-                    <a:solidFill>
-                      <a:srgbClr val="FFFF00"/>
-                    </a:solidFill>
-                  </a:tcPr>
-                </a:tc>
-                <a:extLst>
-                  <a:ext uri="{0D108BD9-81ED-4DB2-BD59-A6C34878D82A}">
-                    <a16:rowId xmlns:a16="http://schemas.microsoft.com/office/drawing/2014/main" val="3699127354"/>
-                  </a:ext>
-                </a:extLst>
-              </a:tr>
-              <a:tr h="251460">
-                <a:tc>
-                  <a:txBody>
-                    <a:bodyPr/>
-                    <a:lstStyle/>
-                    <a:p>
-                      <a:pPr algn="ctr"/>
-                      <a:r>
-                        <a:rPr lang="en-US" sz="1200" dirty="0"/>
-                        <a:t>4</a:t>
-                      </a:r>
-                      <a:endParaRPr lang="en-SG" sz="1200" dirty="0"/>
-                    </a:p>
-                  </a:txBody>
-                  <a:tcPr marL="68580" marR="68580" marT="34290" marB="34290" anchor="ctr">
-                    <a:lnL w="12700" cap="flat" cmpd="sng" algn="ctr">
-                      <a:solidFill>
-                        <a:schemeClr val="tx1"/>
-                      </a:solidFill>
-                      <a:prstDash val="solid"/>
-                      <a:round/>
-                      <a:headEnd type="none" w="med" len="med"/>
-                      <a:tailEnd type="none" w="med" len="med"/>
-                    </a:lnL>
-                    <a:lnR w="12700" cap="flat" cmpd="sng" algn="ctr">
-                      <a:solidFill>
-                        <a:schemeClr val="tx1"/>
-                      </a:solidFill>
-                      <a:prstDash val="solid"/>
-                      <a:round/>
-                      <a:headEnd type="none" w="med" len="med"/>
-                      <a:tailEnd type="none" w="med" len="med"/>
-                    </a:lnR>
-                    <a:lnT w="12700" cap="flat" cmpd="sng" algn="ctr">
-                      <a:solidFill>
-                        <a:schemeClr val="tx1"/>
-                      </a:solidFill>
-                      <a:prstDash val="solid"/>
-                      <a:round/>
-                      <a:headEnd type="none" w="med" len="med"/>
-                      <a:tailEnd type="none" w="med" len="med"/>
-                    </a:lnT>
-                    <a:lnB w="12700" cap="flat" cmpd="sng" algn="ctr">
-                      <a:solidFill>
-                        <a:schemeClr val="tx1"/>
-                      </a:solidFill>
-                      <a:prstDash val="solid"/>
-                      <a:round/>
-                      <a:headEnd type="none" w="med" len="med"/>
-                      <a:tailEnd type="none" w="med" len="med"/>
-                    </a:lnB>
-                  </a:tcPr>
+                  <a:tcPr anchor="ctr"/>
                 </a:tc>
                 <a:tc>
                   <a:txBody>
                     <a:bodyPr/>
                     <a:lstStyle/>
                     <a:p>
-                      <a:pPr algn="ctr"/>
-                      <a:endParaRPr lang="en-SG" sz="1200" dirty="0"/>
-                    </a:p>
-                  </a:txBody>
-                  <a:tcPr marL="68580" marR="68580" marT="34290" marB="34290" anchor="ctr">
-                    <a:lnL w="12700" cap="flat" cmpd="sng" algn="ctr">
-                      <a:solidFill>
-                        <a:schemeClr val="tx1"/>
-                      </a:solidFill>
-                      <a:prstDash val="solid"/>
-                      <a:round/>
-                      <a:headEnd type="none" w="med" len="med"/>
-                      <a:tailEnd type="none" w="med" len="med"/>
-                    </a:lnL>
-                    <a:lnR w="12700" cap="flat" cmpd="sng" algn="ctr">
-                      <a:solidFill>
-                        <a:schemeClr val="tx1"/>
-                      </a:solidFill>
-                      <a:prstDash val="solid"/>
-                      <a:round/>
-                      <a:headEnd type="none" w="med" len="med"/>
-                      <a:tailEnd type="none" w="med" len="med"/>
-                    </a:lnR>
-                    <a:lnT w="12700" cap="flat" cmpd="sng" algn="ctr">
-                      <a:solidFill>
-                        <a:schemeClr val="tx1"/>
-                      </a:solidFill>
-                      <a:prstDash val="solid"/>
-                      <a:round/>
-                      <a:headEnd type="none" w="med" len="med"/>
-                      <a:tailEnd type="none" w="med" len="med"/>
-                    </a:lnT>
-                    <a:lnB w="12700" cap="flat" cmpd="sng" algn="ctr">
-                      <a:solidFill>
-                        <a:schemeClr val="tx1"/>
-                      </a:solidFill>
-                      <a:prstDash val="solid"/>
-                      <a:round/>
-                      <a:headEnd type="none" w="med" len="med"/>
-                      <a:tailEnd type="none" w="med" len="med"/>
-                    </a:lnB>
-                  </a:tcPr>
-                </a:tc>
-                <a:tc>
-                  <a:txBody>
-                    <a:bodyPr/>
-                    <a:lstStyle/>
-                    <a:p>
-                      <a:pPr algn="ctr"/>
-                      <a:r>
-                        <a:rPr lang="en-US" sz="1200" dirty="0" smtClean="0"/>
-                        <a:t>16</a:t>
-                      </a:r>
-                      <a:r>
-                        <a:rPr lang="en-US" sz="1200" baseline="30000" dirty="0" smtClean="0"/>
-                        <a:t>th</a:t>
-                      </a:r>
-                      <a:r>
-                        <a:rPr lang="en-US" sz="1200" dirty="0" smtClean="0"/>
-                        <a:t> Aug</a:t>
-                      </a:r>
-                      <a:endParaRPr lang="en-SG" sz="1200" dirty="0"/>
-                    </a:p>
-                  </a:txBody>
-                  <a:tcPr marL="68580" marR="68580" marT="34290" marB="34290" anchor="ctr">
-                    <a:lnL w="12700" cap="flat" cmpd="sng" algn="ctr">
-                      <a:solidFill>
-                        <a:schemeClr val="tx1"/>
-                      </a:solidFill>
-                      <a:prstDash val="solid"/>
-                      <a:round/>
-                      <a:headEnd type="none" w="med" len="med"/>
-                      <a:tailEnd type="none" w="med" len="med"/>
-                    </a:lnL>
-                    <a:lnR w="12700" cap="flat" cmpd="sng" algn="ctr">
-                      <a:solidFill>
-                        <a:schemeClr val="tx1"/>
-                      </a:solidFill>
-                      <a:prstDash val="solid"/>
-                      <a:round/>
-                      <a:headEnd type="none" w="med" len="med"/>
-                      <a:tailEnd type="none" w="med" len="med"/>
-                    </a:lnR>
-                    <a:lnT w="12700" cap="flat" cmpd="sng" algn="ctr">
-                      <a:solidFill>
-                        <a:schemeClr val="tx1"/>
-                      </a:solidFill>
-                      <a:prstDash val="solid"/>
-                      <a:round/>
-                      <a:headEnd type="none" w="med" len="med"/>
-                      <a:tailEnd type="none" w="med" len="med"/>
-                    </a:lnT>
-                    <a:lnB w="12700" cap="flat" cmpd="sng" algn="ctr">
-                      <a:solidFill>
-                        <a:schemeClr val="tx1"/>
-                      </a:solidFill>
-                      <a:prstDash val="solid"/>
-                      <a:round/>
-                      <a:headEnd type="none" w="med" len="med"/>
-                      <a:tailEnd type="none" w="med" len="med"/>
-                    </a:lnB>
-                  </a:tcPr>
-                </a:tc>
-                <a:tc vMerge="1">
-                  <a:txBody>
-                    <a:bodyPr/>
-                    <a:lstStyle/>
-                    <a:p>
-                      <a:pPr algn="ctr"/>
-                      <a:endParaRPr lang="en-SG" sz="1600" dirty="0"/>
-                    </a:p>
-                  </a:txBody>
-                  <a:tcPr/>
-                </a:tc>
-                <a:tc vMerge="1">
-                  <a:txBody>
-                    <a:bodyPr/>
-                    <a:lstStyle/>
-                    <a:p>
-                      <a:pPr algn="ctr"/>
-                      <a:endParaRPr lang="en-SG" sz="1600" dirty="0"/>
-                    </a:p>
-                  </a:txBody>
-                  <a:tcPr/>
-                </a:tc>
-                <a:extLst>
-                  <a:ext uri="{0D108BD9-81ED-4DB2-BD59-A6C34878D82A}">
-                    <a16:rowId xmlns:a16="http://schemas.microsoft.com/office/drawing/2014/main" val="1107960829"/>
-                  </a:ext>
-                </a:extLst>
-              </a:tr>
-              <a:tr h="434340">
-                <a:tc>
-                  <a:txBody>
-                    <a:bodyPr/>
-                    <a:lstStyle/>
-                    <a:p>
-                      <a:pPr algn="ctr"/>
-                      <a:r>
-                        <a:rPr lang="en-US" sz="1200" dirty="0"/>
-                        <a:t>5</a:t>
-                      </a:r>
-                      <a:endParaRPr lang="en-SG" sz="1200" dirty="0"/>
-                    </a:p>
-                  </a:txBody>
-                  <a:tcPr marL="68580" marR="68580" marT="34290" marB="34290" anchor="ctr">
-                    <a:lnL w="12700" cap="flat" cmpd="sng" algn="ctr">
-                      <a:solidFill>
-                        <a:schemeClr val="tx1"/>
-                      </a:solidFill>
-                      <a:prstDash val="solid"/>
-                      <a:round/>
-                      <a:headEnd type="none" w="med" len="med"/>
-                      <a:tailEnd type="none" w="med" len="med"/>
-                    </a:lnL>
-                    <a:lnR w="12700" cap="flat" cmpd="sng" algn="ctr">
-                      <a:solidFill>
-                        <a:schemeClr val="tx1"/>
-                      </a:solidFill>
-                      <a:prstDash val="solid"/>
-                      <a:round/>
-                      <a:headEnd type="none" w="med" len="med"/>
-                      <a:tailEnd type="none" w="med" len="med"/>
-                    </a:lnR>
-                    <a:lnT w="12700" cap="flat" cmpd="sng" algn="ctr">
-                      <a:solidFill>
-                        <a:schemeClr val="tx1"/>
-                      </a:solidFill>
-                      <a:prstDash val="solid"/>
-                      <a:round/>
-                      <a:headEnd type="none" w="med" len="med"/>
-                      <a:tailEnd type="none" w="med" len="med"/>
-                    </a:lnT>
-                    <a:lnB w="12700" cap="flat" cmpd="sng" algn="ctr">
-                      <a:solidFill>
-                        <a:schemeClr val="tx1"/>
-                      </a:solidFill>
-                      <a:prstDash val="solid"/>
-                      <a:round/>
-                      <a:headEnd type="none" w="med" len="med"/>
-                      <a:tailEnd type="none" w="med" len="med"/>
-                    </a:lnB>
-                  </a:tcPr>
-                </a:tc>
-                <a:tc>
-                  <a:txBody>
-                    <a:bodyPr/>
-                    <a:lstStyle/>
-                    <a:p>
-                      <a:pPr algn="ctr"/>
-                      <a:endParaRPr lang="en-SG" sz="1200" dirty="0"/>
-                    </a:p>
-                  </a:txBody>
-                  <a:tcPr marL="68580" marR="68580" marT="34290" marB="34290" anchor="ctr">
-                    <a:lnL w="12700" cap="flat" cmpd="sng" algn="ctr">
-                      <a:solidFill>
-                        <a:schemeClr val="tx1"/>
-                      </a:solidFill>
-                      <a:prstDash val="solid"/>
-                      <a:round/>
-                      <a:headEnd type="none" w="med" len="med"/>
-                      <a:tailEnd type="none" w="med" len="med"/>
-                    </a:lnL>
-                    <a:lnR w="12700" cap="flat" cmpd="sng" algn="ctr">
-                      <a:solidFill>
-                        <a:schemeClr val="tx1"/>
-                      </a:solidFill>
-                      <a:prstDash val="solid"/>
-                      <a:round/>
-                      <a:headEnd type="none" w="med" len="med"/>
-                      <a:tailEnd type="none" w="med" len="med"/>
-                    </a:lnR>
-                    <a:lnT w="12700" cap="flat" cmpd="sng" algn="ctr">
-                      <a:solidFill>
-                        <a:schemeClr val="tx1"/>
-                      </a:solidFill>
-                      <a:prstDash val="solid"/>
-                      <a:round/>
-                      <a:headEnd type="none" w="med" len="med"/>
-                      <a:tailEnd type="none" w="med" len="med"/>
-                    </a:lnT>
-                    <a:lnB w="12700" cap="flat" cmpd="sng" algn="ctr">
-                      <a:solidFill>
-                        <a:schemeClr val="tx1"/>
-                      </a:solidFill>
-                      <a:prstDash val="solid"/>
-                      <a:round/>
-                      <a:headEnd type="none" w="med" len="med"/>
-                      <a:tailEnd type="none" w="med" len="med"/>
-                    </a:lnB>
-                  </a:tcPr>
-                </a:tc>
-                <a:tc>
-                  <a:txBody>
-                    <a:bodyPr/>
-                    <a:lstStyle/>
-                    <a:p>
-                      <a:pPr algn="ctr"/>
-                      <a:r>
-                        <a:rPr lang="en-US" sz="1200" dirty="0" smtClean="0"/>
-                        <a:t>23</a:t>
-                      </a:r>
-                      <a:r>
-                        <a:rPr lang="en-US" sz="1200" baseline="30000" dirty="0" smtClean="0"/>
-                        <a:t>rd</a:t>
-                      </a:r>
-                      <a:r>
-                        <a:rPr lang="en-US" sz="1200" dirty="0" smtClean="0"/>
-                        <a:t> Aug</a:t>
-                      </a:r>
-                      <a:endParaRPr lang="en-SG" sz="1200" dirty="0"/>
-                    </a:p>
-                  </a:txBody>
-                  <a:tcPr marL="68580" marR="68580" marT="34290" marB="34290" anchor="ctr">
-                    <a:lnL w="12700" cap="flat" cmpd="sng" algn="ctr">
-                      <a:solidFill>
-                        <a:schemeClr val="tx1"/>
-                      </a:solidFill>
-                      <a:prstDash val="solid"/>
-                      <a:round/>
-                      <a:headEnd type="none" w="med" len="med"/>
-                      <a:tailEnd type="none" w="med" len="med"/>
-                    </a:lnL>
-                    <a:lnR w="12700" cap="flat" cmpd="sng" algn="ctr">
-                      <a:solidFill>
-                        <a:schemeClr val="tx1"/>
-                      </a:solidFill>
-                      <a:prstDash val="solid"/>
-                      <a:round/>
-                      <a:headEnd type="none" w="med" len="med"/>
-                      <a:tailEnd type="none" w="med" len="med"/>
-                    </a:lnR>
-                    <a:lnT w="12700" cap="flat" cmpd="sng" algn="ctr">
-                      <a:solidFill>
-                        <a:schemeClr val="tx1"/>
-                      </a:solidFill>
-                      <a:prstDash val="solid"/>
-                      <a:round/>
-                      <a:headEnd type="none" w="med" len="med"/>
-                      <a:tailEnd type="none" w="med" len="med"/>
-                    </a:lnT>
-                    <a:lnB w="12700" cap="flat" cmpd="sng" algn="ctr">
-                      <a:solidFill>
-                        <a:schemeClr val="tx1"/>
-                      </a:solidFill>
-                      <a:prstDash val="solid"/>
-                      <a:round/>
-                      <a:headEnd type="none" w="med" len="med"/>
-                      <a:tailEnd type="none" w="med" len="med"/>
-                    </a:lnB>
-                  </a:tcPr>
-                </a:tc>
-                <a:tc>
-                  <a:txBody>
-                    <a:bodyPr/>
-                    <a:lstStyle/>
-                    <a:p>
-                      <a:pPr algn="ctr"/>
-                      <a:r>
-                        <a:rPr lang="en-US" sz="1200" dirty="0"/>
-                        <a:t>Group Based Assignment</a:t>
-                      </a:r>
-                      <a:endParaRPr lang="en-SG" sz="1200" dirty="0"/>
-                    </a:p>
-                  </a:txBody>
-                  <a:tcPr marL="68580" marR="68580" marT="34290" marB="34290" anchor="ctr">
-                    <a:lnL w="12700" cap="flat" cmpd="sng" algn="ctr">
-                      <a:solidFill>
-                        <a:schemeClr val="tx1"/>
-                      </a:solidFill>
-                      <a:prstDash val="solid"/>
-                      <a:round/>
-                      <a:headEnd type="none" w="med" len="med"/>
-                      <a:tailEnd type="none" w="med" len="med"/>
-                    </a:lnL>
-                    <a:lnR w="12700" cap="flat" cmpd="sng" algn="ctr">
-                      <a:solidFill>
-                        <a:schemeClr val="tx1"/>
-                      </a:solidFill>
-                      <a:prstDash val="solid"/>
-                      <a:round/>
-                      <a:headEnd type="none" w="med" len="med"/>
-                      <a:tailEnd type="none" w="med" len="med"/>
-                    </a:lnR>
-                    <a:lnT w="12700" cap="flat" cmpd="sng" algn="ctr">
-                      <a:solidFill>
-                        <a:schemeClr val="tx1"/>
-                      </a:solidFill>
-                      <a:prstDash val="solid"/>
-                      <a:round/>
-                      <a:headEnd type="none" w="med" len="med"/>
-                      <a:tailEnd type="none" w="med" len="med"/>
-                    </a:lnT>
-                    <a:lnB w="12700" cap="flat" cmpd="sng" algn="ctr">
-                      <a:solidFill>
-                        <a:schemeClr val="tx1"/>
-                      </a:solidFill>
-                      <a:prstDash val="solid"/>
-                      <a:round/>
-                      <a:headEnd type="none" w="med" len="med"/>
-                      <a:tailEnd type="none" w="med" len="med"/>
-                    </a:lnB>
-                  </a:tcPr>
-                </a:tc>
-                <a:tc>
-                  <a:txBody>
-                    <a:bodyPr/>
-                    <a:lstStyle/>
-                    <a:p>
-                      <a:pPr marL="0" marR="0" lvl="0" indent="0" algn="ctr" defTabSz="457200" rtl="0" eaLnBrk="1" fontAlgn="auto" latinLnBrk="0" hangingPunct="1">
+                      <a:pPr marL="0" marR="0" lvl="0" indent="0" algn="ctr" defTabSz="914400" rtl="0" eaLnBrk="1" fontAlgn="auto" latinLnBrk="0" hangingPunct="1">
                         <a:lnSpc>
                           <a:spcPct val="100000"/>
                         </a:lnSpc>
@@ -23614,161 +22085,39 @@
                         <a:tabLst/>
                         <a:defRPr/>
                       </a:pPr>
-                      <a:endParaRPr lang="en-SG" sz="1200" dirty="0">
-                        <a:solidFill>
-                          <a:srgbClr val="FF0000"/>
-                        </a:solidFill>
-                      </a:endParaRPr>
+                      <a:r>
+                        <a:rPr lang="en-US" dirty="0" smtClean="0"/>
+                        <a:t>23 Aug, 12pm</a:t>
+                      </a:r>
+                      <a:endParaRPr lang="en-SG" dirty="0" smtClean="0"/>
                     </a:p>
                   </a:txBody>
-                  <a:tcPr marL="68580" marR="68580" marT="34290" marB="34290" anchor="ctr">
-                    <a:lnL w="12700" cap="flat" cmpd="sng" algn="ctr">
-                      <a:solidFill>
-                        <a:schemeClr val="tx1"/>
-                      </a:solidFill>
-                      <a:prstDash val="solid"/>
-                      <a:round/>
-                      <a:headEnd type="none" w="med" len="med"/>
-                      <a:tailEnd type="none" w="med" len="med"/>
-                    </a:lnL>
-                    <a:lnR w="12700" cap="flat" cmpd="sng" algn="ctr">
-                      <a:solidFill>
-                        <a:schemeClr val="tx1"/>
-                      </a:solidFill>
-                      <a:prstDash val="solid"/>
-                      <a:round/>
-                      <a:headEnd type="none" w="med" len="med"/>
-                      <a:tailEnd type="none" w="med" len="med"/>
-                    </a:lnR>
-                    <a:lnT w="12700" cap="flat" cmpd="sng" algn="ctr">
-                      <a:solidFill>
-                        <a:schemeClr val="tx1"/>
-                      </a:solidFill>
-                      <a:prstDash val="solid"/>
-                      <a:round/>
-                      <a:headEnd type="none" w="med" len="med"/>
-                      <a:tailEnd type="none" w="med" len="med"/>
-                    </a:lnT>
-                    <a:lnB w="12700" cap="flat" cmpd="sng" algn="ctr">
-                      <a:solidFill>
-                        <a:schemeClr val="tx1"/>
-                      </a:solidFill>
-                      <a:prstDash val="solid"/>
-                      <a:round/>
-                      <a:headEnd type="none" w="med" len="med"/>
-                      <a:tailEnd type="none" w="med" len="med"/>
-                    </a:lnB>
-                    <a:solidFill>
-                      <a:srgbClr val="FFFF00"/>
-                    </a:solidFill>
-                  </a:tcPr>
+                  <a:tcPr anchor="ctr"/>
                 </a:tc>
                 <a:extLst>
                   <a:ext uri="{0D108BD9-81ED-4DB2-BD59-A6C34878D82A}">
-                    <a16:rowId xmlns:a16="http://schemas.microsoft.com/office/drawing/2014/main" val="3037283718"/>
+                    <a16:rowId xmlns:a16="http://schemas.microsoft.com/office/drawing/2014/main" xmlns="" val="4029903763"/>
                   </a:ext>
                 </a:extLst>
               </a:tr>
-              <a:tr h="434340">
+              <a:tr h="635890">
                 <a:tc>
                   <a:txBody>
                     <a:bodyPr/>
                     <a:lstStyle/>
                     <a:p>
-                      <a:pPr algn="ctr"/>
                       <a:r>
-                        <a:rPr lang="en-US" sz="1200" dirty="0"/>
-                        <a:t>6</a:t>
+                        <a:rPr lang="en-US" dirty="0" smtClean="0"/>
+                        <a:t>Tutor</a:t>
                       </a:r>
-                      <a:endParaRPr lang="en-SG" sz="1200" dirty="0"/>
+                      <a:r>
+                        <a:rPr lang="en-US" baseline="0" dirty="0" smtClean="0"/>
+                        <a:t> Marked Assignment</a:t>
+                      </a:r>
+                      <a:endParaRPr lang="en-SG" dirty="0"/>
                     </a:p>
                   </a:txBody>
-                  <a:tcPr marL="68580" marR="68580" marT="34290" marB="34290" anchor="ctr">
-                    <a:lnL w="12700" cap="flat" cmpd="sng" algn="ctr">
-                      <a:solidFill>
-                        <a:schemeClr val="tx1"/>
-                      </a:solidFill>
-                      <a:prstDash val="solid"/>
-                      <a:round/>
-                      <a:headEnd type="none" w="med" len="med"/>
-                      <a:tailEnd type="none" w="med" len="med"/>
-                    </a:lnL>
-                    <a:lnR w="12700" cap="flat" cmpd="sng" algn="ctr">
-                      <a:solidFill>
-                        <a:schemeClr val="tx1"/>
-                      </a:solidFill>
-                      <a:prstDash val="solid"/>
-                      <a:round/>
-                      <a:headEnd type="none" w="med" len="med"/>
-                      <a:tailEnd type="none" w="med" len="med"/>
-                    </a:lnR>
-                    <a:lnT w="12700" cap="flat" cmpd="sng" algn="ctr">
-                      <a:solidFill>
-                        <a:schemeClr val="tx1"/>
-                      </a:solidFill>
-                      <a:prstDash val="solid"/>
-                      <a:round/>
-                      <a:headEnd type="none" w="med" len="med"/>
-                      <a:tailEnd type="none" w="med" len="med"/>
-                    </a:lnT>
-                    <a:lnB w="12700" cap="flat" cmpd="sng" algn="ctr">
-                      <a:solidFill>
-                        <a:schemeClr val="tx1"/>
-                      </a:solidFill>
-                      <a:prstDash val="solid"/>
-                      <a:round/>
-                      <a:headEnd type="none" w="med" len="med"/>
-                      <a:tailEnd type="none" w="med" len="med"/>
-                    </a:lnB>
-                  </a:tcPr>
-                </a:tc>
-                <a:tc>
-                  <a:txBody>
-                    <a:bodyPr/>
-                    <a:lstStyle/>
-                    <a:p>
-                      <a:pPr algn="ctr"/>
-                      <a:endParaRPr lang="en-SG" sz="1200" dirty="0"/>
-                    </a:p>
-                  </a:txBody>
-                  <a:tcPr marL="68580" marR="68580" marT="34290" marB="34290" anchor="ctr">
-                    <a:lnL w="12700" cap="flat" cmpd="sng" algn="ctr">
-                      <a:solidFill>
-                        <a:schemeClr val="tx1"/>
-                      </a:solidFill>
-                      <a:prstDash val="solid"/>
-                      <a:round/>
-                      <a:headEnd type="none" w="med" len="med"/>
-                      <a:tailEnd type="none" w="med" len="med"/>
-                    </a:lnL>
-                    <a:lnR w="12700" cap="flat" cmpd="sng" algn="ctr">
-                      <a:solidFill>
-                        <a:schemeClr val="tx1"/>
-                      </a:solidFill>
-                      <a:prstDash val="solid"/>
-                      <a:round/>
-                      <a:headEnd type="none" w="med" len="med"/>
-                      <a:tailEnd type="none" w="med" len="med"/>
-                    </a:lnR>
-                    <a:lnT w="12700" cap="flat" cmpd="sng" algn="ctr">
-                      <a:solidFill>
-                        <a:schemeClr val="tx1"/>
-                      </a:solidFill>
-                      <a:prstDash val="solid"/>
-                      <a:round/>
-                      <a:headEnd type="none" w="med" len="med"/>
-                      <a:tailEnd type="none" w="med" len="med"/>
-                    </a:lnT>
-                    <a:lnB w="12700" cap="flat" cmpd="sng" algn="ctr">
-                      <a:solidFill>
-                        <a:schemeClr val="tx1"/>
-                      </a:solidFill>
-                      <a:prstDash val="solid"/>
-                      <a:round/>
-                      <a:headEnd type="none" w="med" len="med"/>
-                      <a:tailEnd type="none" w="med" len="med"/>
-                    </a:lnB>
-                  </a:tcPr>
+                  <a:tcPr anchor="ctr"/>
                 </a:tc>
                 <a:tc>
                   <a:txBody>
@@ -23777,58 +22126,24 @@
                     <a:p>
                       <a:pPr algn="ctr"/>
                       <a:r>
-                        <a:rPr lang="en-US" sz="1200" dirty="0" smtClean="0"/>
-                        <a:t>30</a:t>
+                        <a:rPr lang="en-US" dirty="0" smtClean="0"/>
+                        <a:t>18%</a:t>
                       </a:r>
-                      <a:r>
-                        <a:rPr lang="en-US" sz="1200" baseline="30000" dirty="0" smtClean="0"/>
-                        <a:t>th</a:t>
-                      </a:r>
-                      <a:r>
-                        <a:rPr lang="en-US" sz="1200" dirty="0" smtClean="0"/>
-                        <a:t> Aug</a:t>
-                      </a:r>
-                      <a:endParaRPr lang="en-SG" sz="1200" dirty="0"/>
+                      <a:endParaRPr lang="en-SG" dirty="0"/>
                     </a:p>
                   </a:txBody>
-                  <a:tcPr marL="68580" marR="68580" marT="34290" marB="34290" anchor="ctr">
-                    <a:lnL w="12700" cap="flat" cmpd="sng" algn="ctr">
-                      <a:solidFill>
-                        <a:schemeClr val="tx1"/>
-                      </a:solidFill>
-                      <a:prstDash val="solid"/>
-                      <a:round/>
-                      <a:headEnd type="none" w="med" len="med"/>
-                      <a:tailEnd type="none" w="med" len="med"/>
-                    </a:lnL>
-                    <a:lnR w="12700" cap="flat" cmpd="sng" algn="ctr">
-                      <a:solidFill>
-                        <a:schemeClr val="tx1"/>
-                      </a:solidFill>
-                      <a:prstDash val="solid"/>
-                      <a:round/>
-                      <a:headEnd type="none" w="med" len="med"/>
-                      <a:tailEnd type="none" w="med" len="med"/>
-                    </a:lnR>
-                    <a:lnT w="12700" cap="flat" cmpd="sng" algn="ctr">
-                      <a:solidFill>
-                        <a:schemeClr val="tx1"/>
-                      </a:solidFill>
-                      <a:prstDash val="solid"/>
-                      <a:round/>
-                      <a:headEnd type="none" w="med" len="med"/>
-                      <a:tailEnd type="none" w="med" len="med"/>
-                    </a:lnT>
-                    <a:lnB w="12700" cap="flat" cmpd="sng" algn="ctr">
-                      <a:solidFill>
-                        <a:schemeClr val="tx1"/>
-                      </a:solidFill>
-                      <a:prstDash val="solid"/>
-                      <a:round/>
-                      <a:headEnd type="none" w="med" len="med"/>
-                      <a:tailEnd type="none" w="med" len="med"/>
-                    </a:lnB>
-                  </a:tcPr>
+                  <a:tcPr anchor="ctr"/>
+                </a:tc>
+                <a:tc>
+                  <a:txBody>
+                    <a:bodyPr/>
+                    <a:lstStyle/>
+                    <a:p>
+                      <a:pPr algn="ctr"/>
+                      <a:endParaRPr lang="en-SG" dirty="0"/>
+                    </a:p>
+                  </a:txBody>
+                  <a:tcPr anchor="ctr"/>
                 </a:tc>
                 <a:tc>
                   <a:txBody>
@@ -23837,50 +22152,42 @@
                     <a:p>
                       <a:pPr algn="ctr"/>
                       <a:r>
-                        <a:rPr lang="en-US" sz="1200" dirty="0"/>
-                        <a:t>End of Course Assessment</a:t>
+                        <a:rPr lang="en-US" dirty="0" smtClean="0"/>
+                        <a:t>8 Aug, 1155 pm</a:t>
                       </a:r>
-                      <a:endParaRPr lang="en-SG" sz="1200" dirty="0"/>
+                      <a:endParaRPr lang="en-SG" dirty="0"/>
                     </a:p>
                   </a:txBody>
-                  <a:tcPr marL="68580" marR="68580" marT="34290" marB="34290" anchor="ctr">
-                    <a:lnL w="12700" cap="flat" cmpd="sng" algn="ctr">
-                      <a:solidFill>
-                        <a:schemeClr val="tx1"/>
-                      </a:solidFill>
-                      <a:prstDash val="solid"/>
-                      <a:round/>
-                      <a:headEnd type="none" w="med" len="med"/>
-                      <a:tailEnd type="none" w="med" len="med"/>
-                    </a:lnL>
-                    <a:lnR w="12700" cap="flat" cmpd="sng" algn="ctr">
-                      <a:solidFill>
-                        <a:schemeClr val="tx1"/>
-                      </a:solidFill>
-                      <a:prstDash val="solid"/>
-                      <a:round/>
-                      <a:headEnd type="none" w="med" len="med"/>
-                      <a:tailEnd type="none" w="med" len="med"/>
-                    </a:lnR>
-                    <a:lnT w="12700" cap="flat" cmpd="sng" algn="ctr">
-                      <a:solidFill>
-                        <a:schemeClr val="tx1"/>
-                      </a:solidFill>
-                      <a:prstDash val="solid"/>
-                      <a:round/>
-                      <a:headEnd type="none" w="med" len="med"/>
-                      <a:tailEnd type="none" w="med" len="med"/>
-                    </a:lnT>
-                    <a:lnB w="12700" cap="flat" cmpd="sng" algn="ctr">
-                      <a:solidFill>
-                        <a:schemeClr val="tx1"/>
-                      </a:solidFill>
-                      <a:prstDash val="solid"/>
-                      <a:round/>
-                      <a:headEnd type="none" w="med" len="med"/>
-                      <a:tailEnd type="none" w="med" len="med"/>
-                    </a:lnB>
-                  </a:tcPr>
+                  <a:tcPr anchor="ctr"/>
+                </a:tc>
+                <a:extLst>
+                  <a:ext uri="{0D108BD9-81ED-4DB2-BD59-A6C34878D82A}">
+                    <a16:rowId xmlns:a16="http://schemas.microsoft.com/office/drawing/2014/main" xmlns="" val="2065889755"/>
+                  </a:ext>
+                </a:extLst>
+              </a:tr>
+              <a:tr h="635890">
+                <a:tc>
+                  <a:txBody>
+                    <a:bodyPr/>
+                    <a:lstStyle/>
+                    <a:p>
+                      <a:r>
+                        <a:rPr lang="en-US" dirty="0" smtClean="0"/>
+                        <a:t>Group</a:t>
+                      </a:r>
+                      <a:r>
+                        <a:rPr lang="en-US" baseline="0" dirty="0" smtClean="0"/>
+                        <a:t> </a:t>
+                      </a:r>
+                      <a:r>
+                        <a:rPr lang="en-US" dirty="0" smtClean="0"/>
+                        <a:t>Based Assessment</a:t>
+                      </a:r>
+                      <a:endParaRPr lang="en-SG" dirty="0"/>
+                    </a:p>
+                  </a:txBody>
+                  <a:tcPr anchor="ctr"/>
                 </a:tc>
                 <a:tc>
                   <a:txBody>
@@ -23888,58 +22195,200 @@
                     <a:lstStyle/>
                     <a:p>
                       <a:pPr algn="ctr"/>
-                      <a:endParaRPr lang="en-SG" sz="1200" dirty="0">
-                        <a:solidFill>
-                          <a:srgbClr val="FF0000"/>
-                        </a:solidFill>
-                      </a:endParaRPr>
+                      <a:r>
+                        <a:rPr lang="en-US" dirty="0" smtClean="0"/>
+                        <a:t>20%</a:t>
+                      </a:r>
+                      <a:endParaRPr lang="en-SG" dirty="0"/>
                     </a:p>
                   </a:txBody>
-                  <a:tcPr marL="68580" marR="68580" marT="34290" marB="34290" anchor="ctr">
-                    <a:lnL w="12700" cap="flat" cmpd="sng" algn="ctr">
-                      <a:solidFill>
-                        <a:schemeClr val="tx1"/>
-                      </a:solidFill>
-                      <a:prstDash val="solid"/>
-                      <a:round/>
-                      <a:headEnd type="none" w="med" len="med"/>
-                      <a:tailEnd type="none" w="med" len="med"/>
-                    </a:lnL>
-                    <a:lnR w="12700" cap="flat" cmpd="sng" algn="ctr">
-                      <a:solidFill>
-                        <a:schemeClr val="tx1"/>
-                      </a:solidFill>
-                      <a:prstDash val="solid"/>
-                      <a:round/>
-                      <a:headEnd type="none" w="med" len="med"/>
-                      <a:tailEnd type="none" w="med" len="med"/>
-                    </a:lnR>
-                    <a:lnT w="12700" cap="flat" cmpd="sng" algn="ctr">
-                      <a:solidFill>
-                        <a:schemeClr val="tx1"/>
-                      </a:solidFill>
-                      <a:prstDash val="solid"/>
-                      <a:round/>
-                      <a:headEnd type="none" w="med" len="med"/>
-                      <a:tailEnd type="none" w="med" len="med"/>
-                    </a:lnT>
-                    <a:lnB w="12700" cap="flat" cmpd="sng" algn="ctr">
-                      <a:solidFill>
-                        <a:schemeClr val="tx1"/>
-                      </a:solidFill>
-                      <a:prstDash val="solid"/>
-                      <a:round/>
-                      <a:headEnd type="none" w="med" len="med"/>
-                      <a:tailEnd type="none" w="med" len="med"/>
-                    </a:lnB>
-                    <a:solidFill>
-                      <a:srgbClr val="FFFF00"/>
-                    </a:solidFill>
-                  </a:tcPr>
+                  <a:tcPr anchor="ctr"/>
+                </a:tc>
+                <a:tc>
+                  <a:txBody>
+                    <a:bodyPr/>
+                    <a:lstStyle/>
+                    <a:p>
+                      <a:pPr algn="ctr"/>
+                      <a:endParaRPr lang="en-SG" dirty="0"/>
+                    </a:p>
+                  </a:txBody>
+                  <a:tcPr anchor="ctr"/>
+                </a:tc>
+                <a:tc>
+                  <a:txBody>
+                    <a:bodyPr/>
+                    <a:lstStyle/>
+                    <a:p>
+                      <a:pPr algn="ctr"/>
+                      <a:r>
+                        <a:rPr lang="en-US" dirty="0" smtClean="0"/>
+                        <a:t>22 Aug, 1155 pm</a:t>
+                      </a:r>
+                      <a:endParaRPr lang="en-SG" dirty="0"/>
+                    </a:p>
+                  </a:txBody>
+                  <a:tcPr anchor="ctr"/>
                 </a:tc>
                 <a:extLst>
                   <a:ext uri="{0D108BD9-81ED-4DB2-BD59-A6C34878D82A}">
-                    <a16:rowId xmlns:a16="http://schemas.microsoft.com/office/drawing/2014/main" val="4135394514"/>
+                    <a16:rowId xmlns:a16="http://schemas.microsoft.com/office/drawing/2014/main" xmlns="" val="3821679047"/>
+                  </a:ext>
+                </a:extLst>
+              </a:tr>
+              <a:tr h="635890">
+                <a:tc>
+                  <a:txBody>
+                    <a:bodyPr/>
+                    <a:lstStyle/>
+                    <a:p>
+                      <a:r>
+                        <a:rPr lang="en-US" dirty="0" smtClean="0"/>
+                        <a:t>End-of-Course Assessment</a:t>
+                      </a:r>
+                      <a:endParaRPr lang="en-SG" dirty="0"/>
+                    </a:p>
+                  </a:txBody>
+                  <a:tcPr anchor="ctr"/>
+                </a:tc>
+                <a:tc>
+                  <a:txBody>
+                    <a:bodyPr/>
+                    <a:lstStyle/>
+                    <a:p>
+                      <a:pPr algn="ctr"/>
+                      <a:r>
+                        <a:rPr lang="en-US" dirty="0" smtClean="0"/>
+                        <a:t>50%</a:t>
+                      </a:r>
+                      <a:endParaRPr lang="en-SG" dirty="0"/>
+                    </a:p>
+                  </a:txBody>
+                  <a:tcPr anchor="ctr"/>
+                </a:tc>
+                <a:tc>
+                  <a:txBody>
+                    <a:bodyPr/>
+                    <a:lstStyle/>
+                    <a:p>
+                      <a:pPr algn="ctr"/>
+                      <a:endParaRPr lang="en-SG" dirty="0"/>
+                    </a:p>
+                  </a:txBody>
+                  <a:tcPr anchor="ctr"/>
+                </a:tc>
+                <a:tc>
+                  <a:txBody>
+                    <a:bodyPr/>
+                    <a:lstStyle/>
+                    <a:p>
+                      <a:pPr marL="0" marR="0" lvl="0" indent="0" algn="ctr" defTabSz="914400" rtl="0" eaLnBrk="1" fontAlgn="auto" latinLnBrk="0" hangingPunct="1">
+                        <a:lnSpc>
+                          <a:spcPct val="100000"/>
+                        </a:lnSpc>
+                        <a:spcBef>
+                          <a:spcPts val="0"/>
+                        </a:spcBef>
+                        <a:spcAft>
+                          <a:spcPts val="0"/>
+                        </a:spcAft>
+                        <a:buClrTx/>
+                        <a:buSzTx/>
+                        <a:buFontTx/>
+                        <a:buNone/>
+                        <a:tabLst/>
+                        <a:defRPr/>
+                      </a:pPr>
+                      <a:r>
+                        <a:rPr lang="en-US" dirty="0" smtClean="0"/>
+                        <a:t>6 September 2021, 12 pm</a:t>
+                      </a:r>
+                      <a:endParaRPr lang="en-SG" dirty="0" smtClean="0"/>
+                    </a:p>
+                  </a:txBody>
+                  <a:tcPr anchor="ctr"/>
+                </a:tc>
+                <a:extLst>
+                  <a:ext uri="{0D108BD9-81ED-4DB2-BD59-A6C34878D82A}">
+                    <a16:rowId xmlns:a16="http://schemas.microsoft.com/office/drawing/2014/main" xmlns="" val="153666857"/>
+                  </a:ext>
+                </a:extLst>
+              </a:tr>
+              <a:tr h="368412">
+                <a:tc>
+                  <a:txBody>
+                    <a:bodyPr/>
+                    <a:lstStyle/>
+                    <a:p>
+                      <a:r>
+                        <a:rPr lang="en-US" dirty="0" smtClean="0"/>
+                        <a:t>Participation </a:t>
+                      </a:r>
+                      <a:endParaRPr lang="en-SG" dirty="0"/>
+                    </a:p>
+                  </a:txBody>
+                  <a:tcPr anchor="ctr"/>
+                </a:tc>
+                <a:tc>
+                  <a:txBody>
+                    <a:bodyPr/>
+                    <a:lstStyle/>
+                    <a:p>
+                      <a:pPr algn="ctr"/>
+                      <a:r>
+                        <a:rPr lang="en-US" dirty="0" smtClean="0"/>
+                        <a:t>6% </a:t>
+                      </a:r>
+                      <a:r>
+                        <a:rPr lang="en-SG" baseline="0" dirty="0" smtClean="0"/>
+                        <a:t> (30% from class, 70% from forum)</a:t>
+                      </a:r>
+                      <a:endParaRPr lang="en-US" dirty="0" smtClean="0"/>
+                    </a:p>
+                  </a:txBody>
+                  <a:tcPr anchor="ctr"/>
+                </a:tc>
+                <a:tc>
+                  <a:txBody>
+                    <a:bodyPr/>
+                    <a:lstStyle/>
+                    <a:p>
+                      <a:pPr algn="ctr"/>
+                      <a:endParaRPr lang="en-SG" dirty="0"/>
+                    </a:p>
+                  </a:txBody>
+                  <a:tcPr anchor="ctr"/>
+                </a:tc>
+                <a:tc>
+                  <a:txBody>
+                    <a:bodyPr/>
+                    <a:lstStyle/>
+                    <a:p>
+                      <a:pPr marL="0" marR="0" lvl="0" indent="0" algn="ctr" defTabSz="914400" rtl="0" eaLnBrk="1" fontAlgn="auto" latinLnBrk="0" hangingPunct="1">
+                        <a:lnSpc>
+                          <a:spcPct val="100000"/>
+                        </a:lnSpc>
+                        <a:spcBef>
+                          <a:spcPts val="0"/>
+                        </a:spcBef>
+                        <a:spcAft>
+                          <a:spcPts val="0"/>
+                        </a:spcAft>
+                        <a:buClrTx/>
+                        <a:buSzTx/>
+                        <a:buFontTx/>
+                        <a:buNone/>
+                        <a:tabLst/>
+                        <a:defRPr/>
+                      </a:pPr>
+                      <a:endParaRPr lang="en-SG" dirty="0" smtClean="0"/>
+                    </a:p>
+                  </a:txBody>
+                  <a:tcPr anchor="ctr"/>
+                </a:tc>
+                <a:extLst>
+                  <a:ext uri="{0D108BD9-81ED-4DB2-BD59-A6C34878D82A}">
+                    <a16:rowId xmlns:a16="http://schemas.microsoft.com/office/drawing/2014/main" xmlns="" val="2824512280"/>
                   </a:ext>
                 </a:extLst>
               </a:tr>
@@ -23947,241 +22396,6 @@
           </a:graphicData>
         </a:graphic>
       </p:graphicFrame>
-      <p:sp>
-        <p:nvSpPr>
-          <p:cNvPr id="8" name="Text Placeholder 2">
-            <a:extLst>
-              <a:ext uri="{FF2B5EF4-FFF2-40B4-BE49-F238E27FC236}">
-                <a16:creationId xmlns:a16="http://schemas.microsoft.com/office/drawing/2014/main" id="{87DAF040-577B-48B8-B242-5C47D3131BA4}"/>
-              </a:ext>
-            </a:extLst>
-          </p:cNvPr>
-          <p:cNvSpPr txBox="1">
-            <a:spLocks/>
-          </p:cNvSpPr>
-          <p:nvPr/>
-        </p:nvSpPr>
-        <p:spPr bwMode="auto">
-          <a:xfrm>
-            <a:off x="1240687" y="5427222"/>
-            <a:ext cx="5657850" cy="228600"/>
-          </a:xfrm>
-          <a:prstGeom prst="rect">
-            <a:avLst/>
-          </a:prstGeom>
-          <a:noFill/>
-          <a:extLst>
-            <a:ext uri="{909E8E84-426E-40DD-AFC4-6F175D3DCCD1}">
-              <a14:hiddenFill xmlns:a14="http://schemas.microsoft.com/office/drawing/2010/main">
-                <a:solidFill>
-                  <a:srgbClr val="FFFFFF"/>
-                </a:solidFill>
-              </a14:hiddenFill>
-            </a:ext>
-            <a:ext uri="{91240B29-F687-4F45-9708-019B960494DF}">
-              <a14:hiddenLine xmlns:a14="http://schemas.microsoft.com/office/drawing/2010/main" w="9525">
-                <a:solidFill>
-                  <a:srgbClr val="000000"/>
-                </a:solidFill>
-                <a:miter lim="800000"/>
-                <a:headEnd/>
-                <a:tailEnd/>
-              </a14:hiddenLine>
-            </a:ext>
-          </a:extLst>
-        </p:spPr>
-        <p:txBody>
-          <a:bodyPr vert="horz" wrap="square" lIns="68580" tIns="34290" rIns="68580" bIns="34290" numCol="1" anchor="t" anchorCtr="0" compatLnSpc="1">
-            <a:prstTxWarp prst="textNoShape">
-              <a:avLst/>
-            </a:prstTxWarp>
-          </a:bodyPr>
-          <a:lstStyle>
-            <a:lvl1pPr marL="342900" indent="-342900" algn="l" defTabSz="457200" rtl="0" eaLnBrk="0" fontAlgn="base" hangingPunct="0">
-              <a:spcBef>
-                <a:spcPct val="20000"/>
-              </a:spcBef>
-              <a:spcAft>
-                <a:spcPct val="0"/>
-              </a:spcAft>
-              <a:buFont typeface="Arial" panose="020B0604020202020204" pitchFamily="34" charset="0"/>
-              <a:buNone/>
-              <a:defRPr sz="1600" b="1" kern="1200" baseline="0">
-                <a:solidFill>
-                  <a:srgbClr val="890018"/>
-                </a:solidFill>
-                <a:latin typeface="Lucida sans"/>
-                <a:ea typeface="ヒラギノ角ゴ Pro W3" charset="-128"/>
-                <a:cs typeface="Lucida sans"/>
-              </a:defRPr>
-            </a:lvl1pPr>
-            <a:lvl2pPr marL="742950" indent="-285750" algn="l" defTabSz="457200" rtl="0" eaLnBrk="0" fontAlgn="base" hangingPunct="0">
-              <a:spcBef>
-                <a:spcPct val="20000"/>
-              </a:spcBef>
-              <a:spcAft>
-                <a:spcPct val="0"/>
-              </a:spcAft>
-              <a:buFont typeface="Arial" panose="020B0604020202020204" pitchFamily="34" charset="0"/>
-              <a:buChar char="–"/>
-              <a:defRPr sz="2800" kern="1200">
-                <a:solidFill>
-                  <a:schemeClr val="tx1"/>
-                </a:solidFill>
-                <a:latin typeface="+mn-lt"/>
-                <a:ea typeface="ヒラギノ角ゴ Pro W3" charset="-128"/>
-                <a:cs typeface="ヒラギノ角ゴ Pro W3"/>
-              </a:defRPr>
-            </a:lvl2pPr>
-            <a:lvl3pPr marL="1143000" indent="-228600" algn="l" defTabSz="457200" rtl="0" eaLnBrk="0" fontAlgn="base" hangingPunct="0">
-              <a:spcBef>
-                <a:spcPct val="20000"/>
-              </a:spcBef>
-              <a:spcAft>
-                <a:spcPct val="0"/>
-              </a:spcAft>
-              <a:buFont typeface="Arial" panose="020B0604020202020204" pitchFamily="34" charset="0"/>
-              <a:buChar char="•"/>
-              <a:defRPr sz="2400" kern="1200">
-                <a:solidFill>
-                  <a:schemeClr val="tx1"/>
-                </a:solidFill>
-                <a:latin typeface="+mn-lt"/>
-                <a:ea typeface="ヒラギノ角ゴ Pro W3" charset="-128"/>
-                <a:cs typeface="ヒラギノ角ゴ Pro W3"/>
-              </a:defRPr>
-            </a:lvl3pPr>
-            <a:lvl4pPr marL="1600200" indent="-228600" algn="l" defTabSz="457200" rtl="0" eaLnBrk="0" fontAlgn="base" hangingPunct="0">
-              <a:spcBef>
-                <a:spcPct val="20000"/>
-              </a:spcBef>
-              <a:spcAft>
-                <a:spcPct val="0"/>
-              </a:spcAft>
-              <a:buFont typeface="Arial" panose="020B0604020202020204" pitchFamily="34" charset="0"/>
-              <a:buChar char="–"/>
-              <a:defRPr sz="2000" kern="1200">
-                <a:solidFill>
-                  <a:schemeClr val="tx1"/>
-                </a:solidFill>
-                <a:latin typeface="+mn-lt"/>
-                <a:ea typeface="ヒラギノ角ゴ Pro W3" charset="-128"/>
-                <a:cs typeface="ヒラギノ角ゴ Pro W3"/>
-              </a:defRPr>
-            </a:lvl4pPr>
-            <a:lvl5pPr marL="2057400" indent="-228600" algn="l" defTabSz="457200" rtl="0" eaLnBrk="0" fontAlgn="base" hangingPunct="0">
-              <a:spcBef>
-                <a:spcPct val="20000"/>
-              </a:spcBef>
-              <a:spcAft>
-                <a:spcPct val="0"/>
-              </a:spcAft>
-              <a:buFont typeface="Arial" panose="020B0604020202020204" pitchFamily="34" charset="0"/>
-              <a:buChar char="»"/>
-              <a:defRPr sz="2000" kern="1200">
-                <a:solidFill>
-                  <a:schemeClr val="tx1"/>
-                </a:solidFill>
-                <a:latin typeface="+mn-lt"/>
-                <a:ea typeface="ヒラギノ角ゴ Pro W3" charset="-128"/>
-                <a:cs typeface="ヒラギノ角ゴ Pro W3"/>
-              </a:defRPr>
-            </a:lvl5pPr>
-            <a:lvl6pPr marL="2514600" indent="-228600" algn="l" defTabSz="457200" rtl="0" eaLnBrk="1" latinLnBrk="0" hangingPunct="1">
-              <a:spcBef>
-                <a:spcPct val="20000"/>
-              </a:spcBef>
-              <a:buFont typeface="Arial"/>
-              <a:buChar char="•"/>
-              <a:defRPr sz="2000" kern="1200">
-                <a:solidFill>
-                  <a:schemeClr val="tx1"/>
-                </a:solidFill>
-                <a:latin typeface="+mn-lt"/>
-                <a:ea typeface="+mn-ea"/>
-                <a:cs typeface="+mn-cs"/>
-              </a:defRPr>
-            </a:lvl6pPr>
-            <a:lvl7pPr marL="2971800" indent="-228600" algn="l" defTabSz="457200" rtl="0" eaLnBrk="1" latinLnBrk="0" hangingPunct="1">
-              <a:spcBef>
-                <a:spcPct val="20000"/>
-              </a:spcBef>
-              <a:buFont typeface="Arial"/>
-              <a:buChar char="•"/>
-              <a:defRPr sz="2000" kern="1200">
-                <a:solidFill>
-                  <a:schemeClr val="tx1"/>
-                </a:solidFill>
-                <a:latin typeface="+mn-lt"/>
-                <a:ea typeface="+mn-ea"/>
-                <a:cs typeface="+mn-cs"/>
-              </a:defRPr>
-            </a:lvl7pPr>
-            <a:lvl8pPr marL="3429000" indent="-228600" algn="l" defTabSz="457200" rtl="0" eaLnBrk="1" latinLnBrk="0" hangingPunct="1">
-              <a:spcBef>
-                <a:spcPct val="20000"/>
-              </a:spcBef>
-              <a:buFont typeface="Arial"/>
-              <a:buChar char="•"/>
-              <a:defRPr sz="2000" kern="1200">
-                <a:solidFill>
-                  <a:schemeClr val="tx1"/>
-                </a:solidFill>
-                <a:latin typeface="+mn-lt"/>
-                <a:ea typeface="+mn-ea"/>
-                <a:cs typeface="+mn-cs"/>
-              </a:defRPr>
-            </a:lvl8pPr>
-            <a:lvl9pPr marL="3886200" indent="-228600" algn="l" defTabSz="457200" rtl="0" eaLnBrk="1" latinLnBrk="0" hangingPunct="1">
-              <a:spcBef>
-                <a:spcPct val="20000"/>
-              </a:spcBef>
-              <a:buFont typeface="Arial"/>
-              <a:buChar char="•"/>
-              <a:defRPr sz="2000" kern="1200">
-                <a:solidFill>
-                  <a:schemeClr val="tx1"/>
-                </a:solidFill>
-                <a:latin typeface="+mn-lt"/>
-                <a:ea typeface="+mn-ea"/>
-                <a:cs typeface="+mn-cs"/>
-              </a:defRPr>
-            </a:lvl9pPr>
-          </a:lstStyle>
-          <a:p>
-            <a:pPr marL="257175" indent="-257175" defTabSz="342900"/>
-            <a:r>
-              <a:rPr lang="en-US" sz="1200" dirty="0">
-                <a:solidFill>
-                  <a:prstClr val="white"/>
-                </a:solidFill>
-              </a:rPr>
-              <a:t>*All quizzes have a </a:t>
-            </a:r>
-            <a:r>
-              <a:rPr lang="en-US" sz="1500" u="sng" dirty="0">
-                <a:solidFill>
-                  <a:prstClr val="white"/>
-                </a:solidFill>
-              </a:rPr>
-              <a:t>12-NOON</a:t>
-            </a:r>
-            <a:r>
-              <a:rPr lang="en-US" sz="1200" dirty="0">
-                <a:solidFill>
-                  <a:prstClr val="white"/>
-                </a:solidFill>
-              </a:rPr>
-              <a:t> deadline. No extensions!</a:t>
-            </a:r>
-            <a:endParaRPr lang="en-SG" sz="1200" dirty="0">
-              <a:solidFill>
-                <a:prstClr val="white"/>
-              </a:solidFill>
-            </a:endParaRPr>
-          </a:p>
-        </p:txBody>
-      </p:sp>
     </p:spTree>
     <p:custDataLst>
       <p:tags r:id="rId1"/>
@@ -24305,7 +22519,7 @@
           <p:cNvPr id="6" name="Title 5">
             <a:extLst>
               <a:ext uri="{FF2B5EF4-FFF2-40B4-BE49-F238E27FC236}">
-                <a16:creationId xmlns:a16="http://schemas.microsoft.com/office/drawing/2014/main" id="{E4CC4A00-E363-4E55-9156-DF045DB5621C}"/>
+                <a16:creationId xmlns:a16="http://schemas.microsoft.com/office/drawing/2014/main" xmlns="" id="{E4CC4A00-E363-4E55-9156-DF045DB5621C}"/>
               </a:ext>
             </a:extLst>
           </p:cNvPr>
@@ -24461,7 +22675,7 @@
           <p:cNvPr id="3" name="Title 2">
             <a:extLst>
               <a:ext uri="{FF2B5EF4-FFF2-40B4-BE49-F238E27FC236}">
-                <a16:creationId xmlns:a16="http://schemas.microsoft.com/office/drawing/2014/main" id="{0EF93238-CE45-475A-86AD-47EEA432EAC7}"/>
+                <a16:creationId xmlns:a16="http://schemas.microsoft.com/office/drawing/2014/main" xmlns="" id="{0EF93238-CE45-475A-86AD-47EEA432EAC7}"/>
               </a:ext>
             </a:extLst>
           </p:cNvPr>
@@ -24668,7 +22882,7 @@
           <p:cNvPr id="4" name="Title 3">
             <a:extLst>
               <a:ext uri="{FF2B5EF4-FFF2-40B4-BE49-F238E27FC236}">
-                <a16:creationId xmlns:a16="http://schemas.microsoft.com/office/drawing/2014/main" id="{25A5C9FB-F6F6-490E-B5AD-61722C1F8666}"/>
+                <a16:creationId xmlns:a16="http://schemas.microsoft.com/office/drawing/2014/main" xmlns="" id="{25A5C9FB-F6F6-490E-B5AD-61722C1F8666}"/>
               </a:ext>
             </a:extLst>
           </p:cNvPr>
@@ -24729,7 +22943,7 @@
           <p:cNvPr id="5122" name="Title 1">
             <a:extLst>
               <a:ext uri="{FF2B5EF4-FFF2-40B4-BE49-F238E27FC236}">
-                <a16:creationId xmlns:a16="http://schemas.microsoft.com/office/drawing/2014/main" id="{2DF29706-0BF6-40D2-8B1C-3EC71B2E0102}"/>
+                <a16:creationId xmlns:a16="http://schemas.microsoft.com/office/drawing/2014/main" xmlns="" id="{2DF29706-0BF6-40D2-8B1C-3EC71B2E0102}"/>
               </a:ext>
             </a:extLst>
           </p:cNvPr>
@@ -24916,14 +23130,14 @@
                 <a:gridCol w="2076450">
                   <a:extLst>
                     <a:ext uri="{9D8B030D-6E8A-4147-A177-3AD203B41FA5}">
-                      <a16:colId xmlns:a16="http://schemas.microsoft.com/office/drawing/2014/main" val="1671302009"/>
+                      <a16:colId xmlns:a16="http://schemas.microsoft.com/office/drawing/2014/main" xmlns="" val="1671302009"/>
                     </a:ext>
                   </a:extLst>
                 </a:gridCol>
                 <a:gridCol w="6153150">
                   <a:extLst>
                     <a:ext uri="{9D8B030D-6E8A-4147-A177-3AD203B41FA5}">
-                      <a16:colId xmlns:a16="http://schemas.microsoft.com/office/drawing/2014/main" val="744490871"/>
+                      <a16:colId xmlns:a16="http://schemas.microsoft.com/office/drawing/2014/main" xmlns="" val="744490871"/>
                     </a:ext>
                   </a:extLst>
                 </a:gridCol>
@@ -25021,7 +23235,7 @@
                 </a:tc>
                 <a:extLst>
                   <a:ext uri="{0D108BD9-81ED-4DB2-BD59-A6C34878D82A}">
-                    <a16:rowId xmlns:a16="http://schemas.microsoft.com/office/drawing/2014/main" val="3280015413"/>
+                    <a16:rowId xmlns:a16="http://schemas.microsoft.com/office/drawing/2014/main" xmlns="" val="3280015413"/>
                   </a:ext>
                 </a:extLst>
               </a:tr>
@@ -25125,7 +23339,7 @@
                 </a:tc>
                 <a:extLst>
                   <a:ext uri="{0D108BD9-81ED-4DB2-BD59-A6C34878D82A}">
-                    <a16:rowId xmlns:a16="http://schemas.microsoft.com/office/drawing/2014/main" val="3427827443"/>
+                    <a16:rowId xmlns:a16="http://schemas.microsoft.com/office/drawing/2014/main" xmlns="" val="3427827443"/>
                   </a:ext>
                 </a:extLst>
               </a:tr>
@@ -25229,7 +23443,7 @@
                 </a:tc>
                 <a:extLst>
                   <a:ext uri="{0D108BD9-81ED-4DB2-BD59-A6C34878D82A}">
-                    <a16:rowId xmlns:a16="http://schemas.microsoft.com/office/drawing/2014/main" val="1373402118"/>
+                    <a16:rowId xmlns:a16="http://schemas.microsoft.com/office/drawing/2014/main" xmlns="" val="1373402118"/>
                   </a:ext>
                 </a:extLst>
               </a:tr>
@@ -25333,7 +23547,7 @@
                 </a:tc>
                 <a:extLst>
                   <a:ext uri="{0D108BD9-81ED-4DB2-BD59-A6C34878D82A}">
-                    <a16:rowId xmlns:a16="http://schemas.microsoft.com/office/drawing/2014/main" val="3107970660"/>
+                    <a16:rowId xmlns:a16="http://schemas.microsoft.com/office/drawing/2014/main" xmlns="" val="3107970660"/>
                   </a:ext>
                 </a:extLst>
               </a:tr>
@@ -25437,7 +23651,7 @@
                 </a:tc>
                 <a:extLst>
                   <a:ext uri="{0D108BD9-81ED-4DB2-BD59-A6C34878D82A}">
-                    <a16:rowId xmlns:a16="http://schemas.microsoft.com/office/drawing/2014/main" val="3661196015"/>
+                    <a16:rowId xmlns:a16="http://schemas.microsoft.com/office/drawing/2014/main" xmlns="" val="3661196015"/>
                   </a:ext>
                 </a:extLst>
               </a:tr>
@@ -25541,7 +23755,7 @@
                 </a:tc>
                 <a:extLst>
                   <a:ext uri="{0D108BD9-81ED-4DB2-BD59-A6C34878D82A}">
-                    <a16:rowId xmlns:a16="http://schemas.microsoft.com/office/drawing/2014/main" val="682879670"/>
+                    <a16:rowId xmlns:a16="http://schemas.microsoft.com/office/drawing/2014/main" xmlns="" val="682879670"/>
                   </a:ext>
                 </a:extLst>
               </a:tr>
@@ -25645,7 +23859,7 @@
                 </a:tc>
                 <a:extLst>
                   <a:ext uri="{0D108BD9-81ED-4DB2-BD59-A6C34878D82A}">
-                    <a16:rowId xmlns:a16="http://schemas.microsoft.com/office/drawing/2014/main" val="1826590371"/>
+                    <a16:rowId xmlns:a16="http://schemas.microsoft.com/office/drawing/2014/main" xmlns="" val="1826590371"/>
                   </a:ext>
                 </a:extLst>
               </a:tr>
@@ -25749,7 +23963,7 @@
                 </a:tc>
                 <a:extLst>
                   <a:ext uri="{0D108BD9-81ED-4DB2-BD59-A6C34878D82A}">
-                    <a16:rowId xmlns:a16="http://schemas.microsoft.com/office/drawing/2014/main" val="1057109458"/>
+                    <a16:rowId xmlns:a16="http://schemas.microsoft.com/office/drawing/2014/main" xmlns="" val="1057109458"/>
                   </a:ext>
                 </a:extLst>
               </a:tr>
@@ -26512,14 +24726,14 @@
                 <a:gridCol w="1845016">
                   <a:extLst>
                     <a:ext uri="{9D8B030D-6E8A-4147-A177-3AD203B41FA5}">
-                      <a16:colId xmlns:a16="http://schemas.microsoft.com/office/drawing/2014/main" val="1603236111"/>
+                      <a16:colId xmlns:a16="http://schemas.microsoft.com/office/drawing/2014/main" xmlns="" val="1603236111"/>
                     </a:ext>
                   </a:extLst>
                 </a:gridCol>
                 <a:gridCol w="6267041">
                   <a:extLst>
                     <a:ext uri="{9D8B030D-6E8A-4147-A177-3AD203B41FA5}">
-                      <a16:colId xmlns:a16="http://schemas.microsoft.com/office/drawing/2014/main" val="903222401"/>
+                      <a16:colId xmlns:a16="http://schemas.microsoft.com/office/drawing/2014/main" xmlns="" val="903222401"/>
                     </a:ext>
                   </a:extLst>
                 </a:gridCol>
@@ -26617,7 +24831,7 @@
                 </a:tc>
                 <a:extLst>
                   <a:ext uri="{0D108BD9-81ED-4DB2-BD59-A6C34878D82A}">
-                    <a16:rowId xmlns:a16="http://schemas.microsoft.com/office/drawing/2014/main" val="2023199042"/>
+                    <a16:rowId xmlns:a16="http://schemas.microsoft.com/office/drawing/2014/main" xmlns="" val="2023199042"/>
                   </a:ext>
                 </a:extLst>
               </a:tr>
@@ -26708,7 +24922,7 @@
                 </a:tc>
                 <a:extLst>
                   <a:ext uri="{0D108BD9-81ED-4DB2-BD59-A6C34878D82A}">
-                    <a16:rowId xmlns:a16="http://schemas.microsoft.com/office/drawing/2014/main" val="1347331414"/>
+                    <a16:rowId xmlns:a16="http://schemas.microsoft.com/office/drawing/2014/main" xmlns="" val="1347331414"/>
                   </a:ext>
                 </a:extLst>
               </a:tr>
@@ -26799,7 +25013,7 @@
                 </a:tc>
                 <a:extLst>
                   <a:ext uri="{0D108BD9-81ED-4DB2-BD59-A6C34878D82A}">
-                    <a16:rowId xmlns:a16="http://schemas.microsoft.com/office/drawing/2014/main" val="3024944065"/>
+                    <a16:rowId xmlns:a16="http://schemas.microsoft.com/office/drawing/2014/main" xmlns="" val="3024944065"/>
                   </a:ext>
                 </a:extLst>
               </a:tr>
@@ -26927,7 +25141,7 @@
                 </a:tc>
                 <a:extLst>
                   <a:ext uri="{0D108BD9-81ED-4DB2-BD59-A6C34878D82A}">
-                    <a16:rowId xmlns:a16="http://schemas.microsoft.com/office/drawing/2014/main" val="773995285"/>
+                    <a16:rowId xmlns:a16="http://schemas.microsoft.com/office/drawing/2014/main" xmlns="" val="773995285"/>
                   </a:ext>
                 </a:extLst>
               </a:tr>
@@ -27044,7 +25258,7 @@
                 </a:tc>
                 <a:extLst>
                   <a:ext uri="{0D108BD9-81ED-4DB2-BD59-A6C34878D82A}">
-                    <a16:rowId xmlns:a16="http://schemas.microsoft.com/office/drawing/2014/main" val="248293328"/>
+                    <a16:rowId xmlns:a16="http://schemas.microsoft.com/office/drawing/2014/main" xmlns="" val="248293328"/>
                   </a:ext>
                 </a:extLst>
               </a:tr>
@@ -27057,7 +25271,7 @@
           <p:cNvPr id="4" name="Title 3">
             <a:extLst>
               <a:ext uri="{FF2B5EF4-FFF2-40B4-BE49-F238E27FC236}">
-                <a16:creationId xmlns:a16="http://schemas.microsoft.com/office/drawing/2014/main" id="{0C4F0F60-18B6-4A82-8185-944CCF83B022}"/>
+                <a16:creationId xmlns:a16="http://schemas.microsoft.com/office/drawing/2014/main" xmlns="" id="{0C4F0F60-18B6-4A82-8185-944CCF83B022}"/>
               </a:ext>
             </a:extLst>
           </p:cNvPr>
@@ -27268,7 +25482,7 @@
           <p:cNvPr id="2" name="TextBox 1">
             <a:extLst>
               <a:ext uri="{FF2B5EF4-FFF2-40B4-BE49-F238E27FC236}">
-                <a16:creationId xmlns:a16="http://schemas.microsoft.com/office/drawing/2014/main" id="{88166380-F6E3-4D4E-AF38-9624C872CD2B}"/>
+                <a16:creationId xmlns:a16="http://schemas.microsoft.com/office/drawing/2014/main" xmlns="" id="{88166380-F6E3-4D4E-AF38-9624C872CD2B}"/>
               </a:ext>
             </a:extLst>
           </p:cNvPr>
@@ -27439,7 +25653,7 @@
           <p:cNvPr id="4" name="Title 3">
             <a:extLst>
               <a:ext uri="{FF2B5EF4-FFF2-40B4-BE49-F238E27FC236}">
-                <a16:creationId xmlns:a16="http://schemas.microsoft.com/office/drawing/2014/main" id="{D4B7A97E-6F52-4A13-9E34-20A4C3726EFA}"/>
+                <a16:creationId xmlns:a16="http://schemas.microsoft.com/office/drawing/2014/main" xmlns="" id="{D4B7A97E-6F52-4A13-9E34-20A4C3726EFA}"/>
               </a:ext>
             </a:extLst>
           </p:cNvPr>
@@ -28092,7 +26306,7 @@
           <p:cNvPr id="5122" name="Title 1">
             <a:extLst>
               <a:ext uri="{FF2B5EF4-FFF2-40B4-BE49-F238E27FC236}">
-                <a16:creationId xmlns:a16="http://schemas.microsoft.com/office/drawing/2014/main" id="{2DF29706-0BF6-40D2-8B1C-3EC71B2E0102}"/>
+                <a16:creationId xmlns:a16="http://schemas.microsoft.com/office/drawing/2014/main" xmlns="" id="{2DF29706-0BF6-40D2-8B1C-3EC71B2E0102}"/>
               </a:ext>
             </a:extLst>
           </p:cNvPr>
@@ -29361,14 +27575,14 @@
                 <a:gridCol w="2775340">
                   <a:extLst>
                     <a:ext uri="{9D8B030D-6E8A-4147-A177-3AD203B41FA5}">
-                      <a16:colId xmlns:a16="http://schemas.microsoft.com/office/drawing/2014/main" val="820135504"/>
+                      <a16:colId xmlns:a16="http://schemas.microsoft.com/office/drawing/2014/main" xmlns="" val="820135504"/>
                     </a:ext>
                   </a:extLst>
                 </a:gridCol>
                 <a:gridCol w="4692260">
                   <a:extLst>
                     <a:ext uri="{9D8B030D-6E8A-4147-A177-3AD203B41FA5}">
-                      <a16:colId xmlns:a16="http://schemas.microsoft.com/office/drawing/2014/main" val="3371598423"/>
+                      <a16:colId xmlns:a16="http://schemas.microsoft.com/office/drawing/2014/main" xmlns="" val="3371598423"/>
                     </a:ext>
                   </a:extLst>
                 </a:gridCol>
@@ -29466,7 +27680,7 @@
                 </a:tc>
                 <a:extLst>
                   <a:ext uri="{0D108BD9-81ED-4DB2-BD59-A6C34878D82A}">
-                    <a16:rowId xmlns:a16="http://schemas.microsoft.com/office/drawing/2014/main" val="556086738"/>
+                    <a16:rowId xmlns:a16="http://schemas.microsoft.com/office/drawing/2014/main" xmlns="" val="556086738"/>
                   </a:ext>
                 </a:extLst>
               </a:tr>
@@ -29564,7 +27778,7 @@
                 </a:tc>
                 <a:extLst>
                   <a:ext uri="{0D108BD9-81ED-4DB2-BD59-A6C34878D82A}">
-                    <a16:rowId xmlns:a16="http://schemas.microsoft.com/office/drawing/2014/main" val="1587384844"/>
+                    <a16:rowId xmlns:a16="http://schemas.microsoft.com/office/drawing/2014/main" xmlns="" val="1587384844"/>
                   </a:ext>
                 </a:extLst>
               </a:tr>
@@ -29678,7 +27892,7 @@
                 </a:tc>
                 <a:extLst>
                   <a:ext uri="{0D108BD9-81ED-4DB2-BD59-A6C34878D82A}">
-                    <a16:rowId xmlns:a16="http://schemas.microsoft.com/office/drawing/2014/main" val="1345418758"/>
+                    <a16:rowId xmlns:a16="http://schemas.microsoft.com/office/drawing/2014/main" xmlns="" val="1345418758"/>
                   </a:ext>
                 </a:extLst>
               </a:tr>
@@ -29792,7 +28006,7 @@
                 </a:tc>
                 <a:extLst>
                   <a:ext uri="{0D108BD9-81ED-4DB2-BD59-A6C34878D82A}">
-                    <a16:rowId xmlns:a16="http://schemas.microsoft.com/office/drawing/2014/main" val="830954483"/>
+                    <a16:rowId xmlns:a16="http://schemas.microsoft.com/office/drawing/2014/main" xmlns="" val="830954483"/>
                   </a:ext>
                 </a:extLst>
               </a:tr>
@@ -29906,7 +28120,7 @@
                 </a:tc>
                 <a:extLst>
                   <a:ext uri="{0D108BD9-81ED-4DB2-BD59-A6C34878D82A}">
-                    <a16:rowId xmlns:a16="http://schemas.microsoft.com/office/drawing/2014/main" val="2238771092"/>
+                    <a16:rowId xmlns:a16="http://schemas.microsoft.com/office/drawing/2014/main" xmlns="" val="2238771092"/>
                   </a:ext>
                 </a:extLst>
               </a:tr>
@@ -30004,7 +28218,7 @@
                 </a:tc>
                 <a:extLst>
                   <a:ext uri="{0D108BD9-81ED-4DB2-BD59-A6C34878D82A}">
-                    <a16:rowId xmlns:a16="http://schemas.microsoft.com/office/drawing/2014/main" val="3517562532"/>
+                    <a16:rowId xmlns:a16="http://schemas.microsoft.com/office/drawing/2014/main" xmlns="" val="3517562532"/>
                   </a:ext>
                 </a:extLst>
               </a:tr>
@@ -30102,7 +28316,7 @@
                 </a:tc>
                 <a:extLst>
                   <a:ext uri="{0D108BD9-81ED-4DB2-BD59-A6C34878D82A}">
-                    <a16:rowId xmlns:a16="http://schemas.microsoft.com/office/drawing/2014/main" val="154221068"/>
+                    <a16:rowId xmlns:a16="http://schemas.microsoft.com/office/drawing/2014/main" xmlns="" val="154221068"/>
                   </a:ext>
                 </a:extLst>
               </a:tr>
@@ -30200,7 +28414,7 @@
                 </a:tc>
                 <a:extLst>
                   <a:ext uri="{0D108BD9-81ED-4DB2-BD59-A6C34878D82A}">
-                    <a16:rowId xmlns:a16="http://schemas.microsoft.com/office/drawing/2014/main" val="1781443578"/>
+                    <a16:rowId xmlns:a16="http://schemas.microsoft.com/office/drawing/2014/main" xmlns="" val="1781443578"/>
                   </a:ext>
                 </a:extLst>
               </a:tr>
@@ -30298,7 +28512,7 @@
                 </a:tc>
                 <a:extLst>
                   <a:ext uri="{0D108BD9-81ED-4DB2-BD59-A6C34878D82A}">
-                    <a16:rowId xmlns:a16="http://schemas.microsoft.com/office/drawing/2014/main" val="1399291607"/>
+                    <a16:rowId xmlns:a16="http://schemas.microsoft.com/office/drawing/2014/main" xmlns="" val="1399291607"/>
                   </a:ext>
                 </a:extLst>
               </a:tr>
@@ -30311,7 +28525,7 @@
           <p:cNvPr id="3" name="Title 2">
             <a:extLst>
               <a:ext uri="{FF2B5EF4-FFF2-40B4-BE49-F238E27FC236}">
-                <a16:creationId xmlns:a16="http://schemas.microsoft.com/office/drawing/2014/main" id="{53EB3315-FA74-429E-B034-CC280ECAEB1E}"/>
+                <a16:creationId xmlns:a16="http://schemas.microsoft.com/office/drawing/2014/main" xmlns="" id="{53EB3315-FA74-429E-B034-CC280ECAEB1E}"/>
               </a:ext>
             </a:extLst>
           </p:cNvPr>
@@ -31068,7 +29282,7 @@
           <p:cNvPr id="4" name="Title 3">
             <a:extLst>
               <a:ext uri="{FF2B5EF4-FFF2-40B4-BE49-F238E27FC236}">
-                <a16:creationId xmlns:a16="http://schemas.microsoft.com/office/drawing/2014/main" id="{4AC04EFB-EDEC-49DE-A6B5-085DB9655FE7}"/>
+                <a16:creationId xmlns:a16="http://schemas.microsoft.com/office/drawing/2014/main" xmlns="" id="{4AC04EFB-EDEC-49DE-A6B5-085DB9655FE7}"/>
               </a:ext>
             </a:extLst>
           </p:cNvPr>
@@ -31202,7 +29416,7 @@
           <p:cNvPr id="3" name="Title 2">
             <a:extLst>
               <a:ext uri="{FF2B5EF4-FFF2-40B4-BE49-F238E27FC236}">
-                <a16:creationId xmlns:a16="http://schemas.microsoft.com/office/drawing/2014/main" id="{0B931597-6E1B-45FC-986C-CFB294922029}"/>
+                <a16:creationId xmlns:a16="http://schemas.microsoft.com/office/drawing/2014/main" xmlns="" id="{0B931597-6E1B-45FC-986C-CFB294922029}"/>
               </a:ext>
             </a:extLst>
           </p:cNvPr>
@@ -31362,7 +29576,7 @@
           <p:cNvPr id="5122" name="Title 1">
             <a:extLst>
               <a:ext uri="{FF2B5EF4-FFF2-40B4-BE49-F238E27FC236}">
-                <a16:creationId xmlns:a16="http://schemas.microsoft.com/office/drawing/2014/main" id="{2DF29706-0BF6-40D2-8B1C-3EC71B2E0102}"/>
+                <a16:creationId xmlns:a16="http://schemas.microsoft.com/office/drawing/2014/main" xmlns="" id="{2DF29706-0BF6-40D2-8B1C-3EC71B2E0102}"/>
               </a:ext>
             </a:extLst>
           </p:cNvPr>
@@ -31573,7 +29787,7 @@
           <p:cNvPr id="5" name="Table 4">
             <a:extLst>
               <a:ext uri="{FF2B5EF4-FFF2-40B4-BE49-F238E27FC236}">
-                <a16:creationId xmlns:a16="http://schemas.microsoft.com/office/drawing/2014/main" id="{7143D689-3591-414C-B052-B859B97CD7D5}"/>
+                <a16:creationId xmlns:a16="http://schemas.microsoft.com/office/drawing/2014/main" xmlns="" id="{7143D689-3591-414C-B052-B859B97CD7D5}"/>
               </a:ext>
             </a:extLst>
           </p:cNvPr>
@@ -31596,14 +29810,14 @@
                 <a:gridCol w="2877820">
                   <a:extLst>
                     <a:ext uri="{9D8B030D-6E8A-4147-A177-3AD203B41FA5}">
-                      <a16:colId xmlns:a16="http://schemas.microsoft.com/office/drawing/2014/main" val="1541501266"/>
+                      <a16:colId xmlns:a16="http://schemas.microsoft.com/office/drawing/2014/main" xmlns="" val="1541501266"/>
                     </a:ext>
                   </a:extLst>
                 </a:gridCol>
                 <a:gridCol w="3390900">
                   <a:extLst>
                     <a:ext uri="{9D8B030D-6E8A-4147-A177-3AD203B41FA5}">
-                      <a16:colId xmlns:a16="http://schemas.microsoft.com/office/drawing/2014/main" val="4208942511"/>
+                      <a16:colId xmlns:a16="http://schemas.microsoft.com/office/drawing/2014/main" xmlns="" val="4208942511"/>
                     </a:ext>
                   </a:extLst>
                 </a:gridCol>
@@ -31713,7 +29927,7 @@
                 </a:tc>
                 <a:extLst>
                   <a:ext uri="{0D108BD9-81ED-4DB2-BD59-A6C34878D82A}">
-                    <a16:rowId xmlns:a16="http://schemas.microsoft.com/office/drawing/2014/main" val="1776102360"/>
+                    <a16:rowId xmlns:a16="http://schemas.microsoft.com/office/drawing/2014/main" xmlns="" val="1776102360"/>
                   </a:ext>
                 </a:extLst>
               </a:tr>
@@ -31818,7 +30032,7 @@
                 </a:tc>
                 <a:extLst>
                   <a:ext uri="{0D108BD9-81ED-4DB2-BD59-A6C34878D82A}">
-                    <a16:rowId xmlns:a16="http://schemas.microsoft.com/office/drawing/2014/main" val="3781019261"/>
+                    <a16:rowId xmlns:a16="http://schemas.microsoft.com/office/drawing/2014/main" xmlns="" val="3781019261"/>
                   </a:ext>
                 </a:extLst>
               </a:tr>
@@ -31923,7 +30137,7 @@
                 </a:tc>
                 <a:extLst>
                   <a:ext uri="{0D108BD9-81ED-4DB2-BD59-A6C34878D82A}">
-                    <a16:rowId xmlns:a16="http://schemas.microsoft.com/office/drawing/2014/main" val="2422860720"/>
+                    <a16:rowId xmlns:a16="http://schemas.microsoft.com/office/drawing/2014/main" xmlns="" val="2422860720"/>
                   </a:ext>
                 </a:extLst>
               </a:tr>
@@ -32028,7 +30242,7 @@
                 </a:tc>
                 <a:extLst>
                   <a:ext uri="{0D108BD9-81ED-4DB2-BD59-A6C34878D82A}">
-                    <a16:rowId xmlns:a16="http://schemas.microsoft.com/office/drawing/2014/main" val="3373400601"/>
+                    <a16:rowId xmlns:a16="http://schemas.microsoft.com/office/drawing/2014/main" xmlns="" val="3373400601"/>
                   </a:ext>
                 </a:extLst>
               </a:tr>
@@ -32133,7 +30347,7 @@
                 </a:tc>
                 <a:extLst>
                   <a:ext uri="{0D108BD9-81ED-4DB2-BD59-A6C34878D82A}">
-                    <a16:rowId xmlns:a16="http://schemas.microsoft.com/office/drawing/2014/main" val="948090788"/>
+                    <a16:rowId xmlns:a16="http://schemas.microsoft.com/office/drawing/2014/main" xmlns="" val="948090788"/>
                   </a:ext>
                 </a:extLst>
               </a:tr>
@@ -32274,7 +30488,7 @@
           <p:cNvPr id="6" name="Table 5">
             <a:extLst>
               <a:ext uri="{FF2B5EF4-FFF2-40B4-BE49-F238E27FC236}">
-                <a16:creationId xmlns:a16="http://schemas.microsoft.com/office/drawing/2014/main" id="{19321DED-27A4-4159-92CB-BB54635182E3}"/>
+                <a16:creationId xmlns:a16="http://schemas.microsoft.com/office/drawing/2014/main" xmlns="" id="{19321DED-27A4-4159-92CB-BB54635182E3}"/>
               </a:ext>
             </a:extLst>
           </p:cNvPr>
@@ -32297,14 +30511,14 @@
                 <a:gridCol w="1611383">
                   <a:extLst>
                     <a:ext uri="{9D8B030D-6E8A-4147-A177-3AD203B41FA5}">
-                      <a16:colId xmlns:a16="http://schemas.microsoft.com/office/drawing/2014/main" val="2824911450"/>
+                      <a16:colId xmlns:a16="http://schemas.microsoft.com/office/drawing/2014/main" xmlns="" val="2824911450"/>
                     </a:ext>
                   </a:extLst>
                 </a:gridCol>
                 <a:gridCol w="6465817">
                   <a:extLst>
                     <a:ext uri="{9D8B030D-6E8A-4147-A177-3AD203B41FA5}">
-                      <a16:colId xmlns:a16="http://schemas.microsoft.com/office/drawing/2014/main" val="3853722362"/>
+                      <a16:colId xmlns:a16="http://schemas.microsoft.com/office/drawing/2014/main" xmlns="" val="3853722362"/>
                     </a:ext>
                   </a:extLst>
                 </a:gridCol>
@@ -32402,7 +30616,7 @@
                 </a:tc>
                 <a:extLst>
                   <a:ext uri="{0D108BD9-81ED-4DB2-BD59-A6C34878D82A}">
-                    <a16:rowId xmlns:a16="http://schemas.microsoft.com/office/drawing/2014/main" val="3675104654"/>
+                    <a16:rowId xmlns:a16="http://schemas.microsoft.com/office/drawing/2014/main" xmlns="" val="3675104654"/>
                   </a:ext>
                 </a:extLst>
               </a:tr>
@@ -32500,7 +30714,7 @@
                 </a:tc>
                 <a:extLst>
                   <a:ext uri="{0D108BD9-81ED-4DB2-BD59-A6C34878D82A}">
-                    <a16:rowId xmlns:a16="http://schemas.microsoft.com/office/drawing/2014/main" val="2187887276"/>
+                    <a16:rowId xmlns:a16="http://schemas.microsoft.com/office/drawing/2014/main" xmlns="" val="2187887276"/>
                   </a:ext>
                 </a:extLst>
               </a:tr>
@@ -32618,7 +30832,7 @@
                 </a:tc>
                 <a:extLst>
                   <a:ext uri="{0D108BD9-81ED-4DB2-BD59-A6C34878D82A}">
-                    <a16:rowId xmlns:a16="http://schemas.microsoft.com/office/drawing/2014/main" val="81924833"/>
+                    <a16:rowId xmlns:a16="http://schemas.microsoft.com/office/drawing/2014/main" xmlns="" val="81924833"/>
                   </a:ext>
                 </a:extLst>
               </a:tr>
@@ -32716,7 +30930,7 @@
                 </a:tc>
                 <a:extLst>
                   <a:ext uri="{0D108BD9-81ED-4DB2-BD59-A6C34878D82A}">
-                    <a16:rowId xmlns:a16="http://schemas.microsoft.com/office/drawing/2014/main" val="3954114977"/>
+                    <a16:rowId xmlns:a16="http://schemas.microsoft.com/office/drawing/2014/main" xmlns="" val="3954114977"/>
                   </a:ext>
                 </a:extLst>
               </a:tr>
@@ -32816,7 +31030,7 @@
                 </a:tc>
                 <a:extLst>
                   <a:ext uri="{0D108BD9-81ED-4DB2-BD59-A6C34878D82A}">
-                    <a16:rowId xmlns:a16="http://schemas.microsoft.com/office/drawing/2014/main" val="2497501719"/>
+                    <a16:rowId xmlns:a16="http://schemas.microsoft.com/office/drawing/2014/main" xmlns="" val="2497501719"/>
                   </a:ext>
                 </a:extLst>
               </a:tr>
@@ -32914,7 +31128,7 @@
                 </a:tc>
                 <a:extLst>
                   <a:ext uri="{0D108BD9-81ED-4DB2-BD59-A6C34878D82A}">
-                    <a16:rowId xmlns:a16="http://schemas.microsoft.com/office/drawing/2014/main" val="1790272499"/>
+                    <a16:rowId xmlns:a16="http://schemas.microsoft.com/office/drawing/2014/main" xmlns="" val="1790272499"/>
                   </a:ext>
                 </a:extLst>
               </a:tr>
@@ -33012,7 +31226,7 @@
                 </a:tc>
                 <a:extLst>
                   <a:ext uri="{0D108BD9-81ED-4DB2-BD59-A6C34878D82A}">
-                    <a16:rowId xmlns:a16="http://schemas.microsoft.com/office/drawing/2014/main" val="756873507"/>
+                    <a16:rowId xmlns:a16="http://schemas.microsoft.com/office/drawing/2014/main" xmlns="" val="756873507"/>
                   </a:ext>
                 </a:extLst>
               </a:tr>
@@ -33116,7 +31330,7 @@
           <p:cNvPr id="5" name="Table 4">
             <a:extLst>
               <a:ext uri="{FF2B5EF4-FFF2-40B4-BE49-F238E27FC236}">
-                <a16:creationId xmlns:a16="http://schemas.microsoft.com/office/drawing/2014/main" id="{D12A78E5-A7BC-4A1D-9297-5603D794BF11}"/>
+                <a16:creationId xmlns:a16="http://schemas.microsoft.com/office/drawing/2014/main" xmlns="" id="{D12A78E5-A7BC-4A1D-9297-5603D794BF11}"/>
               </a:ext>
             </a:extLst>
           </p:cNvPr>
@@ -33139,14 +31353,14 @@
                 <a:gridCol w="1344295">
                   <a:extLst>
                     <a:ext uri="{9D8B030D-6E8A-4147-A177-3AD203B41FA5}">
-                      <a16:colId xmlns:a16="http://schemas.microsoft.com/office/drawing/2014/main" val="349655842"/>
+                      <a16:colId xmlns:a16="http://schemas.microsoft.com/office/drawing/2014/main" xmlns="" val="349655842"/>
                     </a:ext>
                   </a:extLst>
                 </a:gridCol>
                 <a:gridCol w="6496050">
                   <a:extLst>
                     <a:ext uri="{9D8B030D-6E8A-4147-A177-3AD203B41FA5}">
-                      <a16:colId xmlns:a16="http://schemas.microsoft.com/office/drawing/2014/main" val="702270039"/>
+                      <a16:colId xmlns:a16="http://schemas.microsoft.com/office/drawing/2014/main" xmlns="" val="702270039"/>
                     </a:ext>
                   </a:extLst>
                 </a:gridCol>
@@ -33244,7 +31458,7 @@
                 </a:tc>
                 <a:extLst>
                   <a:ext uri="{0D108BD9-81ED-4DB2-BD59-A6C34878D82A}">
-                    <a16:rowId xmlns:a16="http://schemas.microsoft.com/office/drawing/2014/main" val="2495238525"/>
+                    <a16:rowId xmlns:a16="http://schemas.microsoft.com/office/drawing/2014/main" xmlns="" val="2495238525"/>
                   </a:ext>
                 </a:extLst>
               </a:tr>
@@ -33342,7 +31556,7 @@
                 </a:tc>
                 <a:extLst>
                   <a:ext uri="{0D108BD9-81ED-4DB2-BD59-A6C34878D82A}">
-                    <a16:rowId xmlns:a16="http://schemas.microsoft.com/office/drawing/2014/main" val="1297132537"/>
+                    <a16:rowId xmlns:a16="http://schemas.microsoft.com/office/drawing/2014/main" xmlns="" val="1297132537"/>
                   </a:ext>
                 </a:extLst>
               </a:tr>
@@ -33440,7 +31654,7 @@
                 </a:tc>
                 <a:extLst>
                   <a:ext uri="{0D108BD9-81ED-4DB2-BD59-A6C34878D82A}">
-                    <a16:rowId xmlns:a16="http://schemas.microsoft.com/office/drawing/2014/main" val="3565322440"/>
+                    <a16:rowId xmlns:a16="http://schemas.microsoft.com/office/drawing/2014/main" xmlns="" val="3565322440"/>
                   </a:ext>
                 </a:extLst>
               </a:tr>
@@ -33538,7 +31752,7 @@
                 </a:tc>
                 <a:extLst>
                   <a:ext uri="{0D108BD9-81ED-4DB2-BD59-A6C34878D82A}">
-                    <a16:rowId xmlns:a16="http://schemas.microsoft.com/office/drawing/2014/main" val="3588505125"/>
+                    <a16:rowId xmlns:a16="http://schemas.microsoft.com/office/drawing/2014/main" xmlns="" val="3588505125"/>
                   </a:ext>
                 </a:extLst>
               </a:tr>
@@ -33634,7 +31848,7 @@
           <p:cNvPr id="6" name="Table 5">
             <a:extLst>
               <a:ext uri="{FF2B5EF4-FFF2-40B4-BE49-F238E27FC236}">
-                <a16:creationId xmlns:a16="http://schemas.microsoft.com/office/drawing/2014/main" id="{DAC6FC07-8001-444F-8871-D9919CB3056F}"/>
+                <a16:creationId xmlns:a16="http://schemas.microsoft.com/office/drawing/2014/main" xmlns="" id="{DAC6FC07-8001-444F-8871-D9919CB3056F}"/>
               </a:ext>
             </a:extLst>
           </p:cNvPr>
@@ -33657,21 +31871,21 @@
                 <a:gridCol w="3404420">
                   <a:extLst>
                     <a:ext uri="{9D8B030D-6E8A-4147-A177-3AD203B41FA5}">
-                      <a16:colId xmlns:a16="http://schemas.microsoft.com/office/drawing/2014/main" val="3162091659"/>
+                      <a16:colId xmlns:a16="http://schemas.microsoft.com/office/drawing/2014/main" xmlns="" val="3162091659"/>
                     </a:ext>
                   </a:extLst>
                 </a:gridCol>
                 <a:gridCol w="953574">
                   <a:extLst>
                     <a:ext uri="{9D8B030D-6E8A-4147-A177-3AD203B41FA5}">
-                      <a16:colId xmlns:a16="http://schemas.microsoft.com/office/drawing/2014/main" val="3991952502"/>
+                      <a16:colId xmlns:a16="http://schemas.microsoft.com/office/drawing/2014/main" xmlns="" val="3991952502"/>
                     </a:ext>
                   </a:extLst>
                 </a:gridCol>
                 <a:gridCol w="3394741">
                   <a:extLst>
                     <a:ext uri="{9D8B030D-6E8A-4147-A177-3AD203B41FA5}">
-                      <a16:colId xmlns:a16="http://schemas.microsoft.com/office/drawing/2014/main" val="4067071654"/>
+                      <a16:colId xmlns:a16="http://schemas.microsoft.com/office/drawing/2014/main" xmlns="" val="4067071654"/>
                     </a:ext>
                   </a:extLst>
                 </a:gridCol>
@@ -33806,7 +32020,7 @@
                 </a:tc>
                 <a:extLst>
                   <a:ext uri="{0D108BD9-81ED-4DB2-BD59-A6C34878D82A}">
-                    <a16:rowId xmlns:a16="http://schemas.microsoft.com/office/drawing/2014/main" val="3881308154"/>
+                    <a16:rowId xmlns:a16="http://schemas.microsoft.com/office/drawing/2014/main" xmlns="" val="3881308154"/>
                   </a:ext>
                 </a:extLst>
               </a:tr>
@@ -33940,7 +32154,7 @@
                 </a:tc>
                 <a:extLst>
                   <a:ext uri="{0D108BD9-81ED-4DB2-BD59-A6C34878D82A}">
-                    <a16:rowId xmlns:a16="http://schemas.microsoft.com/office/drawing/2014/main" val="1216359644"/>
+                    <a16:rowId xmlns:a16="http://schemas.microsoft.com/office/drawing/2014/main" xmlns="" val="1216359644"/>
                   </a:ext>
                 </a:extLst>
               </a:tr>
@@ -34074,7 +32288,7 @@
                 </a:tc>
                 <a:extLst>
                   <a:ext uri="{0D108BD9-81ED-4DB2-BD59-A6C34878D82A}">
-                    <a16:rowId xmlns:a16="http://schemas.microsoft.com/office/drawing/2014/main" val="2634964598"/>
+                    <a16:rowId xmlns:a16="http://schemas.microsoft.com/office/drawing/2014/main" xmlns="" val="2634964598"/>
                   </a:ext>
                 </a:extLst>
               </a:tr>
@@ -34208,7 +32422,7 @@
                 </a:tc>
                 <a:extLst>
                   <a:ext uri="{0D108BD9-81ED-4DB2-BD59-A6C34878D82A}">
-                    <a16:rowId xmlns:a16="http://schemas.microsoft.com/office/drawing/2014/main" val="2502387675"/>
+                    <a16:rowId xmlns:a16="http://schemas.microsoft.com/office/drawing/2014/main" xmlns="" val="2502387675"/>
                   </a:ext>
                 </a:extLst>
               </a:tr>
@@ -34891,7 +33105,7 @@
           <p:cNvPr id="2" name="Title 1">
             <a:extLst>
               <a:ext uri="{FF2B5EF4-FFF2-40B4-BE49-F238E27FC236}">
-                <a16:creationId xmlns:a16="http://schemas.microsoft.com/office/drawing/2014/main" id="{B3D6B072-584D-4873-9458-3BF4D55892BB}"/>
+                <a16:creationId xmlns:a16="http://schemas.microsoft.com/office/drawing/2014/main" xmlns="" id="{B3D6B072-584D-4873-9458-3BF4D55892BB}"/>
               </a:ext>
             </a:extLst>
           </p:cNvPr>
@@ -34920,7 +33134,7 @@
           <p:cNvPr id="3" name="Content Placeholder 2">
             <a:extLst>
               <a:ext uri="{FF2B5EF4-FFF2-40B4-BE49-F238E27FC236}">
-                <a16:creationId xmlns:a16="http://schemas.microsoft.com/office/drawing/2014/main" id="{ADBE218A-E615-4F90-B22A-C586FB8E8AAD}"/>
+                <a16:creationId xmlns:a16="http://schemas.microsoft.com/office/drawing/2014/main" xmlns="" id="{ADBE218A-E615-4F90-B22A-C586FB8E8AAD}"/>
               </a:ext>
             </a:extLst>
           </p:cNvPr>
@@ -34945,7 +33159,7 @@
           <p:cNvPr id="4" name="Content Placeholder 3">
             <a:extLst>
               <a:ext uri="{FF2B5EF4-FFF2-40B4-BE49-F238E27FC236}">
-                <a16:creationId xmlns:a16="http://schemas.microsoft.com/office/drawing/2014/main" id="{42C77944-B052-4C86-86F9-268A54322B00}"/>
+                <a16:creationId xmlns:a16="http://schemas.microsoft.com/office/drawing/2014/main" xmlns="" id="{42C77944-B052-4C86-86F9-268A54322B00}"/>
               </a:ext>
             </a:extLst>
           </p:cNvPr>
@@ -36210,7 +34424,7 @@
           <p:cNvPr id="3" name="Title 2">
             <a:extLst>
               <a:ext uri="{FF2B5EF4-FFF2-40B4-BE49-F238E27FC236}">
-                <a16:creationId xmlns:a16="http://schemas.microsoft.com/office/drawing/2014/main" id="{BED05ADF-A4C6-44A5-ADF8-6533AE571647}"/>
+                <a16:creationId xmlns:a16="http://schemas.microsoft.com/office/drawing/2014/main" xmlns="" id="{BED05ADF-A4C6-44A5-ADF8-6533AE571647}"/>
               </a:ext>
             </a:extLst>
           </p:cNvPr>
@@ -36410,7 +34624,7 @@
           <p:cNvPr id="5122" name="Title 1">
             <a:extLst>
               <a:ext uri="{FF2B5EF4-FFF2-40B4-BE49-F238E27FC236}">
-                <a16:creationId xmlns:a16="http://schemas.microsoft.com/office/drawing/2014/main" id="{2DF29706-0BF6-40D2-8B1C-3EC71B2E0102}"/>
+                <a16:creationId xmlns:a16="http://schemas.microsoft.com/office/drawing/2014/main" xmlns="" id="{2DF29706-0BF6-40D2-8B1C-3EC71B2E0102}"/>
               </a:ext>
             </a:extLst>
           </p:cNvPr>
@@ -36656,7 +34870,7 @@
           <p:cNvPr id="6" name="Rectangle 5">
             <a:extLst>
               <a:ext uri="{FF2B5EF4-FFF2-40B4-BE49-F238E27FC236}">
-                <a16:creationId xmlns:a16="http://schemas.microsoft.com/office/drawing/2014/main" id="{DA7EAC55-106C-4777-A51E-C958844DE8D3}"/>
+                <a16:creationId xmlns:a16="http://schemas.microsoft.com/office/drawing/2014/main" xmlns="" id="{DA7EAC55-106C-4777-A51E-C958844DE8D3}"/>
               </a:ext>
             </a:extLst>
           </p:cNvPr>
@@ -37101,7 +35315,7 @@
           <p:cNvPr id="7" name="Rectangle 6">
             <a:extLst>
               <a:ext uri="{FF2B5EF4-FFF2-40B4-BE49-F238E27FC236}">
-                <a16:creationId xmlns:a16="http://schemas.microsoft.com/office/drawing/2014/main" id="{773F412B-AE61-4340-ACA6-622C85266A06}"/>
+                <a16:creationId xmlns:a16="http://schemas.microsoft.com/office/drawing/2014/main" xmlns="" id="{773F412B-AE61-4340-ACA6-622C85266A06}"/>
               </a:ext>
             </a:extLst>
           </p:cNvPr>
@@ -37417,7 +35631,7 @@
           <p:cNvPr id="6" name="Rectangle 5">
             <a:extLst>
               <a:ext uri="{FF2B5EF4-FFF2-40B4-BE49-F238E27FC236}">
-                <a16:creationId xmlns:a16="http://schemas.microsoft.com/office/drawing/2014/main" id="{DA7EAC55-106C-4777-A51E-C958844DE8D3}"/>
+                <a16:creationId xmlns:a16="http://schemas.microsoft.com/office/drawing/2014/main" xmlns="" id="{DA7EAC55-106C-4777-A51E-C958844DE8D3}"/>
               </a:ext>
             </a:extLst>
           </p:cNvPr>
@@ -38313,7 +36527,7 @@
           <p:cNvPr id="7" name="Rectangle 6">
             <a:extLst>
               <a:ext uri="{FF2B5EF4-FFF2-40B4-BE49-F238E27FC236}">
-                <a16:creationId xmlns:a16="http://schemas.microsoft.com/office/drawing/2014/main" id="{924FC676-7A53-4EB1-A362-F91ACD8F4B60}"/>
+                <a16:creationId xmlns:a16="http://schemas.microsoft.com/office/drawing/2014/main" xmlns="" id="{924FC676-7A53-4EB1-A362-F91ACD8F4B60}"/>
               </a:ext>
             </a:extLst>
           </p:cNvPr>
@@ -38500,7 +36714,7 @@
           <p:cNvPr id="8" name="Rectangle 7">
             <a:extLst>
               <a:ext uri="{FF2B5EF4-FFF2-40B4-BE49-F238E27FC236}">
-                <a16:creationId xmlns:a16="http://schemas.microsoft.com/office/drawing/2014/main" id="{387164A4-ACAB-4336-8914-24AF98AF546F}"/>
+                <a16:creationId xmlns:a16="http://schemas.microsoft.com/office/drawing/2014/main" xmlns="" id="{387164A4-ACAB-4336-8914-24AF98AF546F}"/>
               </a:ext>
             </a:extLst>
           </p:cNvPr>
@@ -38778,7 +36992,7 @@
           <p:cNvPr id="8" name="Rectangle 7">
             <a:extLst>
               <a:ext uri="{FF2B5EF4-FFF2-40B4-BE49-F238E27FC236}">
-                <a16:creationId xmlns:a16="http://schemas.microsoft.com/office/drawing/2014/main" id="{387164A4-ACAB-4336-8914-24AF98AF546F}"/>
+                <a16:creationId xmlns:a16="http://schemas.microsoft.com/office/drawing/2014/main" xmlns="" id="{387164A4-ACAB-4336-8914-24AF98AF546F}"/>
               </a:ext>
             </a:extLst>
           </p:cNvPr>
@@ -39129,7 +37343,7 @@
           <p:cNvPr id="5" name="Table 4">
             <a:extLst>
               <a:ext uri="{FF2B5EF4-FFF2-40B4-BE49-F238E27FC236}">
-                <a16:creationId xmlns:a16="http://schemas.microsoft.com/office/drawing/2014/main" id="{0B3310BB-684D-45BE-934D-F4CDD7FB0671}"/>
+                <a16:creationId xmlns:a16="http://schemas.microsoft.com/office/drawing/2014/main" xmlns="" id="{0B3310BB-684D-45BE-934D-F4CDD7FB0671}"/>
               </a:ext>
             </a:extLst>
           </p:cNvPr>
@@ -39152,14 +37366,14 @@
                 <a:gridCol w="1795004">
                   <a:extLst>
                     <a:ext uri="{9D8B030D-6E8A-4147-A177-3AD203B41FA5}">
-                      <a16:colId xmlns:a16="http://schemas.microsoft.com/office/drawing/2014/main" val="1470406065"/>
+                      <a16:colId xmlns:a16="http://schemas.microsoft.com/office/drawing/2014/main" xmlns="" val="1470406065"/>
                     </a:ext>
                   </a:extLst>
                 </a:gridCol>
                 <a:gridCol w="6434596">
                   <a:extLst>
                     <a:ext uri="{9D8B030D-6E8A-4147-A177-3AD203B41FA5}">
-                      <a16:colId xmlns:a16="http://schemas.microsoft.com/office/drawing/2014/main" val="2120336327"/>
+                      <a16:colId xmlns:a16="http://schemas.microsoft.com/office/drawing/2014/main" xmlns="" val="2120336327"/>
                     </a:ext>
                   </a:extLst>
                 </a:gridCol>
@@ -39257,7 +37471,7 @@
                 </a:tc>
                 <a:extLst>
                   <a:ext uri="{0D108BD9-81ED-4DB2-BD59-A6C34878D82A}">
-                    <a16:rowId xmlns:a16="http://schemas.microsoft.com/office/drawing/2014/main" val="3591751799"/>
+                    <a16:rowId xmlns:a16="http://schemas.microsoft.com/office/drawing/2014/main" xmlns="" val="3591751799"/>
                   </a:ext>
                 </a:extLst>
               </a:tr>
@@ -39355,7 +37569,7 @@
                 </a:tc>
                 <a:extLst>
                   <a:ext uri="{0D108BD9-81ED-4DB2-BD59-A6C34878D82A}">
-                    <a16:rowId xmlns:a16="http://schemas.microsoft.com/office/drawing/2014/main" val="938004556"/>
+                    <a16:rowId xmlns:a16="http://schemas.microsoft.com/office/drawing/2014/main" xmlns="" val="938004556"/>
                   </a:ext>
                 </a:extLst>
               </a:tr>
@@ -39453,7 +37667,7 @@
                 </a:tc>
                 <a:extLst>
                   <a:ext uri="{0D108BD9-81ED-4DB2-BD59-A6C34878D82A}">
-                    <a16:rowId xmlns:a16="http://schemas.microsoft.com/office/drawing/2014/main" val="2061492023"/>
+                    <a16:rowId xmlns:a16="http://schemas.microsoft.com/office/drawing/2014/main" xmlns="" val="2061492023"/>
                   </a:ext>
                 </a:extLst>
               </a:tr>
@@ -39551,7 +37765,7 @@
                 </a:tc>
                 <a:extLst>
                   <a:ext uri="{0D108BD9-81ED-4DB2-BD59-A6C34878D82A}">
-                    <a16:rowId xmlns:a16="http://schemas.microsoft.com/office/drawing/2014/main" val="2480785006"/>
+                    <a16:rowId xmlns:a16="http://schemas.microsoft.com/office/drawing/2014/main" xmlns="" val="2480785006"/>
                   </a:ext>
                 </a:extLst>
               </a:tr>
@@ -39835,7 +38049,7 @@
           <p:cNvPr id="3" name="Title 2">
             <a:extLst>
               <a:ext uri="{FF2B5EF4-FFF2-40B4-BE49-F238E27FC236}">
-                <a16:creationId xmlns:a16="http://schemas.microsoft.com/office/drawing/2014/main" id="{D9E1E2B1-B423-45AE-AA8A-557AE8854D68}"/>
+                <a16:creationId xmlns:a16="http://schemas.microsoft.com/office/drawing/2014/main" xmlns="" id="{D9E1E2B1-B423-45AE-AA8A-557AE8854D68}"/>
               </a:ext>
             </a:extLst>
           </p:cNvPr>
@@ -40027,7 +38241,7 @@
           <p:cNvPr id="2" name="Title 1">
             <a:extLst>
               <a:ext uri="{FF2B5EF4-FFF2-40B4-BE49-F238E27FC236}">
-                <a16:creationId xmlns:a16="http://schemas.microsoft.com/office/drawing/2014/main" id="{344F3EA4-3F28-4BD5-A8B1-5992ED3EADE0}"/>
+                <a16:creationId xmlns:a16="http://schemas.microsoft.com/office/drawing/2014/main" xmlns="" id="{344F3EA4-3F28-4BD5-A8B1-5992ED3EADE0}"/>
               </a:ext>
             </a:extLst>
           </p:cNvPr>
@@ -40154,7 +38368,7 @@
           <p:cNvPr id="5122" name="Title 1">
             <a:extLst>
               <a:ext uri="{FF2B5EF4-FFF2-40B4-BE49-F238E27FC236}">
-                <a16:creationId xmlns:a16="http://schemas.microsoft.com/office/drawing/2014/main" id="{2DF29706-0BF6-40D2-8B1C-3EC71B2E0102}"/>
+                <a16:creationId xmlns:a16="http://schemas.microsoft.com/office/drawing/2014/main" xmlns="" id="{2DF29706-0BF6-40D2-8B1C-3EC71B2E0102}"/>
               </a:ext>
             </a:extLst>
           </p:cNvPr>
@@ -40353,7 +38567,7 @@
           <p:cNvPr id="5" name="Picture 4">
             <a:extLst>
               <a:ext uri="{FF2B5EF4-FFF2-40B4-BE49-F238E27FC236}">
-                <a16:creationId xmlns:a16="http://schemas.microsoft.com/office/drawing/2014/main" id="{F6AD1538-D25B-4A29-941D-E2F400F0C40D}"/>
+                <a16:creationId xmlns:a16="http://schemas.microsoft.com/office/drawing/2014/main" xmlns="" id="{F6AD1538-D25B-4A29-941D-E2F400F0C40D}"/>
               </a:ext>
             </a:extLst>
           </p:cNvPr>
@@ -40390,7 +38604,7 @@
           <p:cNvPr id="6" name="Picture 5">
             <a:extLst>
               <a:ext uri="{FF2B5EF4-FFF2-40B4-BE49-F238E27FC236}">
-                <a16:creationId xmlns:a16="http://schemas.microsoft.com/office/drawing/2014/main" id="{C850D2E0-4400-4DCF-9353-AA1A50D46EB1}"/>
+                <a16:creationId xmlns:a16="http://schemas.microsoft.com/office/drawing/2014/main" xmlns="" id="{C850D2E0-4400-4DCF-9353-AA1A50D46EB1}"/>
               </a:ext>
             </a:extLst>
           </p:cNvPr>
@@ -40531,7 +38745,7 @@
           <p:cNvPr id="6" name="Picture 5">
             <a:extLst>
               <a:ext uri="{FF2B5EF4-FFF2-40B4-BE49-F238E27FC236}">
-                <a16:creationId xmlns:a16="http://schemas.microsoft.com/office/drawing/2014/main" id="{F52E60EE-182B-4659-A8CB-4EDA915DB861}"/>
+                <a16:creationId xmlns:a16="http://schemas.microsoft.com/office/drawing/2014/main" xmlns="" id="{F52E60EE-182B-4659-A8CB-4EDA915DB861}"/>
               </a:ext>
             </a:extLst>
           </p:cNvPr>
@@ -43669,18 +41883,18 @@
 </file>
 
 <file path=customXml/item1.xml><?xml version="1.0" encoding="utf-8"?>
+<p:properties xmlns:p="http://schemas.microsoft.com/office/2006/metadata/properties" xmlns:xsi="http://www.w3.org/2001/XMLSchema-instance">
+  <documentManagement/>
+</p:properties>
+</file>
+
+<file path=customXml/item2.xml><?xml version="1.0" encoding="utf-8"?>
 <?mso-contentType ?>
 <FormTemplates xmlns="http://schemas.microsoft.com/sharepoint/v3/contenttype/forms">
   <Display>DocumentLibraryForm</Display>
   <Edit>DocumentLibraryForm</Edit>
   <New>DocumentLibraryForm</New>
 </FormTemplates>
-</file>
-
-<file path=customXml/item2.xml><?xml version="1.0" encoding="utf-8"?>
-<p:properties xmlns:p="http://schemas.microsoft.com/office/2006/metadata/properties" xmlns:xsi="http://www.w3.org/2001/XMLSchema-instance">
-  <documentManagement/>
-</p:properties>
 </file>
 
 <file path=customXml/item3.xml><?xml version="1.0" encoding="utf-8"?>
@@ -43733,14 +41947,6 @@
 </file>
 
 <file path=customXml/itemProps1.xml><?xml version="1.0" encoding="utf-8"?>
-<ds:datastoreItem xmlns:ds="http://schemas.openxmlformats.org/officeDocument/2006/customXml" ds:itemID="{A8AED1B3-2F45-4762-91FA-ED08F295B52E}">
-  <ds:schemaRefs>
-    <ds:schemaRef ds:uri="http://schemas.microsoft.com/sharepoint/v3/contenttype/forms"/>
-  </ds:schemaRefs>
-</ds:datastoreItem>
-</file>
-
-<file path=customXml/itemProps2.xml><?xml version="1.0" encoding="utf-8"?>
 <ds:datastoreItem xmlns:ds="http://schemas.openxmlformats.org/officeDocument/2006/customXml" ds:itemID="{50BC6695-9009-4E8C-96D7-2BD9B437109A}">
   <ds:schemaRefs>
     <ds:schemaRef ds:uri="http://purl.org/dc/elements/1.1/"/>
@@ -43750,6 +41956,14 @@
     <ds:schemaRef ds:uri="http://schemas.microsoft.com/office/2006/documentManagement/types"/>
     <ds:schemaRef ds:uri="http://www.w3.org/XML/1998/namespace"/>
     <ds:schemaRef ds:uri="http://purl.org/dc/dcmitype/"/>
+  </ds:schemaRefs>
+</ds:datastoreItem>
+</file>
+
+<file path=customXml/itemProps2.xml><?xml version="1.0" encoding="utf-8"?>
+<ds:datastoreItem xmlns:ds="http://schemas.openxmlformats.org/officeDocument/2006/customXml" ds:itemID="{A8AED1B3-2F45-4762-91FA-ED08F295B52E}">
+  <ds:schemaRefs>
+    <ds:schemaRef ds:uri="http://schemas.microsoft.com/sharepoint/v3/contenttype/forms"/>
   </ds:schemaRefs>
 </ds:datastoreItem>
 </file>

--- a/SuSS/ANL252_Python_4_Biz/3_Lecturer/Lecture_1/ANL252_SU1_Jul2021 (MK_edits).pptx
+++ b/SuSS/ANL252_Python_4_Biz/3_Lecturer/Lecture_1/ANL252_SU1_Jul2021 (MK_edits).pptx
@@ -9018,7 +9018,7 @@
           <p:cNvPr id="6" name="Title 1">
             <a:extLst>
               <a:ext uri="{FF2B5EF4-FFF2-40B4-BE49-F238E27FC236}">
-                <a16:creationId xmlns:a16="http://schemas.microsoft.com/office/drawing/2014/main" xmlns="" id="{68CF854E-20CB-4ED7-8722-FCA536D762F6}"/>
+                <a16:creationId xmlns="" xmlns:a16="http://schemas.microsoft.com/office/drawing/2014/main" id="{68CF854E-20CB-4ED7-8722-FCA536D762F6}"/>
               </a:ext>
             </a:extLst>
           </p:cNvPr>
@@ -9059,7 +9059,7 @@
           <p:cNvPr id="9" name="Picture 8" descr="holding device-02.png">
             <a:extLst>
               <a:ext uri="{FF2B5EF4-FFF2-40B4-BE49-F238E27FC236}">
-                <a16:creationId xmlns:a16="http://schemas.microsoft.com/office/drawing/2014/main" xmlns="" id="{AA410A6D-8E37-40A0-B8CC-1C962083824E}"/>
+                <a16:creationId xmlns="" xmlns:a16="http://schemas.microsoft.com/office/drawing/2014/main" id="{AA410A6D-8E37-40A0-B8CC-1C962083824E}"/>
               </a:ext>
             </a:extLst>
           </p:cNvPr>
@@ -9094,7 +9094,7 @@
           <p:cNvPr id="10" name="Subtitle 2">
             <a:extLst>
               <a:ext uri="{FF2B5EF4-FFF2-40B4-BE49-F238E27FC236}">
-                <a16:creationId xmlns:a16="http://schemas.microsoft.com/office/drawing/2014/main" xmlns="" id="{2BD45AE7-ECF6-4289-BFAE-B988AB3AD28C}"/>
+                <a16:creationId xmlns="" xmlns:a16="http://schemas.microsoft.com/office/drawing/2014/main" id="{2BD45AE7-ECF6-4289-BFAE-B988AB3AD28C}"/>
               </a:ext>
             </a:extLst>
           </p:cNvPr>
@@ -9218,7 +9218,7 @@
           <p:cNvPr id="3" name="TextBox 2">
             <a:extLst>
               <a:ext uri="{FF2B5EF4-FFF2-40B4-BE49-F238E27FC236}">
-                <a16:creationId xmlns:a16="http://schemas.microsoft.com/office/drawing/2014/main" xmlns="" id="{F1E37139-96F0-452A-889E-7BC6FD1F677F}"/>
+                <a16:creationId xmlns="" xmlns:a16="http://schemas.microsoft.com/office/drawing/2014/main" id="{F1E37139-96F0-452A-889E-7BC6FD1F677F}"/>
               </a:ext>
             </a:extLst>
           </p:cNvPr>
@@ -12431,7 +12431,7 @@
           <p:cNvPr id="7" name="Picture 6" descr="holding device-02.png">
             <a:extLst>
               <a:ext uri="{FF2B5EF4-FFF2-40B4-BE49-F238E27FC236}">
-                <a16:creationId xmlns:a16="http://schemas.microsoft.com/office/drawing/2014/main" xmlns="" id="{77683DCF-304F-4543-AC23-5629F576D64C}"/>
+                <a16:creationId xmlns="" xmlns:a16="http://schemas.microsoft.com/office/drawing/2014/main" id="{77683DCF-304F-4543-AC23-5629F576D64C}"/>
               </a:ext>
             </a:extLst>
           </p:cNvPr>
@@ -12466,7 +12466,7 @@
           <p:cNvPr id="8" name="Subtitle 2">
             <a:extLst>
               <a:ext uri="{FF2B5EF4-FFF2-40B4-BE49-F238E27FC236}">
-                <a16:creationId xmlns:a16="http://schemas.microsoft.com/office/drawing/2014/main" xmlns="" id="{E17BF815-5C07-4BFA-9409-344E12682DF8}"/>
+                <a16:creationId xmlns="" xmlns:a16="http://schemas.microsoft.com/office/drawing/2014/main" id="{E17BF815-5C07-4BFA-9409-344E12682DF8}"/>
               </a:ext>
             </a:extLst>
           </p:cNvPr>
@@ -12590,7 +12590,7 @@
           <p:cNvPr id="6" name="TextBox 5">
             <a:extLst>
               <a:ext uri="{FF2B5EF4-FFF2-40B4-BE49-F238E27FC236}">
-                <a16:creationId xmlns:a16="http://schemas.microsoft.com/office/drawing/2014/main" xmlns="" id="{2876B1B1-984B-45C4-B17C-D67968468F89}"/>
+                <a16:creationId xmlns="" xmlns:a16="http://schemas.microsoft.com/office/drawing/2014/main" id="{2876B1B1-984B-45C4-B17C-D67968468F89}"/>
               </a:ext>
             </a:extLst>
           </p:cNvPr>
@@ -12641,7 +12641,7 @@
           <p:cNvPr id="9" name="Title 1">
             <a:extLst>
               <a:ext uri="{FF2B5EF4-FFF2-40B4-BE49-F238E27FC236}">
-                <a16:creationId xmlns:a16="http://schemas.microsoft.com/office/drawing/2014/main" xmlns="" id="{B84775C9-0020-4760-8F1A-1BC6A18CF030}"/>
+                <a16:creationId xmlns="" xmlns:a16="http://schemas.microsoft.com/office/drawing/2014/main" id="{B84775C9-0020-4760-8F1A-1BC6A18CF030}"/>
               </a:ext>
             </a:extLst>
           </p:cNvPr>
@@ -15835,7 +15835,7 @@
           <p:cNvPr id="6" name="Picture 5" descr="holding device-02.png">
             <a:extLst>
               <a:ext uri="{FF2B5EF4-FFF2-40B4-BE49-F238E27FC236}">
-                <a16:creationId xmlns:a16="http://schemas.microsoft.com/office/drawing/2014/main" xmlns="" id="{40570172-6531-4623-94F6-969DC93D5C82}"/>
+                <a16:creationId xmlns="" xmlns:a16="http://schemas.microsoft.com/office/drawing/2014/main" id="{40570172-6531-4623-94F6-969DC93D5C82}"/>
               </a:ext>
             </a:extLst>
           </p:cNvPr>
@@ -15870,7 +15870,7 @@
           <p:cNvPr id="7" name="Subtitle 2">
             <a:extLst>
               <a:ext uri="{FF2B5EF4-FFF2-40B4-BE49-F238E27FC236}">
-                <a16:creationId xmlns:a16="http://schemas.microsoft.com/office/drawing/2014/main" xmlns="" id="{6DCAD2DA-B888-43BF-AF5D-2273C167D24A}"/>
+                <a16:creationId xmlns="" xmlns:a16="http://schemas.microsoft.com/office/drawing/2014/main" id="{6DCAD2DA-B888-43BF-AF5D-2273C167D24A}"/>
               </a:ext>
             </a:extLst>
           </p:cNvPr>
@@ -15994,7 +15994,7 @@
           <p:cNvPr id="8" name="TextBox 7">
             <a:extLst>
               <a:ext uri="{FF2B5EF4-FFF2-40B4-BE49-F238E27FC236}">
-                <a16:creationId xmlns:a16="http://schemas.microsoft.com/office/drawing/2014/main" xmlns="" id="{98637835-A4A6-44B3-97AF-A304D77D6E8D}"/>
+                <a16:creationId xmlns="" xmlns:a16="http://schemas.microsoft.com/office/drawing/2014/main" id="{98637835-A4A6-44B3-97AF-A304D77D6E8D}"/>
               </a:ext>
             </a:extLst>
           </p:cNvPr>
@@ -16042,7 +16042,7 @@
           <p:cNvPr id="9" name="Title 1">
             <a:extLst>
               <a:ext uri="{FF2B5EF4-FFF2-40B4-BE49-F238E27FC236}">
-                <a16:creationId xmlns:a16="http://schemas.microsoft.com/office/drawing/2014/main" xmlns="" id="{50EAF03C-5C3E-4FE6-86AE-D5F72CC7A28B}"/>
+                <a16:creationId xmlns="" xmlns:a16="http://schemas.microsoft.com/office/drawing/2014/main" id="{50EAF03C-5C3E-4FE6-86AE-D5F72CC7A28B}"/>
               </a:ext>
             </a:extLst>
           </p:cNvPr>
@@ -16265,7 +16265,7 @@
           <p:cNvPr id="8" name="Picture 7" descr="holding device-02.png">
             <a:extLst>
               <a:ext uri="{FF2B5EF4-FFF2-40B4-BE49-F238E27FC236}">
-                <a16:creationId xmlns:a16="http://schemas.microsoft.com/office/drawing/2014/main" xmlns="" id="{DC58F275-C00E-4C38-8E85-7D10AB5BC611}"/>
+                <a16:creationId xmlns="" xmlns:a16="http://schemas.microsoft.com/office/drawing/2014/main" id="{DC58F275-C00E-4C38-8E85-7D10AB5BC611}"/>
               </a:ext>
             </a:extLst>
           </p:cNvPr>
@@ -16300,7 +16300,7 @@
           <p:cNvPr id="9" name="Subtitle 2">
             <a:extLst>
               <a:ext uri="{FF2B5EF4-FFF2-40B4-BE49-F238E27FC236}">
-                <a16:creationId xmlns:a16="http://schemas.microsoft.com/office/drawing/2014/main" xmlns="" id="{655A8B44-E113-4C6B-A2FC-5BEFE731A049}"/>
+                <a16:creationId xmlns="" xmlns:a16="http://schemas.microsoft.com/office/drawing/2014/main" id="{655A8B44-E113-4C6B-A2FC-5BEFE731A049}"/>
               </a:ext>
             </a:extLst>
           </p:cNvPr>
@@ -16424,7 +16424,7 @@
           <p:cNvPr id="5" name="TextBox 4">
             <a:extLst>
               <a:ext uri="{FF2B5EF4-FFF2-40B4-BE49-F238E27FC236}">
-                <a16:creationId xmlns:a16="http://schemas.microsoft.com/office/drawing/2014/main" xmlns="" id="{BC63C119-8C3D-4BA9-A698-F0D0CB9C8A1B}"/>
+                <a16:creationId xmlns="" xmlns:a16="http://schemas.microsoft.com/office/drawing/2014/main" id="{BC63C119-8C3D-4BA9-A698-F0D0CB9C8A1B}"/>
               </a:ext>
             </a:extLst>
           </p:cNvPr>
@@ -16472,7 +16472,7 @@
           <p:cNvPr id="6" name="Title 1">
             <a:extLst>
               <a:ext uri="{FF2B5EF4-FFF2-40B4-BE49-F238E27FC236}">
-                <a16:creationId xmlns:a16="http://schemas.microsoft.com/office/drawing/2014/main" xmlns="" id="{6A906A90-53E0-477B-A699-45F215D27E05}"/>
+                <a16:creationId xmlns="" xmlns:a16="http://schemas.microsoft.com/office/drawing/2014/main" id="{6A906A90-53E0-477B-A699-45F215D27E05}"/>
               </a:ext>
             </a:extLst>
           </p:cNvPr>
@@ -16541,7 +16541,7 @@
           <p:cNvPr id="6" name="Picture 5" descr="holding device-02.png">
             <a:extLst>
               <a:ext uri="{FF2B5EF4-FFF2-40B4-BE49-F238E27FC236}">
-                <a16:creationId xmlns:a16="http://schemas.microsoft.com/office/drawing/2014/main" xmlns="" id="{2DB593FB-453B-49CE-8C22-EC4F23596A03}"/>
+                <a16:creationId xmlns="" xmlns:a16="http://schemas.microsoft.com/office/drawing/2014/main" id="{2DB593FB-453B-49CE-8C22-EC4F23596A03}"/>
               </a:ext>
             </a:extLst>
           </p:cNvPr>
@@ -16576,7 +16576,7 @@
           <p:cNvPr id="10" name="Subtitle 2">
             <a:extLst>
               <a:ext uri="{FF2B5EF4-FFF2-40B4-BE49-F238E27FC236}">
-                <a16:creationId xmlns:a16="http://schemas.microsoft.com/office/drawing/2014/main" xmlns="" id="{B8C2D3B4-8000-4C3B-83C3-D27675CA2CFF}"/>
+                <a16:creationId xmlns="" xmlns:a16="http://schemas.microsoft.com/office/drawing/2014/main" id="{B8C2D3B4-8000-4C3B-83C3-D27675CA2CFF}"/>
               </a:ext>
             </a:extLst>
           </p:cNvPr>
@@ -16700,7 +16700,7 @@
           <p:cNvPr id="7" name="TextBox 6">
             <a:extLst>
               <a:ext uri="{FF2B5EF4-FFF2-40B4-BE49-F238E27FC236}">
-                <a16:creationId xmlns:a16="http://schemas.microsoft.com/office/drawing/2014/main" xmlns="" id="{5E8C3497-4C86-45A9-9AD7-8BB196B817C0}"/>
+                <a16:creationId xmlns="" xmlns:a16="http://schemas.microsoft.com/office/drawing/2014/main" id="{5E8C3497-4C86-45A9-9AD7-8BB196B817C0}"/>
               </a:ext>
             </a:extLst>
           </p:cNvPr>
@@ -16751,7 +16751,7 @@
           <p:cNvPr id="8" name="Title 1">
             <a:extLst>
               <a:ext uri="{FF2B5EF4-FFF2-40B4-BE49-F238E27FC236}">
-                <a16:creationId xmlns:a16="http://schemas.microsoft.com/office/drawing/2014/main" xmlns="" id="{7E77B9EF-A3AA-4C7D-BD20-E9188C16E13D}"/>
+                <a16:creationId xmlns="" xmlns:a16="http://schemas.microsoft.com/office/drawing/2014/main" id="{7E77B9EF-A3AA-4C7D-BD20-E9188C16E13D}"/>
               </a:ext>
             </a:extLst>
           </p:cNvPr>
@@ -16854,7 +16854,7 @@
           <p:cNvPr id="4" name="Picture 3" descr="01 Singapore University of Social Sciences_Horizontal Format_Version A_White Background_RGB.png">
             <a:extLst>
               <a:ext uri="{FF2B5EF4-FFF2-40B4-BE49-F238E27FC236}">
-                <a16:creationId xmlns:a16="http://schemas.microsoft.com/office/drawing/2014/main" xmlns="" id="{F4B87DF8-359B-428C-8106-C024322B14EB}"/>
+                <a16:creationId xmlns="" xmlns:a16="http://schemas.microsoft.com/office/drawing/2014/main" id="{F4B87DF8-359B-428C-8106-C024322B14EB}"/>
               </a:ext>
             </a:extLst>
           </p:cNvPr>
@@ -16890,7 +16890,7 @@
           <p:cNvPr id="5" name="Title 1">
             <a:extLst>
               <a:ext uri="{FF2B5EF4-FFF2-40B4-BE49-F238E27FC236}">
-                <a16:creationId xmlns:a16="http://schemas.microsoft.com/office/drawing/2014/main" xmlns="" id="{199BAE98-A49E-472D-8ACE-E2B33FF24B12}"/>
+                <a16:creationId xmlns="" xmlns:a16="http://schemas.microsoft.com/office/drawing/2014/main" id="{199BAE98-A49E-472D-8ACE-E2B33FF24B12}"/>
               </a:ext>
             </a:extLst>
           </p:cNvPr>
@@ -21666,18 +21666,7 @@
                 <a:ea typeface="ヒラギノ角ゴ Pro W3"/>
                 <a:cs typeface="ヒラギノ角ゴ Pro W3"/>
               </a:rPr>
-              <a:t>– </a:t>
-            </a:r>
-            <a:r>
-              <a:rPr lang="en-US" altLang="en-US" sz="2100" dirty="0">
-                <a:solidFill>
-                  <a:schemeClr val="bg1"/>
-                </a:solidFill>
-                <a:latin typeface="Lucida Sans" panose="020B0602030504020204" pitchFamily="34" charset="0"/>
-                <a:ea typeface="ヒラギノ角ゴ Pro W3"/>
-                <a:cs typeface="ヒラギノ角ゴ Pro W3"/>
-              </a:rPr>
-              <a:t>Assessments, weightage, deadlines</a:t>
+              <a:t>– Assessments, weightage, deadlines</a:t>
             </a:r>
             <a:endParaRPr lang="en-SG" altLang="en-US" sz="2100" dirty="0">
               <a:solidFill>
@@ -21778,28 +21767,28 @@
                 <a:gridCol w="2073847">
                   <a:extLst>
                     <a:ext uri="{9D8B030D-6E8A-4147-A177-3AD203B41FA5}">
-                      <a16:colId xmlns:a16="http://schemas.microsoft.com/office/drawing/2014/main" xmlns="" val="736504923"/>
+                      <a16:colId xmlns="" xmlns:a16="http://schemas.microsoft.com/office/drawing/2014/main" val="736504923"/>
                     </a:ext>
                   </a:extLst>
                 </a:gridCol>
                 <a:gridCol w="2867660">
                   <a:extLst>
                     <a:ext uri="{9D8B030D-6E8A-4147-A177-3AD203B41FA5}">
-                      <a16:colId xmlns:a16="http://schemas.microsoft.com/office/drawing/2014/main" xmlns="" val="2972121942"/>
+                      <a16:colId xmlns="" xmlns:a16="http://schemas.microsoft.com/office/drawing/2014/main" val="2972121942"/>
                     </a:ext>
                   </a:extLst>
                 </a:gridCol>
                 <a:gridCol w="1188085">
                   <a:extLst>
                     <a:ext uri="{9D8B030D-6E8A-4147-A177-3AD203B41FA5}">
-                      <a16:colId xmlns:a16="http://schemas.microsoft.com/office/drawing/2014/main" xmlns="" val="366444726"/>
+                      <a16:colId xmlns="" xmlns:a16="http://schemas.microsoft.com/office/drawing/2014/main" val="366444726"/>
                     </a:ext>
                   </a:extLst>
                 </a:gridCol>
                 <a:gridCol w="2023364">
                   <a:extLst>
                     <a:ext uri="{9D8B030D-6E8A-4147-A177-3AD203B41FA5}">
-                      <a16:colId xmlns:a16="http://schemas.microsoft.com/office/drawing/2014/main" xmlns="" val="4127926302"/>
+                      <a16:colId xmlns="" xmlns:a16="http://schemas.microsoft.com/office/drawing/2014/main" val="4127926302"/>
                     </a:ext>
                   </a:extLst>
                 </a:gridCol>
@@ -21866,7 +21855,7 @@
                 </a:tc>
                 <a:extLst>
                   <a:ext uri="{0D108BD9-81ED-4DB2-BD59-A6C34878D82A}">
-                    <a16:rowId xmlns:a16="http://schemas.microsoft.com/office/drawing/2014/main" xmlns="" val="920890589"/>
+                    <a16:rowId xmlns="" xmlns:a16="http://schemas.microsoft.com/office/drawing/2014/main" val="920890589"/>
                   </a:ext>
                 </a:extLst>
               </a:tr>
@@ -21940,7 +21929,7 @@
                 </a:tc>
                 <a:extLst>
                   <a:ext uri="{0D108BD9-81ED-4DB2-BD59-A6C34878D82A}">
-                    <a16:rowId xmlns:a16="http://schemas.microsoft.com/office/drawing/2014/main" xmlns="" val="301574426"/>
+                    <a16:rowId xmlns="" xmlns:a16="http://schemas.microsoft.com/office/drawing/2014/main" val="301574426"/>
                   </a:ext>
                 </a:extLst>
               </a:tr>
@@ -22010,7 +21999,7 @@
                 </a:tc>
                 <a:extLst>
                   <a:ext uri="{0D108BD9-81ED-4DB2-BD59-A6C34878D82A}">
-                    <a16:rowId xmlns:a16="http://schemas.microsoft.com/office/drawing/2014/main" xmlns="" val="196128480"/>
+                    <a16:rowId xmlns="" xmlns:a16="http://schemas.microsoft.com/office/drawing/2014/main" val="196128480"/>
                   </a:ext>
                 </a:extLst>
               </a:tr>
@@ -22096,7 +22085,7 @@
                 </a:tc>
                 <a:extLst>
                   <a:ext uri="{0D108BD9-81ED-4DB2-BD59-A6C34878D82A}">
-                    <a16:rowId xmlns:a16="http://schemas.microsoft.com/office/drawing/2014/main" xmlns="" val="4029903763"/>
+                    <a16:rowId xmlns="" xmlns:a16="http://schemas.microsoft.com/office/drawing/2014/main" val="4029903763"/>
                   </a:ext>
                 </a:extLst>
               </a:tr>
@@ -22162,7 +22151,7 @@
                 </a:tc>
                 <a:extLst>
                   <a:ext uri="{0D108BD9-81ED-4DB2-BD59-A6C34878D82A}">
-                    <a16:rowId xmlns:a16="http://schemas.microsoft.com/office/drawing/2014/main" xmlns="" val="2065889755"/>
+                    <a16:rowId xmlns="" xmlns:a16="http://schemas.microsoft.com/office/drawing/2014/main" val="2065889755"/>
                   </a:ext>
                 </a:extLst>
               </a:tr>
@@ -22232,7 +22221,7 @@
                 </a:tc>
                 <a:extLst>
                   <a:ext uri="{0D108BD9-81ED-4DB2-BD59-A6C34878D82A}">
-                    <a16:rowId xmlns:a16="http://schemas.microsoft.com/office/drawing/2014/main" xmlns="" val="3821679047"/>
+                    <a16:rowId xmlns="" xmlns:a16="http://schemas.microsoft.com/office/drawing/2014/main" val="3821679047"/>
                   </a:ext>
                 </a:extLst>
               </a:tr>
@@ -22310,7 +22299,7 @@
                 </a:tc>
                 <a:extLst>
                   <a:ext uri="{0D108BD9-81ED-4DB2-BD59-A6C34878D82A}">
-                    <a16:rowId xmlns:a16="http://schemas.microsoft.com/office/drawing/2014/main" xmlns="" val="153666857"/>
+                    <a16:rowId xmlns="" xmlns:a16="http://schemas.microsoft.com/office/drawing/2014/main" val="153666857"/>
                   </a:ext>
                 </a:extLst>
               </a:tr>
@@ -22388,7 +22377,7 @@
                 </a:tc>
                 <a:extLst>
                   <a:ext uri="{0D108BD9-81ED-4DB2-BD59-A6C34878D82A}">
-                    <a16:rowId xmlns:a16="http://schemas.microsoft.com/office/drawing/2014/main" xmlns="" val="2824512280"/>
+                    <a16:rowId xmlns="" xmlns:a16="http://schemas.microsoft.com/office/drawing/2014/main" val="2824512280"/>
                   </a:ext>
                 </a:extLst>
               </a:tr>
@@ -22519,7 +22508,7 @@
           <p:cNvPr id="6" name="Title 5">
             <a:extLst>
               <a:ext uri="{FF2B5EF4-FFF2-40B4-BE49-F238E27FC236}">
-                <a16:creationId xmlns:a16="http://schemas.microsoft.com/office/drawing/2014/main" xmlns="" id="{E4CC4A00-E363-4E55-9156-DF045DB5621C}"/>
+                <a16:creationId xmlns="" xmlns:a16="http://schemas.microsoft.com/office/drawing/2014/main" id="{E4CC4A00-E363-4E55-9156-DF045DB5621C}"/>
               </a:ext>
             </a:extLst>
           </p:cNvPr>
@@ -22675,7 +22664,7 @@
           <p:cNvPr id="3" name="Title 2">
             <a:extLst>
               <a:ext uri="{FF2B5EF4-FFF2-40B4-BE49-F238E27FC236}">
-                <a16:creationId xmlns:a16="http://schemas.microsoft.com/office/drawing/2014/main" xmlns="" id="{0EF93238-CE45-475A-86AD-47EEA432EAC7}"/>
+                <a16:creationId xmlns="" xmlns:a16="http://schemas.microsoft.com/office/drawing/2014/main" id="{0EF93238-CE45-475A-86AD-47EEA432EAC7}"/>
               </a:ext>
             </a:extLst>
           </p:cNvPr>
@@ -22882,7 +22871,7 @@
           <p:cNvPr id="4" name="Title 3">
             <a:extLst>
               <a:ext uri="{FF2B5EF4-FFF2-40B4-BE49-F238E27FC236}">
-                <a16:creationId xmlns:a16="http://schemas.microsoft.com/office/drawing/2014/main" xmlns="" id="{25A5C9FB-F6F6-490E-B5AD-61722C1F8666}"/>
+                <a16:creationId xmlns="" xmlns:a16="http://schemas.microsoft.com/office/drawing/2014/main" id="{25A5C9FB-F6F6-490E-B5AD-61722C1F8666}"/>
               </a:ext>
             </a:extLst>
           </p:cNvPr>
@@ -22943,7 +22932,7 @@
           <p:cNvPr id="5122" name="Title 1">
             <a:extLst>
               <a:ext uri="{FF2B5EF4-FFF2-40B4-BE49-F238E27FC236}">
-                <a16:creationId xmlns:a16="http://schemas.microsoft.com/office/drawing/2014/main" xmlns="" id="{2DF29706-0BF6-40D2-8B1C-3EC71B2E0102}"/>
+                <a16:creationId xmlns="" xmlns:a16="http://schemas.microsoft.com/office/drawing/2014/main" id="{2DF29706-0BF6-40D2-8B1C-3EC71B2E0102}"/>
               </a:ext>
             </a:extLst>
           </p:cNvPr>
@@ -23130,14 +23119,14 @@
                 <a:gridCol w="2076450">
                   <a:extLst>
                     <a:ext uri="{9D8B030D-6E8A-4147-A177-3AD203B41FA5}">
-                      <a16:colId xmlns:a16="http://schemas.microsoft.com/office/drawing/2014/main" xmlns="" val="1671302009"/>
+                      <a16:colId xmlns="" xmlns:a16="http://schemas.microsoft.com/office/drawing/2014/main" val="1671302009"/>
                     </a:ext>
                   </a:extLst>
                 </a:gridCol>
                 <a:gridCol w="6153150">
                   <a:extLst>
                     <a:ext uri="{9D8B030D-6E8A-4147-A177-3AD203B41FA5}">
-                      <a16:colId xmlns:a16="http://schemas.microsoft.com/office/drawing/2014/main" xmlns="" val="744490871"/>
+                      <a16:colId xmlns="" xmlns:a16="http://schemas.microsoft.com/office/drawing/2014/main" val="744490871"/>
                     </a:ext>
                   </a:extLst>
                 </a:gridCol>
@@ -23235,7 +23224,7 @@
                 </a:tc>
                 <a:extLst>
                   <a:ext uri="{0D108BD9-81ED-4DB2-BD59-A6C34878D82A}">
-                    <a16:rowId xmlns:a16="http://schemas.microsoft.com/office/drawing/2014/main" xmlns="" val="3280015413"/>
+                    <a16:rowId xmlns="" xmlns:a16="http://schemas.microsoft.com/office/drawing/2014/main" val="3280015413"/>
                   </a:ext>
                 </a:extLst>
               </a:tr>
@@ -23339,7 +23328,7 @@
                 </a:tc>
                 <a:extLst>
                   <a:ext uri="{0D108BD9-81ED-4DB2-BD59-A6C34878D82A}">
-                    <a16:rowId xmlns:a16="http://schemas.microsoft.com/office/drawing/2014/main" xmlns="" val="3427827443"/>
+                    <a16:rowId xmlns="" xmlns:a16="http://schemas.microsoft.com/office/drawing/2014/main" val="3427827443"/>
                   </a:ext>
                 </a:extLst>
               </a:tr>
@@ -23443,7 +23432,7 @@
                 </a:tc>
                 <a:extLst>
                   <a:ext uri="{0D108BD9-81ED-4DB2-BD59-A6C34878D82A}">
-                    <a16:rowId xmlns:a16="http://schemas.microsoft.com/office/drawing/2014/main" xmlns="" val="1373402118"/>
+                    <a16:rowId xmlns="" xmlns:a16="http://schemas.microsoft.com/office/drawing/2014/main" val="1373402118"/>
                   </a:ext>
                 </a:extLst>
               </a:tr>
@@ -23547,7 +23536,7 @@
                 </a:tc>
                 <a:extLst>
                   <a:ext uri="{0D108BD9-81ED-4DB2-BD59-A6C34878D82A}">
-                    <a16:rowId xmlns:a16="http://schemas.microsoft.com/office/drawing/2014/main" xmlns="" val="3107970660"/>
+                    <a16:rowId xmlns="" xmlns:a16="http://schemas.microsoft.com/office/drawing/2014/main" val="3107970660"/>
                   </a:ext>
                 </a:extLst>
               </a:tr>
@@ -23651,7 +23640,7 @@
                 </a:tc>
                 <a:extLst>
                   <a:ext uri="{0D108BD9-81ED-4DB2-BD59-A6C34878D82A}">
-                    <a16:rowId xmlns:a16="http://schemas.microsoft.com/office/drawing/2014/main" xmlns="" val="3661196015"/>
+                    <a16:rowId xmlns="" xmlns:a16="http://schemas.microsoft.com/office/drawing/2014/main" val="3661196015"/>
                   </a:ext>
                 </a:extLst>
               </a:tr>
@@ -23755,7 +23744,7 @@
                 </a:tc>
                 <a:extLst>
                   <a:ext uri="{0D108BD9-81ED-4DB2-BD59-A6C34878D82A}">
-                    <a16:rowId xmlns:a16="http://schemas.microsoft.com/office/drawing/2014/main" xmlns="" val="682879670"/>
+                    <a16:rowId xmlns="" xmlns:a16="http://schemas.microsoft.com/office/drawing/2014/main" val="682879670"/>
                   </a:ext>
                 </a:extLst>
               </a:tr>
@@ -23859,7 +23848,7 @@
                 </a:tc>
                 <a:extLst>
                   <a:ext uri="{0D108BD9-81ED-4DB2-BD59-A6C34878D82A}">
-                    <a16:rowId xmlns:a16="http://schemas.microsoft.com/office/drawing/2014/main" xmlns="" val="1826590371"/>
+                    <a16:rowId xmlns="" xmlns:a16="http://schemas.microsoft.com/office/drawing/2014/main" val="1826590371"/>
                   </a:ext>
                 </a:extLst>
               </a:tr>
@@ -23963,7 +23952,7 @@
                 </a:tc>
                 <a:extLst>
                   <a:ext uri="{0D108BD9-81ED-4DB2-BD59-A6C34878D82A}">
-                    <a16:rowId xmlns:a16="http://schemas.microsoft.com/office/drawing/2014/main" xmlns="" val="1057109458"/>
+                    <a16:rowId xmlns="" xmlns:a16="http://schemas.microsoft.com/office/drawing/2014/main" val="1057109458"/>
                   </a:ext>
                 </a:extLst>
               </a:tr>
@@ -24726,14 +24715,14 @@
                 <a:gridCol w="1845016">
                   <a:extLst>
                     <a:ext uri="{9D8B030D-6E8A-4147-A177-3AD203B41FA5}">
-                      <a16:colId xmlns:a16="http://schemas.microsoft.com/office/drawing/2014/main" xmlns="" val="1603236111"/>
+                      <a16:colId xmlns="" xmlns:a16="http://schemas.microsoft.com/office/drawing/2014/main" val="1603236111"/>
                     </a:ext>
                   </a:extLst>
                 </a:gridCol>
                 <a:gridCol w="6267041">
                   <a:extLst>
                     <a:ext uri="{9D8B030D-6E8A-4147-A177-3AD203B41FA5}">
-                      <a16:colId xmlns:a16="http://schemas.microsoft.com/office/drawing/2014/main" xmlns="" val="903222401"/>
+                      <a16:colId xmlns="" xmlns:a16="http://schemas.microsoft.com/office/drawing/2014/main" val="903222401"/>
                     </a:ext>
                   </a:extLst>
                 </a:gridCol>
@@ -24831,7 +24820,7 @@
                 </a:tc>
                 <a:extLst>
                   <a:ext uri="{0D108BD9-81ED-4DB2-BD59-A6C34878D82A}">
-                    <a16:rowId xmlns:a16="http://schemas.microsoft.com/office/drawing/2014/main" xmlns="" val="2023199042"/>
+                    <a16:rowId xmlns="" xmlns:a16="http://schemas.microsoft.com/office/drawing/2014/main" val="2023199042"/>
                   </a:ext>
                 </a:extLst>
               </a:tr>
@@ -24922,7 +24911,7 @@
                 </a:tc>
                 <a:extLst>
                   <a:ext uri="{0D108BD9-81ED-4DB2-BD59-A6C34878D82A}">
-                    <a16:rowId xmlns:a16="http://schemas.microsoft.com/office/drawing/2014/main" xmlns="" val="1347331414"/>
+                    <a16:rowId xmlns="" xmlns:a16="http://schemas.microsoft.com/office/drawing/2014/main" val="1347331414"/>
                   </a:ext>
                 </a:extLst>
               </a:tr>
@@ -25013,7 +25002,7 @@
                 </a:tc>
                 <a:extLst>
                   <a:ext uri="{0D108BD9-81ED-4DB2-BD59-A6C34878D82A}">
-                    <a16:rowId xmlns:a16="http://schemas.microsoft.com/office/drawing/2014/main" xmlns="" val="3024944065"/>
+                    <a16:rowId xmlns="" xmlns:a16="http://schemas.microsoft.com/office/drawing/2014/main" val="3024944065"/>
                   </a:ext>
                 </a:extLst>
               </a:tr>
@@ -25141,7 +25130,7 @@
                 </a:tc>
                 <a:extLst>
                   <a:ext uri="{0D108BD9-81ED-4DB2-BD59-A6C34878D82A}">
-                    <a16:rowId xmlns:a16="http://schemas.microsoft.com/office/drawing/2014/main" xmlns="" val="773995285"/>
+                    <a16:rowId xmlns="" xmlns:a16="http://schemas.microsoft.com/office/drawing/2014/main" val="773995285"/>
                   </a:ext>
                 </a:extLst>
               </a:tr>
@@ -25258,7 +25247,7 @@
                 </a:tc>
                 <a:extLst>
                   <a:ext uri="{0D108BD9-81ED-4DB2-BD59-A6C34878D82A}">
-                    <a16:rowId xmlns:a16="http://schemas.microsoft.com/office/drawing/2014/main" xmlns="" val="248293328"/>
+                    <a16:rowId xmlns="" xmlns:a16="http://schemas.microsoft.com/office/drawing/2014/main" val="248293328"/>
                   </a:ext>
                 </a:extLst>
               </a:tr>
@@ -25271,7 +25260,7 @@
           <p:cNvPr id="4" name="Title 3">
             <a:extLst>
               <a:ext uri="{FF2B5EF4-FFF2-40B4-BE49-F238E27FC236}">
-                <a16:creationId xmlns:a16="http://schemas.microsoft.com/office/drawing/2014/main" xmlns="" id="{0C4F0F60-18B6-4A82-8185-944CCF83B022}"/>
+                <a16:creationId xmlns="" xmlns:a16="http://schemas.microsoft.com/office/drawing/2014/main" id="{0C4F0F60-18B6-4A82-8185-944CCF83B022}"/>
               </a:ext>
             </a:extLst>
           </p:cNvPr>
@@ -25482,7 +25471,7 @@
           <p:cNvPr id="2" name="TextBox 1">
             <a:extLst>
               <a:ext uri="{FF2B5EF4-FFF2-40B4-BE49-F238E27FC236}">
-                <a16:creationId xmlns:a16="http://schemas.microsoft.com/office/drawing/2014/main" xmlns="" id="{88166380-F6E3-4D4E-AF38-9624C872CD2B}"/>
+                <a16:creationId xmlns="" xmlns:a16="http://schemas.microsoft.com/office/drawing/2014/main" id="{88166380-F6E3-4D4E-AF38-9624C872CD2B}"/>
               </a:ext>
             </a:extLst>
           </p:cNvPr>
@@ -25653,7 +25642,7 @@
           <p:cNvPr id="4" name="Title 3">
             <a:extLst>
               <a:ext uri="{FF2B5EF4-FFF2-40B4-BE49-F238E27FC236}">
-                <a16:creationId xmlns:a16="http://schemas.microsoft.com/office/drawing/2014/main" xmlns="" id="{D4B7A97E-6F52-4A13-9E34-20A4C3726EFA}"/>
+                <a16:creationId xmlns="" xmlns:a16="http://schemas.microsoft.com/office/drawing/2014/main" id="{D4B7A97E-6F52-4A13-9E34-20A4C3726EFA}"/>
               </a:ext>
             </a:extLst>
           </p:cNvPr>
@@ -26306,7 +26295,7 @@
           <p:cNvPr id="5122" name="Title 1">
             <a:extLst>
               <a:ext uri="{FF2B5EF4-FFF2-40B4-BE49-F238E27FC236}">
-                <a16:creationId xmlns:a16="http://schemas.microsoft.com/office/drawing/2014/main" xmlns="" id="{2DF29706-0BF6-40D2-8B1C-3EC71B2E0102}"/>
+                <a16:creationId xmlns="" xmlns:a16="http://schemas.microsoft.com/office/drawing/2014/main" id="{2DF29706-0BF6-40D2-8B1C-3EC71B2E0102}"/>
               </a:ext>
             </a:extLst>
           </p:cNvPr>
@@ -27575,14 +27564,14 @@
                 <a:gridCol w="2775340">
                   <a:extLst>
                     <a:ext uri="{9D8B030D-6E8A-4147-A177-3AD203B41FA5}">
-                      <a16:colId xmlns:a16="http://schemas.microsoft.com/office/drawing/2014/main" xmlns="" val="820135504"/>
+                      <a16:colId xmlns="" xmlns:a16="http://schemas.microsoft.com/office/drawing/2014/main" val="820135504"/>
                     </a:ext>
                   </a:extLst>
                 </a:gridCol>
                 <a:gridCol w="4692260">
                   <a:extLst>
                     <a:ext uri="{9D8B030D-6E8A-4147-A177-3AD203B41FA5}">
-                      <a16:colId xmlns:a16="http://schemas.microsoft.com/office/drawing/2014/main" xmlns="" val="3371598423"/>
+                      <a16:colId xmlns="" xmlns:a16="http://schemas.microsoft.com/office/drawing/2014/main" val="3371598423"/>
                     </a:ext>
                   </a:extLst>
                 </a:gridCol>
@@ -27680,7 +27669,7 @@
                 </a:tc>
                 <a:extLst>
                   <a:ext uri="{0D108BD9-81ED-4DB2-BD59-A6C34878D82A}">
-                    <a16:rowId xmlns:a16="http://schemas.microsoft.com/office/drawing/2014/main" xmlns="" val="556086738"/>
+                    <a16:rowId xmlns="" xmlns:a16="http://schemas.microsoft.com/office/drawing/2014/main" val="556086738"/>
                   </a:ext>
                 </a:extLst>
               </a:tr>
@@ -27778,7 +27767,7 @@
                 </a:tc>
                 <a:extLst>
                   <a:ext uri="{0D108BD9-81ED-4DB2-BD59-A6C34878D82A}">
-                    <a16:rowId xmlns:a16="http://schemas.microsoft.com/office/drawing/2014/main" xmlns="" val="1587384844"/>
+                    <a16:rowId xmlns="" xmlns:a16="http://schemas.microsoft.com/office/drawing/2014/main" val="1587384844"/>
                   </a:ext>
                 </a:extLst>
               </a:tr>
@@ -27892,7 +27881,7 @@
                 </a:tc>
                 <a:extLst>
                   <a:ext uri="{0D108BD9-81ED-4DB2-BD59-A6C34878D82A}">
-                    <a16:rowId xmlns:a16="http://schemas.microsoft.com/office/drawing/2014/main" xmlns="" val="1345418758"/>
+                    <a16:rowId xmlns="" xmlns:a16="http://schemas.microsoft.com/office/drawing/2014/main" val="1345418758"/>
                   </a:ext>
                 </a:extLst>
               </a:tr>
@@ -28006,7 +27995,7 @@
                 </a:tc>
                 <a:extLst>
                   <a:ext uri="{0D108BD9-81ED-4DB2-BD59-A6C34878D82A}">
-                    <a16:rowId xmlns:a16="http://schemas.microsoft.com/office/drawing/2014/main" xmlns="" val="830954483"/>
+                    <a16:rowId xmlns="" xmlns:a16="http://schemas.microsoft.com/office/drawing/2014/main" val="830954483"/>
                   </a:ext>
                 </a:extLst>
               </a:tr>
@@ -28120,7 +28109,7 @@
                 </a:tc>
                 <a:extLst>
                   <a:ext uri="{0D108BD9-81ED-4DB2-BD59-A6C34878D82A}">
-                    <a16:rowId xmlns:a16="http://schemas.microsoft.com/office/drawing/2014/main" xmlns="" val="2238771092"/>
+                    <a16:rowId xmlns="" xmlns:a16="http://schemas.microsoft.com/office/drawing/2014/main" val="2238771092"/>
                   </a:ext>
                 </a:extLst>
               </a:tr>
@@ -28218,7 +28207,7 @@
                 </a:tc>
                 <a:extLst>
                   <a:ext uri="{0D108BD9-81ED-4DB2-BD59-A6C34878D82A}">
-                    <a16:rowId xmlns:a16="http://schemas.microsoft.com/office/drawing/2014/main" xmlns="" val="3517562532"/>
+                    <a16:rowId xmlns="" xmlns:a16="http://schemas.microsoft.com/office/drawing/2014/main" val="3517562532"/>
                   </a:ext>
                 </a:extLst>
               </a:tr>
@@ -28316,7 +28305,7 @@
                 </a:tc>
                 <a:extLst>
                   <a:ext uri="{0D108BD9-81ED-4DB2-BD59-A6C34878D82A}">
-                    <a16:rowId xmlns:a16="http://schemas.microsoft.com/office/drawing/2014/main" xmlns="" val="154221068"/>
+                    <a16:rowId xmlns="" xmlns:a16="http://schemas.microsoft.com/office/drawing/2014/main" val="154221068"/>
                   </a:ext>
                 </a:extLst>
               </a:tr>
@@ -28414,7 +28403,7 @@
                 </a:tc>
                 <a:extLst>
                   <a:ext uri="{0D108BD9-81ED-4DB2-BD59-A6C34878D82A}">
-                    <a16:rowId xmlns:a16="http://schemas.microsoft.com/office/drawing/2014/main" xmlns="" val="1781443578"/>
+                    <a16:rowId xmlns="" xmlns:a16="http://schemas.microsoft.com/office/drawing/2014/main" val="1781443578"/>
                   </a:ext>
                 </a:extLst>
               </a:tr>
@@ -28512,7 +28501,7 @@
                 </a:tc>
                 <a:extLst>
                   <a:ext uri="{0D108BD9-81ED-4DB2-BD59-A6C34878D82A}">
-                    <a16:rowId xmlns:a16="http://schemas.microsoft.com/office/drawing/2014/main" xmlns="" val="1399291607"/>
+                    <a16:rowId xmlns="" xmlns:a16="http://schemas.microsoft.com/office/drawing/2014/main" val="1399291607"/>
                   </a:ext>
                 </a:extLst>
               </a:tr>
@@ -28525,7 +28514,7 @@
           <p:cNvPr id="3" name="Title 2">
             <a:extLst>
               <a:ext uri="{FF2B5EF4-FFF2-40B4-BE49-F238E27FC236}">
-                <a16:creationId xmlns:a16="http://schemas.microsoft.com/office/drawing/2014/main" xmlns="" id="{53EB3315-FA74-429E-B034-CC280ECAEB1E}"/>
+                <a16:creationId xmlns="" xmlns:a16="http://schemas.microsoft.com/office/drawing/2014/main" id="{53EB3315-FA74-429E-B034-CC280ECAEB1E}"/>
               </a:ext>
             </a:extLst>
           </p:cNvPr>
@@ -29282,7 +29271,7 @@
           <p:cNvPr id="4" name="Title 3">
             <a:extLst>
               <a:ext uri="{FF2B5EF4-FFF2-40B4-BE49-F238E27FC236}">
-                <a16:creationId xmlns:a16="http://schemas.microsoft.com/office/drawing/2014/main" xmlns="" id="{4AC04EFB-EDEC-49DE-A6B5-085DB9655FE7}"/>
+                <a16:creationId xmlns="" xmlns:a16="http://schemas.microsoft.com/office/drawing/2014/main" id="{4AC04EFB-EDEC-49DE-A6B5-085DB9655FE7}"/>
               </a:ext>
             </a:extLst>
           </p:cNvPr>
@@ -29416,7 +29405,7 @@
           <p:cNvPr id="3" name="Title 2">
             <a:extLst>
               <a:ext uri="{FF2B5EF4-FFF2-40B4-BE49-F238E27FC236}">
-                <a16:creationId xmlns:a16="http://schemas.microsoft.com/office/drawing/2014/main" xmlns="" id="{0B931597-6E1B-45FC-986C-CFB294922029}"/>
+                <a16:creationId xmlns="" xmlns:a16="http://schemas.microsoft.com/office/drawing/2014/main" id="{0B931597-6E1B-45FC-986C-CFB294922029}"/>
               </a:ext>
             </a:extLst>
           </p:cNvPr>
@@ -29576,7 +29565,7 @@
           <p:cNvPr id="5122" name="Title 1">
             <a:extLst>
               <a:ext uri="{FF2B5EF4-FFF2-40B4-BE49-F238E27FC236}">
-                <a16:creationId xmlns:a16="http://schemas.microsoft.com/office/drawing/2014/main" xmlns="" id="{2DF29706-0BF6-40D2-8B1C-3EC71B2E0102}"/>
+                <a16:creationId xmlns="" xmlns:a16="http://schemas.microsoft.com/office/drawing/2014/main" id="{2DF29706-0BF6-40D2-8B1C-3EC71B2E0102}"/>
               </a:ext>
             </a:extLst>
           </p:cNvPr>
@@ -29787,7 +29776,7 @@
           <p:cNvPr id="5" name="Table 4">
             <a:extLst>
               <a:ext uri="{FF2B5EF4-FFF2-40B4-BE49-F238E27FC236}">
-                <a16:creationId xmlns:a16="http://schemas.microsoft.com/office/drawing/2014/main" xmlns="" id="{7143D689-3591-414C-B052-B859B97CD7D5}"/>
+                <a16:creationId xmlns="" xmlns:a16="http://schemas.microsoft.com/office/drawing/2014/main" id="{7143D689-3591-414C-B052-B859B97CD7D5}"/>
               </a:ext>
             </a:extLst>
           </p:cNvPr>
@@ -29810,14 +29799,14 @@
                 <a:gridCol w="2877820">
                   <a:extLst>
                     <a:ext uri="{9D8B030D-6E8A-4147-A177-3AD203B41FA5}">
-                      <a16:colId xmlns:a16="http://schemas.microsoft.com/office/drawing/2014/main" xmlns="" val="1541501266"/>
+                      <a16:colId xmlns="" xmlns:a16="http://schemas.microsoft.com/office/drawing/2014/main" val="1541501266"/>
                     </a:ext>
                   </a:extLst>
                 </a:gridCol>
                 <a:gridCol w="3390900">
                   <a:extLst>
                     <a:ext uri="{9D8B030D-6E8A-4147-A177-3AD203B41FA5}">
-                      <a16:colId xmlns:a16="http://schemas.microsoft.com/office/drawing/2014/main" xmlns="" val="4208942511"/>
+                      <a16:colId xmlns="" xmlns:a16="http://schemas.microsoft.com/office/drawing/2014/main" val="4208942511"/>
                     </a:ext>
                   </a:extLst>
                 </a:gridCol>
@@ -29927,7 +29916,7 @@
                 </a:tc>
                 <a:extLst>
                   <a:ext uri="{0D108BD9-81ED-4DB2-BD59-A6C34878D82A}">
-                    <a16:rowId xmlns:a16="http://schemas.microsoft.com/office/drawing/2014/main" xmlns="" val="1776102360"/>
+                    <a16:rowId xmlns="" xmlns:a16="http://schemas.microsoft.com/office/drawing/2014/main" val="1776102360"/>
                   </a:ext>
                 </a:extLst>
               </a:tr>
@@ -30032,7 +30021,7 @@
                 </a:tc>
                 <a:extLst>
                   <a:ext uri="{0D108BD9-81ED-4DB2-BD59-A6C34878D82A}">
-                    <a16:rowId xmlns:a16="http://schemas.microsoft.com/office/drawing/2014/main" xmlns="" val="3781019261"/>
+                    <a16:rowId xmlns="" xmlns:a16="http://schemas.microsoft.com/office/drawing/2014/main" val="3781019261"/>
                   </a:ext>
                 </a:extLst>
               </a:tr>
@@ -30137,7 +30126,7 @@
                 </a:tc>
                 <a:extLst>
                   <a:ext uri="{0D108BD9-81ED-4DB2-BD59-A6C34878D82A}">
-                    <a16:rowId xmlns:a16="http://schemas.microsoft.com/office/drawing/2014/main" xmlns="" val="2422860720"/>
+                    <a16:rowId xmlns="" xmlns:a16="http://schemas.microsoft.com/office/drawing/2014/main" val="2422860720"/>
                   </a:ext>
                 </a:extLst>
               </a:tr>
@@ -30242,7 +30231,7 @@
                 </a:tc>
                 <a:extLst>
                   <a:ext uri="{0D108BD9-81ED-4DB2-BD59-A6C34878D82A}">
-                    <a16:rowId xmlns:a16="http://schemas.microsoft.com/office/drawing/2014/main" xmlns="" val="3373400601"/>
+                    <a16:rowId xmlns="" xmlns:a16="http://schemas.microsoft.com/office/drawing/2014/main" val="3373400601"/>
                   </a:ext>
                 </a:extLst>
               </a:tr>
@@ -30347,7 +30336,7 @@
                 </a:tc>
                 <a:extLst>
                   <a:ext uri="{0D108BD9-81ED-4DB2-BD59-A6C34878D82A}">
-                    <a16:rowId xmlns:a16="http://schemas.microsoft.com/office/drawing/2014/main" xmlns="" val="948090788"/>
+                    <a16:rowId xmlns="" xmlns:a16="http://schemas.microsoft.com/office/drawing/2014/main" val="948090788"/>
                   </a:ext>
                 </a:extLst>
               </a:tr>
@@ -30488,7 +30477,7 @@
           <p:cNvPr id="6" name="Table 5">
             <a:extLst>
               <a:ext uri="{FF2B5EF4-FFF2-40B4-BE49-F238E27FC236}">
-                <a16:creationId xmlns:a16="http://schemas.microsoft.com/office/drawing/2014/main" xmlns="" id="{19321DED-27A4-4159-92CB-BB54635182E3}"/>
+                <a16:creationId xmlns="" xmlns:a16="http://schemas.microsoft.com/office/drawing/2014/main" id="{19321DED-27A4-4159-92CB-BB54635182E3}"/>
               </a:ext>
             </a:extLst>
           </p:cNvPr>
@@ -30511,14 +30500,14 @@
                 <a:gridCol w="1611383">
                   <a:extLst>
                     <a:ext uri="{9D8B030D-6E8A-4147-A177-3AD203B41FA5}">
-                      <a16:colId xmlns:a16="http://schemas.microsoft.com/office/drawing/2014/main" xmlns="" val="2824911450"/>
+                      <a16:colId xmlns="" xmlns:a16="http://schemas.microsoft.com/office/drawing/2014/main" val="2824911450"/>
                     </a:ext>
                   </a:extLst>
                 </a:gridCol>
                 <a:gridCol w="6465817">
                   <a:extLst>
                     <a:ext uri="{9D8B030D-6E8A-4147-A177-3AD203B41FA5}">
-                      <a16:colId xmlns:a16="http://schemas.microsoft.com/office/drawing/2014/main" xmlns="" val="3853722362"/>
+                      <a16:colId xmlns="" xmlns:a16="http://schemas.microsoft.com/office/drawing/2014/main" val="3853722362"/>
                     </a:ext>
                   </a:extLst>
                 </a:gridCol>
@@ -30616,7 +30605,7 @@
                 </a:tc>
                 <a:extLst>
                   <a:ext uri="{0D108BD9-81ED-4DB2-BD59-A6C34878D82A}">
-                    <a16:rowId xmlns:a16="http://schemas.microsoft.com/office/drawing/2014/main" xmlns="" val="3675104654"/>
+                    <a16:rowId xmlns="" xmlns:a16="http://schemas.microsoft.com/office/drawing/2014/main" val="3675104654"/>
                   </a:ext>
                 </a:extLst>
               </a:tr>
@@ -30714,7 +30703,7 @@
                 </a:tc>
                 <a:extLst>
                   <a:ext uri="{0D108BD9-81ED-4DB2-BD59-A6C34878D82A}">
-                    <a16:rowId xmlns:a16="http://schemas.microsoft.com/office/drawing/2014/main" xmlns="" val="2187887276"/>
+                    <a16:rowId xmlns="" xmlns:a16="http://schemas.microsoft.com/office/drawing/2014/main" val="2187887276"/>
                   </a:ext>
                 </a:extLst>
               </a:tr>
@@ -30832,7 +30821,7 @@
                 </a:tc>
                 <a:extLst>
                   <a:ext uri="{0D108BD9-81ED-4DB2-BD59-A6C34878D82A}">
-                    <a16:rowId xmlns:a16="http://schemas.microsoft.com/office/drawing/2014/main" xmlns="" val="81924833"/>
+                    <a16:rowId xmlns="" xmlns:a16="http://schemas.microsoft.com/office/drawing/2014/main" val="81924833"/>
                   </a:ext>
                 </a:extLst>
               </a:tr>
@@ -30930,7 +30919,7 @@
                 </a:tc>
                 <a:extLst>
                   <a:ext uri="{0D108BD9-81ED-4DB2-BD59-A6C34878D82A}">
-                    <a16:rowId xmlns:a16="http://schemas.microsoft.com/office/drawing/2014/main" xmlns="" val="3954114977"/>
+                    <a16:rowId xmlns="" xmlns:a16="http://schemas.microsoft.com/office/drawing/2014/main" val="3954114977"/>
                   </a:ext>
                 </a:extLst>
               </a:tr>
@@ -31030,7 +31019,7 @@
                 </a:tc>
                 <a:extLst>
                   <a:ext uri="{0D108BD9-81ED-4DB2-BD59-A6C34878D82A}">
-                    <a16:rowId xmlns:a16="http://schemas.microsoft.com/office/drawing/2014/main" xmlns="" val="2497501719"/>
+                    <a16:rowId xmlns="" xmlns:a16="http://schemas.microsoft.com/office/drawing/2014/main" val="2497501719"/>
                   </a:ext>
                 </a:extLst>
               </a:tr>
@@ -31128,7 +31117,7 @@
                 </a:tc>
                 <a:extLst>
                   <a:ext uri="{0D108BD9-81ED-4DB2-BD59-A6C34878D82A}">
-                    <a16:rowId xmlns:a16="http://schemas.microsoft.com/office/drawing/2014/main" xmlns="" val="1790272499"/>
+                    <a16:rowId xmlns="" xmlns:a16="http://schemas.microsoft.com/office/drawing/2014/main" val="1790272499"/>
                   </a:ext>
                 </a:extLst>
               </a:tr>
@@ -31226,7 +31215,7 @@
                 </a:tc>
                 <a:extLst>
                   <a:ext uri="{0D108BD9-81ED-4DB2-BD59-A6C34878D82A}">
-                    <a16:rowId xmlns:a16="http://schemas.microsoft.com/office/drawing/2014/main" xmlns="" val="756873507"/>
+                    <a16:rowId xmlns="" xmlns:a16="http://schemas.microsoft.com/office/drawing/2014/main" val="756873507"/>
                   </a:ext>
                 </a:extLst>
               </a:tr>
@@ -31330,7 +31319,7 @@
           <p:cNvPr id="5" name="Table 4">
             <a:extLst>
               <a:ext uri="{FF2B5EF4-FFF2-40B4-BE49-F238E27FC236}">
-                <a16:creationId xmlns:a16="http://schemas.microsoft.com/office/drawing/2014/main" xmlns="" id="{D12A78E5-A7BC-4A1D-9297-5603D794BF11}"/>
+                <a16:creationId xmlns="" xmlns:a16="http://schemas.microsoft.com/office/drawing/2014/main" id="{D12A78E5-A7BC-4A1D-9297-5603D794BF11}"/>
               </a:ext>
             </a:extLst>
           </p:cNvPr>
@@ -31353,14 +31342,14 @@
                 <a:gridCol w="1344295">
                   <a:extLst>
                     <a:ext uri="{9D8B030D-6E8A-4147-A177-3AD203B41FA5}">
-                      <a16:colId xmlns:a16="http://schemas.microsoft.com/office/drawing/2014/main" xmlns="" val="349655842"/>
+                      <a16:colId xmlns="" xmlns:a16="http://schemas.microsoft.com/office/drawing/2014/main" val="349655842"/>
                     </a:ext>
                   </a:extLst>
                 </a:gridCol>
                 <a:gridCol w="6496050">
                   <a:extLst>
                     <a:ext uri="{9D8B030D-6E8A-4147-A177-3AD203B41FA5}">
-                      <a16:colId xmlns:a16="http://schemas.microsoft.com/office/drawing/2014/main" xmlns="" val="702270039"/>
+                      <a16:colId xmlns="" xmlns:a16="http://schemas.microsoft.com/office/drawing/2014/main" val="702270039"/>
                     </a:ext>
                   </a:extLst>
                 </a:gridCol>
@@ -31458,7 +31447,7 @@
                 </a:tc>
                 <a:extLst>
                   <a:ext uri="{0D108BD9-81ED-4DB2-BD59-A6C34878D82A}">
-                    <a16:rowId xmlns:a16="http://schemas.microsoft.com/office/drawing/2014/main" xmlns="" val="2495238525"/>
+                    <a16:rowId xmlns="" xmlns:a16="http://schemas.microsoft.com/office/drawing/2014/main" val="2495238525"/>
                   </a:ext>
                 </a:extLst>
               </a:tr>
@@ -31556,7 +31545,7 @@
                 </a:tc>
                 <a:extLst>
                   <a:ext uri="{0D108BD9-81ED-4DB2-BD59-A6C34878D82A}">
-                    <a16:rowId xmlns:a16="http://schemas.microsoft.com/office/drawing/2014/main" xmlns="" val="1297132537"/>
+                    <a16:rowId xmlns="" xmlns:a16="http://schemas.microsoft.com/office/drawing/2014/main" val="1297132537"/>
                   </a:ext>
                 </a:extLst>
               </a:tr>
@@ -31654,7 +31643,7 @@
                 </a:tc>
                 <a:extLst>
                   <a:ext uri="{0D108BD9-81ED-4DB2-BD59-A6C34878D82A}">
-                    <a16:rowId xmlns:a16="http://schemas.microsoft.com/office/drawing/2014/main" xmlns="" val="3565322440"/>
+                    <a16:rowId xmlns="" xmlns:a16="http://schemas.microsoft.com/office/drawing/2014/main" val="3565322440"/>
                   </a:ext>
                 </a:extLst>
               </a:tr>
@@ -31752,7 +31741,7 @@
                 </a:tc>
                 <a:extLst>
                   <a:ext uri="{0D108BD9-81ED-4DB2-BD59-A6C34878D82A}">
-                    <a16:rowId xmlns:a16="http://schemas.microsoft.com/office/drawing/2014/main" xmlns="" val="3588505125"/>
+                    <a16:rowId xmlns="" xmlns:a16="http://schemas.microsoft.com/office/drawing/2014/main" val="3588505125"/>
                   </a:ext>
                 </a:extLst>
               </a:tr>
@@ -31848,7 +31837,7 @@
           <p:cNvPr id="6" name="Table 5">
             <a:extLst>
               <a:ext uri="{FF2B5EF4-FFF2-40B4-BE49-F238E27FC236}">
-                <a16:creationId xmlns:a16="http://schemas.microsoft.com/office/drawing/2014/main" xmlns="" id="{DAC6FC07-8001-444F-8871-D9919CB3056F}"/>
+                <a16:creationId xmlns="" xmlns:a16="http://schemas.microsoft.com/office/drawing/2014/main" id="{DAC6FC07-8001-444F-8871-D9919CB3056F}"/>
               </a:ext>
             </a:extLst>
           </p:cNvPr>
@@ -31871,21 +31860,21 @@
                 <a:gridCol w="3404420">
                   <a:extLst>
                     <a:ext uri="{9D8B030D-6E8A-4147-A177-3AD203B41FA5}">
-                      <a16:colId xmlns:a16="http://schemas.microsoft.com/office/drawing/2014/main" xmlns="" val="3162091659"/>
+                      <a16:colId xmlns="" xmlns:a16="http://schemas.microsoft.com/office/drawing/2014/main" val="3162091659"/>
                     </a:ext>
                   </a:extLst>
                 </a:gridCol>
                 <a:gridCol w="953574">
                   <a:extLst>
                     <a:ext uri="{9D8B030D-6E8A-4147-A177-3AD203B41FA5}">
-                      <a16:colId xmlns:a16="http://schemas.microsoft.com/office/drawing/2014/main" xmlns="" val="3991952502"/>
+                      <a16:colId xmlns="" xmlns:a16="http://schemas.microsoft.com/office/drawing/2014/main" val="3991952502"/>
                     </a:ext>
                   </a:extLst>
                 </a:gridCol>
                 <a:gridCol w="3394741">
                   <a:extLst>
                     <a:ext uri="{9D8B030D-6E8A-4147-A177-3AD203B41FA5}">
-                      <a16:colId xmlns:a16="http://schemas.microsoft.com/office/drawing/2014/main" xmlns="" val="4067071654"/>
+                      <a16:colId xmlns="" xmlns:a16="http://schemas.microsoft.com/office/drawing/2014/main" val="4067071654"/>
                     </a:ext>
                   </a:extLst>
                 </a:gridCol>
@@ -32020,7 +32009,7 @@
                 </a:tc>
                 <a:extLst>
                   <a:ext uri="{0D108BD9-81ED-4DB2-BD59-A6C34878D82A}">
-                    <a16:rowId xmlns:a16="http://schemas.microsoft.com/office/drawing/2014/main" xmlns="" val="3881308154"/>
+                    <a16:rowId xmlns="" xmlns:a16="http://schemas.microsoft.com/office/drawing/2014/main" val="3881308154"/>
                   </a:ext>
                 </a:extLst>
               </a:tr>
@@ -32154,7 +32143,7 @@
                 </a:tc>
                 <a:extLst>
                   <a:ext uri="{0D108BD9-81ED-4DB2-BD59-A6C34878D82A}">
-                    <a16:rowId xmlns:a16="http://schemas.microsoft.com/office/drawing/2014/main" xmlns="" val="1216359644"/>
+                    <a16:rowId xmlns="" xmlns:a16="http://schemas.microsoft.com/office/drawing/2014/main" val="1216359644"/>
                   </a:ext>
                 </a:extLst>
               </a:tr>
@@ -32288,7 +32277,7 @@
                 </a:tc>
                 <a:extLst>
                   <a:ext uri="{0D108BD9-81ED-4DB2-BD59-A6C34878D82A}">
-                    <a16:rowId xmlns:a16="http://schemas.microsoft.com/office/drawing/2014/main" xmlns="" val="2634964598"/>
+                    <a16:rowId xmlns="" xmlns:a16="http://schemas.microsoft.com/office/drawing/2014/main" val="2634964598"/>
                   </a:ext>
                 </a:extLst>
               </a:tr>
@@ -32422,7 +32411,7 @@
                 </a:tc>
                 <a:extLst>
                   <a:ext uri="{0D108BD9-81ED-4DB2-BD59-A6C34878D82A}">
-                    <a16:rowId xmlns:a16="http://schemas.microsoft.com/office/drawing/2014/main" xmlns="" val="2502387675"/>
+                    <a16:rowId xmlns="" xmlns:a16="http://schemas.microsoft.com/office/drawing/2014/main" val="2502387675"/>
                   </a:ext>
                 </a:extLst>
               </a:tr>
@@ -33105,7 +33094,7 @@
           <p:cNvPr id="2" name="Title 1">
             <a:extLst>
               <a:ext uri="{FF2B5EF4-FFF2-40B4-BE49-F238E27FC236}">
-                <a16:creationId xmlns:a16="http://schemas.microsoft.com/office/drawing/2014/main" xmlns="" id="{B3D6B072-584D-4873-9458-3BF4D55892BB}"/>
+                <a16:creationId xmlns="" xmlns:a16="http://schemas.microsoft.com/office/drawing/2014/main" id="{B3D6B072-584D-4873-9458-3BF4D55892BB}"/>
               </a:ext>
             </a:extLst>
           </p:cNvPr>
@@ -33134,7 +33123,7 @@
           <p:cNvPr id="3" name="Content Placeholder 2">
             <a:extLst>
               <a:ext uri="{FF2B5EF4-FFF2-40B4-BE49-F238E27FC236}">
-                <a16:creationId xmlns:a16="http://schemas.microsoft.com/office/drawing/2014/main" xmlns="" id="{ADBE218A-E615-4F90-B22A-C586FB8E8AAD}"/>
+                <a16:creationId xmlns="" xmlns:a16="http://schemas.microsoft.com/office/drawing/2014/main" id="{ADBE218A-E615-4F90-B22A-C586FB8E8AAD}"/>
               </a:ext>
             </a:extLst>
           </p:cNvPr>
@@ -33159,7 +33148,7 @@
           <p:cNvPr id="4" name="Content Placeholder 3">
             <a:extLst>
               <a:ext uri="{FF2B5EF4-FFF2-40B4-BE49-F238E27FC236}">
-                <a16:creationId xmlns:a16="http://schemas.microsoft.com/office/drawing/2014/main" xmlns="" id="{42C77944-B052-4C86-86F9-268A54322B00}"/>
+                <a16:creationId xmlns="" xmlns:a16="http://schemas.microsoft.com/office/drawing/2014/main" id="{42C77944-B052-4C86-86F9-268A54322B00}"/>
               </a:ext>
             </a:extLst>
           </p:cNvPr>
@@ -34424,7 +34413,7 @@
           <p:cNvPr id="3" name="Title 2">
             <a:extLst>
               <a:ext uri="{FF2B5EF4-FFF2-40B4-BE49-F238E27FC236}">
-                <a16:creationId xmlns:a16="http://schemas.microsoft.com/office/drawing/2014/main" xmlns="" id="{BED05ADF-A4C6-44A5-ADF8-6533AE571647}"/>
+                <a16:creationId xmlns="" xmlns:a16="http://schemas.microsoft.com/office/drawing/2014/main" id="{BED05ADF-A4C6-44A5-ADF8-6533AE571647}"/>
               </a:ext>
             </a:extLst>
           </p:cNvPr>
@@ -34624,7 +34613,7 @@
           <p:cNvPr id="5122" name="Title 1">
             <a:extLst>
               <a:ext uri="{FF2B5EF4-FFF2-40B4-BE49-F238E27FC236}">
-                <a16:creationId xmlns:a16="http://schemas.microsoft.com/office/drawing/2014/main" xmlns="" id="{2DF29706-0BF6-40D2-8B1C-3EC71B2E0102}"/>
+                <a16:creationId xmlns="" xmlns:a16="http://schemas.microsoft.com/office/drawing/2014/main" id="{2DF29706-0BF6-40D2-8B1C-3EC71B2E0102}"/>
               </a:ext>
             </a:extLst>
           </p:cNvPr>
@@ -34870,7 +34859,7 @@
           <p:cNvPr id="6" name="Rectangle 5">
             <a:extLst>
               <a:ext uri="{FF2B5EF4-FFF2-40B4-BE49-F238E27FC236}">
-                <a16:creationId xmlns:a16="http://schemas.microsoft.com/office/drawing/2014/main" xmlns="" id="{DA7EAC55-106C-4777-A51E-C958844DE8D3}"/>
+                <a16:creationId xmlns="" xmlns:a16="http://schemas.microsoft.com/office/drawing/2014/main" id="{DA7EAC55-106C-4777-A51E-C958844DE8D3}"/>
               </a:ext>
             </a:extLst>
           </p:cNvPr>
@@ -35315,7 +35304,7 @@
           <p:cNvPr id="7" name="Rectangle 6">
             <a:extLst>
               <a:ext uri="{FF2B5EF4-FFF2-40B4-BE49-F238E27FC236}">
-                <a16:creationId xmlns:a16="http://schemas.microsoft.com/office/drawing/2014/main" xmlns="" id="{773F412B-AE61-4340-ACA6-622C85266A06}"/>
+                <a16:creationId xmlns="" xmlns:a16="http://schemas.microsoft.com/office/drawing/2014/main" id="{773F412B-AE61-4340-ACA6-622C85266A06}"/>
               </a:ext>
             </a:extLst>
           </p:cNvPr>
@@ -35631,7 +35620,7 @@
           <p:cNvPr id="6" name="Rectangle 5">
             <a:extLst>
               <a:ext uri="{FF2B5EF4-FFF2-40B4-BE49-F238E27FC236}">
-                <a16:creationId xmlns:a16="http://schemas.microsoft.com/office/drawing/2014/main" xmlns="" id="{DA7EAC55-106C-4777-A51E-C958844DE8D3}"/>
+                <a16:creationId xmlns="" xmlns:a16="http://schemas.microsoft.com/office/drawing/2014/main" id="{DA7EAC55-106C-4777-A51E-C958844DE8D3}"/>
               </a:ext>
             </a:extLst>
           </p:cNvPr>
@@ -35825,7 +35814,7 @@
         <p:spPr>
           <a:xfrm>
             <a:off x="4612090" y="1740854"/>
-            <a:ext cx="3362771" cy="1653822"/>
+            <a:ext cx="4152078" cy="2042006"/>
           </a:xfrm>
           <a:prstGeom prst="rect">
             <a:avLst/>
@@ -35853,8 +35842,8 @@
         </p:blipFill>
         <p:spPr>
           <a:xfrm>
-            <a:off x="7056276" y="782307"/>
-            <a:ext cx="972108" cy="1407123"/>
+            <a:off x="7427934" y="902579"/>
+            <a:ext cx="1158241" cy="1676550"/>
           </a:xfrm>
           <a:prstGeom prst="rect">
             <a:avLst/>
@@ -35961,7 +35950,7 @@
         </p:nvSpPr>
         <p:spPr bwMode="auto">
           <a:xfrm>
-            <a:off x="1223628" y="1606088"/>
+            <a:off x="392599" y="1626554"/>
             <a:ext cx="5657850" cy="228600"/>
           </a:xfrm>
           <a:noFill/>
@@ -36017,8 +36006,8 @@
         </p:nvSpPr>
         <p:spPr bwMode="auto">
           <a:xfrm>
-            <a:off x="355600" y="1950716"/>
-            <a:ext cx="4216400" cy="3692531"/>
+            <a:off x="301596" y="1960829"/>
+            <a:ext cx="4216400" cy="4026612"/>
           </a:xfrm>
           <a:noFill/>
           <a:extLst>
@@ -36054,14 +36043,14 @@
               <a:buChar char="•"/>
             </a:pPr>
             <a:r>
-              <a:rPr lang="en-SG" sz="1600" b="1" dirty="0">
+              <a:rPr lang="en-SG" sz="1800" b="1" dirty="0">
                 <a:latin typeface="Arial" panose="020B0604020202020204" pitchFamily="34" charset="0"/>
                 <a:cs typeface="Arial" panose="020B0604020202020204" pitchFamily="34" charset="0"/>
               </a:rPr>
               <a:t>Academic Qualification:</a:t>
             </a:r>
             <a:r>
-              <a:rPr lang="en-SG" sz="1600" dirty="0">
+              <a:rPr lang="en-SG" sz="1800" dirty="0">
                 <a:latin typeface="Arial" panose="020B0604020202020204" pitchFamily="34" charset="0"/>
                 <a:cs typeface="Arial" panose="020B0604020202020204" pitchFamily="34" charset="0"/>
               </a:rPr>
@@ -36074,13 +36063,13 @@
               <a:buChar char="•"/>
             </a:pPr>
             <a:r>
-              <a:rPr lang="en-SG" sz="1200" i="1" dirty="0">
+              <a:rPr lang="en-SG" sz="1400" i="1" dirty="0">
                 <a:latin typeface="Arial" panose="020B0604020202020204" pitchFamily="34" charset="0"/>
                 <a:cs typeface="Arial" panose="020B0604020202020204" pitchFamily="34" charset="0"/>
               </a:rPr>
               <a:t>Ph.D. Physics, Australian National University</a:t>
             </a:r>
-            <a:endParaRPr lang="en-US" sz="1200" i="1" dirty="0">
+            <a:endParaRPr lang="en-US" sz="1400" i="1" dirty="0">
               <a:latin typeface="Arial" panose="020B0604020202020204" pitchFamily="34" charset="0"/>
               <a:cs typeface="Arial" panose="020B0604020202020204" pitchFamily="34" charset="0"/>
             </a:endParaRPr>
@@ -36090,7 +36079,7 @@
               <a:buFont typeface="Arial" panose="020B0604020202020204" pitchFamily="34" charset="0"/>
               <a:buChar char="•"/>
             </a:pPr>
-            <a:endParaRPr lang="en-SG" sz="1600" b="1" dirty="0">
+            <a:endParaRPr lang="en-SG" sz="1800" b="1" dirty="0">
               <a:latin typeface="Arial" panose="020B0604020202020204" pitchFamily="34" charset="0"/>
               <a:cs typeface="Arial" panose="020B0604020202020204" pitchFamily="34" charset="0"/>
             </a:endParaRPr>
@@ -36101,20 +36090,20 @@
               <a:buChar char="•"/>
             </a:pPr>
             <a:r>
-              <a:rPr lang="en-SG" sz="1600" b="1" dirty="0">
+              <a:rPr lang="en-SG" sz="1800" b="1" dirty="0">
                 <a:latin typeface="Arial" panose="020B0604020202020204" pitchFamily="34" charset="0"/>
                 <a:cs typeface="Arial" panose="020B0604020202020204" pitchFamily="34" charset="0"/>
               </a:rPr>
               <a:t>Courses taught at SUSS:</a:t>
             </a:r>
             <a:r>
-              <a:rPr lang="en-SG" sz="1600" dirty="0">
+              <a:rPr lang="en-SG" sz="1800" dirty="0">
                 <a:latin typeface="Arial" panose="020B0604020202020204" pitchFamily="34" charset="0"/>
                 <a:cs typeface="Arial" panose="020B0604020202020204" pitchFamily="34" charset="0"/>
               </a:rPr>
               <a:t> </a:t>
             </a:r>
-            <a:endParaRPr lang="en-SG" sz="1600" i="1" dirty="0">
+            <a:endParaRPr lang="en-SG" sz="1800" i="1" dirty="0">
               <a:latin typeface="Arial" panose="020B0604020202020204" pitchFamily="34" charset="0"/>
               <a:cs typeface="Arial" panose="020B0604020202020204" pitchFamily="34" charset="0"/>
             </a:endParaRPr>
@@ -36125,19 +36114,60 @@
               <a:buChar char="•"/>
             </a:pPr>
             <a:r>
-              <a:rPr lang="en-SG" sz="1200" dirty="0">
+              <a:rPr lang="en-SG" sz="1400" dirty="0">
                 <a:latin typeface="Arial" panose="020B0604020202020204" pitchFamily="34" charset="0"/>
                 <a:cs typeface="Arial" panose="020B0604020202020204" pitchFamily="34" charset="0"/>
               </a:rPr>
-              <a:t>ANL201 Data Visualisation for Business</a:t>
-            </a:r>
+              <a:t>ANL201 Data Visualisation for </a:t>
+            </a:r>
+            <a:r>
+              <a:rPr lang="en-SG" sz="1400" dirty="0" smtClean="0">
+                <a:latin typeface="Arial" panose="020B0604020202020204" pitchFamily="34" charset="0"/>
+                <a:cs typeface="Arial" panose="020B0604020202020204" pitchFamily="34" charset="0"/>
+              </a:rPr>
+              <a:t>Business</a:t>
+            </a:r>
+          </a:p>
+          <a:p>
+            <a:pPr lvl="1">
+              <a:buFont typeface="Arial" panose="020B0604020202020204" pitchFamily="34" charset="0"/>
+              <a:buChar char="•"/>
+            </a:pPr>
+            <a:r>
+              <a:rPr lang="en-US" sz="1400" dirty="0" smtClean="0">
+                <a:latin typeface="Arial" panose="020B0604020202020204" pitchFamily="34" charset="0"/>
+                <a:cs typeface="Arial" panose="020B0604020202020204" pitchFamily="34" charset="0"/>
+              </a:rPr>
+              <a:t>ANL488 Business Analytics Applied Project</a:t>
+            </a:r>
+            <a:endParaRPr lang="en-SG" sz="1400" dirty="0" smtClean="0">
+              <a:latin typeface="Arial" panose="020B0604020202020204" pitchFamily="34" charset="0"/>
+              <a:cs typeface="Arial" panose="020B0604020202020204" pitchFamily="34" charset="0"/>
+            </a:endParaRPr>
+          </a:p>
+          <a:p>
+            <a:pPr lvl="1">
+              <a:buFont typeface="Arial" panose="020B0604020202020204" pitchFamily="34" charset="0"/>
+              <a:buChar char="•"/>
+            </a:pPr>
+            <a:r>
+              <a:rPr lang="en-US" sz="1400" dirty="0" smtClean="0">
+                <a:latin typeface="Arial" panose="020B0604020202020204" pitchFamily="34" charset="0"/>
+                <a:cs typeface="Arial" panose="020B0604020202020204" pitchFamily="34" charset="0"/>
+              </a:rPr>
+              <a:t>ANL252 Python for Data Analytics</a:t>
+            </a:r>
+            <a:endParaRPr lang="en-SG" sz="1400" dirty="0">
+              <a:latin typeface="Arial" panose="020B0604020202020204" pitchFamily="34" charset="0"/>
+              <a:cs typeface="Arial" panose="020B0604020202020204" pitchFamily="34" charset="0"/>
+            </a:endParaRPr>
           </a:p>
           <a:p>
             <a:pPr>
               <a:buFont typeface="Arial" panose="020B0604020202020204" pitchFamily="34" charset="0"/>
               <a:buChar char="•"/>
             </a:pPr>
-            <a:endParaRPr lang="en-US" altLang="en-US" sz="1600" dirty="0">
+            <a:endParaRPr lang="en-US" altLang="en-US" sz="1800" dirty="0">
               <a:latin typeface="Arial" panose="020B0604020202020204" pitchFamily="34" charset="0"/>
               <a:ea typeface="ヒラギノ角ゴ Pro W3"/>
               <a:cs typeface="Arial" panose="020B0604020202020204" pitchFamily="34" charset="0"/>
@@ -36149,7 +36179,7 @@
               <a:buChar char="•"/>
             </a:pPr>
             <a:r>
-              <a:rPr lang="en-US" altLang="en-US" sz="1600" b="1" dirty="0">
+              <a:rPr lang="en-US" altLang="en-US" sz="1800" b="1" dirty="0">
                 <a:latin typeface="Arial" panose="020B0604020202020204" pitchFamily="34" charset="0"/>
                 <a:cs typeface="Arial" panose="020B0604020202020204" pitchFamily="34" charset="0"/>
               </a:rPr>
@@ -36162,7 +36192,7 @@
               <a:buChar char="•"/>
             </a:pPr>
             <a:r>
-              <a:rPr lang="en-US" altLang="en-US" sz="1200" dirty="0">
+              <a:rPr lang="en-US" altLang="en-US" sz="1400" dirty="0">
                 <a:solidFill>
                   <a:srgbClr val="890018"/>
                 </a:solidFill>
@@ -36170,7 +36200,29 @@
                 <a:ea typeface="ヒラギノ角ゴ Pro W3"/>
                 <a:cs typeface="Arial" panose="020B0604020202020204" pitchFamily="34" charset="0"/>
               </a:rPr>
-              <a:t>Energy Auditing (Reserves), Application of Data and visualisation in Oil and Gas, Energy, Renewables Sector</a:t>
+              <a:t>Energy Auditing (Reserves), Application of Data and </a:t>
+            </a:r>
+            <a:r>
+              <a:rPr lang="en-US" altLang="en-US" sz="1400" dirty="0" smtClean="0">
+                <a:solidFill>
+                  <a:srgbClr val="890018"/>
+                </a:solidFill>
+                <a:latin typeface="Arial" panose="020B0604020202020204" pitchFamily="34" charset="0"/>
+                <a:ea typeface="ヒラギノ角ゴ Pro W3"/>
+                <a:cs typeface="Arial" panose="020B0604020202020204" pitchFamily="34" charset="0"/>
+              </a:rPr>
+              <a:t>Visualisation </a:t>
+            </a:r>
+            <a:r>
+              <a:rPr lang="en-US" altLang="en-US" sz="1400" dirty="0">
+                <a:solidFill>
+                  <a:srgbClr val="890018"/>
+                </a:solidFill>
+                <a:latin typeface="Arial" panose="020B0604020202020204" pitchFamily="34" charset="0"/>
+                <a:ea typeface="ヒラギノ角ゴ Pro W3"/>
+                <a:cs typeface="Arial" panose="020B0604020202020204" pitchFamily="34" charset="0"/>
+              </a:rPr>
+              <a:t>in Oil and Gas, Energy, Renewables Sector</a:t>
             </a:r>
           </a:p>
           <a:p>
@@ -36179,7 +36231,7 @@
               <a:buChar char="•"/>
             </a:pPr>
             <a:r>
-              <a:rPr lang="en-SG" altLang="zh-SG" sz="1200" dirty="0">
+              <a:rPr lang="en-SG" altLang="zh-SG" sz="1400" dirty="0">
                 <a:solidFill>
                   <a:srgbClr val="890018"/>
                 </a:solidFill>
@@ -36191,38 +36243,16 @@
             </a:r>
           </a:p>
           <a:p>
-            <a:pPr>
-              <a:buFont typeface="Arial" panose="020B0604020202020204" pitchFamily="34" charset="0"/>
-              <a:buChar char="•"/>
-            </a:pPr>
-            <a:endParaRPr lang="en-SG" altLang="zh-SG" sz="1600" dirty="0">
-              <a:latin typeface="Arial" panose="020B0604020202020204" pitchFamily="34" charset="0"/>
-              <a:ea typeface="ヒラギノ角ゴ Pro W3"/>
-              <a:cs typeface="Arial" panose="020B0604020202020204" pitchFamily="34" charset="0"/>
-            </a:endParaRPr>
-          </a:p>
-          <a:p>
-            <a:pPr>
-              <a:buFont typeface="Arial" panose="020B0604020202020204" pitchFamily="34" charset="0"/>
-              <a:buChar char="•"/>
-            </a:pPr>
-            <a:endParaRPr lang="en-SG" altLang="zh-SG" sz="1600" dirty="0">
-              <a:latin typeface="Arial" panose="020B0604020202020204" pitchFamily="34" charset="0"/>
-              <a:ea typeface="ヒラギノ角ゴ Pro W3"/>
-              <a:cs typeface="Arial" panose="020B0604020202020204" pitchFamily="34" charset="0"/>
-            </a:endParaRPr>
-          </a:p>
-          <a:p>
             <a:pPr marL="0" indent="0"/>
             <a:r>
-              <a:rPr lang="en-SG" altLang="zh-SG" sz="1600" dirty="0">
+              <a:rPr lang="en-SG" altLang="zh-SG" sz="1800" dirty="0" smtClean="0">
                 <a:latin typeface="Arial" panose="020B0604020202020204" pitchFamily="34" charset="0"/>
                 <a:ea typeface="ヒラギノ角ゴ Pro W3"/>
                 <a:cs typeface="Arial" panose="020B0604020202020204" pitchFamily="34" charset="0"/>
               </a:rPr>
-              <a:t>Only available on Tuesday night.</a:t>
-            </a:r>
-            <a:endParaRPr lang="en-SG" altLang="en-US" sz="1600" dirty="0">
+              <a:t>.</a:t>
+            </a:r>
+            <a:endParaRPr lang="en-SG" altLang="en-US" sz="1800" dirty="0">
               <a:latin typeface="Lucida Sans" panose="020B0602030504020204" pitchFamily="34" charset="0"/>
               <a:ea typeface="ヒラギノ角ゴ Pro W3"/>
               <a:cs typeface="ヒラギノ角ゴ Pro W3"/>
@@ -36245,8 +36275,8 @@
         </p:blipFill>
         <p:spPr>
           <a:xfrm>
-            <a:off x="4517996" y="3753037"/>
-            <a:ext cx="3384779" cy="1684249"/>
+            <a:off x="4612090" y="3897160"/>
+            <a:ext cx="4200768" cy="2090281"/>
           </a:xfrm>
           <a:prstGeom prst="rect">
             <a:avLst/>
@@ -36527,7 +36557,7 @@
           <p:cNvPr id="7" name="Rectangle 6">
             <a:extLst>
               <a:ext uri="{FF2B5EF4-FFF2-40B4-BE49-F238E27FC236}">
-                <a16:creationId xmlns:a16="http://schemas.microsoft.com/office/drawing/2014/main" xmlns="" id="{924FC676-7A53-4EB1-A362-F91ACD8F4B60}"/>
+                <a16:creationId xmlns="" xmlns:a16="http://schemas.microsoft.com/office/drawing/2014/main" id="{924FC676-7A53-4EB1-A362-F91ACD8F4B60}"/>
               </a:ext>
             </a:extLst>
           </p:cNvPr>
@@ -36714,7 +36744,7 @@
           <p:cNvPr id="8" name="Rectangle 7">
             <a:extLst>
               <a:ext uri="{FF2B5EF4-FFF2-40B4-BE49-F238E27FC236}">
-                <a16:creationId xmlns:a16="http://schemas.microsoft.com/office/drawing/2014/main" xmlns="" id="{387164A4-ACAB-4336-8914-24AF98AF546F}"/>
+                <a16:creationId xmlns="" xmlns:a16="http://schemas.microsoft.com/office/drawing/2014/main" id="{387164A4-ACAB-4336-8914-24AF98AF546F}"/>
               </a:ext>
             </a:extLst>
           </p:cNvPr>
@@ -36992,7 +37022,7 @@
           <p:cNvPr id="8" name="Rectangle 7">
             <a:extLst>
               <a:ext uri="{FF2B5EF4-FFF2-40B4-BE49-F238E27FC236}">
-                <a16:creationId xmlns:a16="http://schemas.microsoft.com/office/drawing/2014/main" xmlns="" id="{387164A4-ACAB-4336-8914-24AF98AF546F}"/>
+                <a16:creationId xmlns="" xmlns:a16="http://schemas.microsoft.com/office/drawing/2014/main" id="{387164A4-ACAB-4336-8914-24AF98AF546F}"/>
               </a:ext>
             </a:extLst>
           </p:cNvPr>
@@ -37343,7 +37373,7 @@
           <p:cNvPr id="5" name="Table 4">
             <a:extLst>
               <a:ext uri="{FF2B5EF4-FFF2-40B4-BE49-F238E27FC236}">
-                <a16:creationId xmlns:a16="http://schemas.microsoft.com/office/drawing/2014/main" xmlns="" id="{0B3310BB-684D-45BE-934D-F4CDD7FB0671}"/>
+                <a16:creationId xmlns="" xmlns:a16="http://schemas.microsoft.com/office/drawing/2014/main" id="{0B3310BB-684D-45BE-934D-F4CDD7FB0671}"/>
               </a:ext>
             </a:extLst>
           </p:cNvPr>
@@ -37366,14 +37396,14 @@
                 <a:gridCol w="1795004">
                   <a:extLst>
                     <a:ext uri="{9D8B030D-6E8A-4147-A177-3AD203B41FA5}">
-                      <a16:colId xmlns:a16="http://schemas.microsoft.com/office/drawing/2014/main" xmlns="" val="1470406065"/>
+                      <a16:colId xmlns="" xmlns:a16="http://schemas.microsoft.com/office/drawing/2014/main" val="1470406065"/>
                     </a:ext>
                   </a:extLst>
                 </a:gridCol>
                 <a:gridCol w="6434596">
                   <a:extLst>
                     <a:ext uri="{9D8B030D-6E8A-4147-A177-3AD203B41FA5}">
-                      <a16:colId xmlns:a16="http://schemas.microsoft.com/office/drawing/2014/main" xmlns="" val="2120336327"/>
+                      <a16:colId xmlns="" xmlns:a16="http://schemas.microsoft.com/office/drawing/2014/main" val="2120336327"/>
                     </a:ext>
                   </a:extLst>
                 </a:gridCol>
@@ -37471,7 +37501,7 @@
                 </a:tc>
                 <a:extLst>
                   <a:ext uri="{0D108BD9-81ED-4DB2-BD59-A6C34878D82A}">
-                    <a16:rowId xmlns:a16="http://schemas.microsoft.com/office/drawing/2014/main" xmlns="" val="3591751799"/>
+                    <a16:rowId xmlns="" xmlns:a16="http://schemas.microsoft.com/office/drawing/2014/main" val="3591751799"/>
                   </a:ext>
                 </a:extLst>
               </a:tr>
@@ -37569,7 +37599,7 @@
                 </a:tc>
                 <a:extLst>
                   <a:ext uri="{0D108BD9-81ED-4DB2-BD59-A6C34878D82A}">
-                    <a16:rowId xmlns:a16="http://schemas.microsoft.com/office/drawing/2014/main" xmlns="" val="938004556"/>
+                    <a16:rowId xmlns="" xmlns:a16="http://schemas.microsoft.com/office/drawing/2014/main" val="938004556"/>
                   </a:ext>
                 </a:extLst>
               </a:tr>
@@ -37667,7 +37697,7 @@
                 </a:tc>
                 <a:extLst>
                   <a:ext uri="{0D108BD9-81ED-4DB2-BD59-A6C34878D82A}">
-                    <a16:rowId xmlns:a16="http://schemas.microsoft.com/office/drawing/2014/main" xmlns="" val="2061492023"/>
+                    <a16:rowId xmlns="" xmlns:a16="http://schemas.microsoft.com/office/drawing/2014/main" val="2061492023"/>
                   </a:ext>
                 </a:extLst>
               </a:tr>
@@ -37765,7 +37795,7 @@
                 </a:tc>
                 <a:extLst>
                   <a:ext uri="{0D108BD9-81ED-4DB2-BD59-A6C34878D82A}">
-                    <a16:rowId xmlns:a16="http://schemas.microsoft.com/office/drawing/2014/main" xmlns="" val="2480785006"/>
+                    <a16:rowId xmlns="" xmlns:a16="http://schemas.microsoft.com/office/drawing/2014/main" val="2480785006"/>
                   </a:ext>
                 </a:extLst>
               </a:tr>
@@ -38049,7 +38079,7 @@
           <p:cNvPr id="3" name="Title 2">
             <a:extLst>
               <a:ext uri="{FF2B5EF4-FFF2-40B4-BE49-F238E27FC236}">
-                <a16:creationId xmlns:a16="http://schemas.microsoft.com/office/drawing/2014/main" xmlns="" id="{D9E1E2B1-B423-45AE-AA8A-557AE8854D68}"/>
+                <a16:creationId xmlns="" xmlns:a16="http://schemas.microsoft.com/office/drawing/2014/main" id="{D9E1E2B1-B423-45AE-AA8A-557AE8854D68}"/>
               </a:ext>
             </a:extLst>
           </p:cNvPr>
@@ -38241,7 +38271,7 @@
           <p:cNvPr id="2" name="Title 1">
             <a:extLst>
               <a:ext uri="{FF2B5EF4-FFF2-40B4-BE49-F238E27FC236}">
-                <a16:creationId xmlns:a16="http://schemas.microsoft.com/office/drawing/2014/main" xmlns="" id="{344F3EA4-3F28-4BD5-A8B1-5992ED3EADE0}"/>
+                <a16:creationId xmlns="" xmlns:a16="http://schemas.microsoft.com/office/drawing/2014/main" id="{344F3EA4-3F28-4BD5-A8B1-5992ED3EADE0}"/>
               </a:ext>
             </a:extLst>
           </p:cNvPr>
@@ -38368,7 +38398,7 @@
           <p:cNvPr id="5122" name="Title 1">
             <a:extLst>
               <a:ext uri="{FF2B5EF4-FFF2-40B4-BE49-F238E27FC236}">
-                <a16:creationId xmlns:a16="http://schemas.microsoft.com/office/drawing/2014/main" xmlns="" id="{2DF29706-0BF6-40D2-8B1C-3EC71B2E0102}"/>
+                <a16:creationId xmlns="" xmlns:a16="http://schemas.microsoft.com/office/drawing/2014/main" id="{2DF29706-0BF6-40D2-8B1C-3EC71B2E0102}"/>
               </a:ext>
             </a:extLst>
           </p:cNvPr>
@@ -38567,7 +38597,7 @@
           <p:cNvPr id="5" name="Picture 4">
             <a:extLst>
               <a:ext uri="{FF2B5EF4-FFF2-40B4-BE49-F238E27FC236}">
-                <a16:creationId xmlns:a16="http://schemas.microsoft.com/office/drawing/2014/main" xmlns="" id="{F6AD1538-D25B-4A29-941D-E2F400F0C40D}"/>
+                <a16:creationId xmlns="" xmlns:a16="http://schemas.microsoft.com/office/drawing/2014/main" id="{F6AD1538-D25B-4A29-941D-E2F400F0C40D}"/>
               </a:ext>
             </a:extLst>
           </p:cNvPr>
@@ -38604,7 +38634,7 @@
           <p:cNvPr id="6" name="Picture 5">
             <a:extLst>
               <a:ext uri="{FF2B5EF4-FFF2-40B4-BE49-F238E27FC236}">
-                <a16:creationId xmlns:a16="http://schemas.microsoft.com/office/drawing/2014/main" xmlns="" id="{C850D2E0-4400-4DCF-9353-AA1A50D46EB1}"/>
+                <a16:creationId xmlns="" xmlns:a16="http://schemas.microsoft.com/office/drawing/2014/main" id="{C850D2E0-4400-4DCF-9353-AA1A50D46EB1}"/>
               </a:ext>
             </a:extLst>
           </p:cNvPr>
@@ -38745,7 +38775,7 @@
           <p:cNvPr id="6" name="Picture 5">
             <a:extLst>
               <a:ext uri="{FF2B5EF4-FFF2-40B4-BE49-F238E27FC236}">
-                <a16:creationId xmlns:a16="http://schemas.microsoft.com/office/drawing/2014/main" xmlns="" id="{F52E60EE-182B-4659-A8CB-4EDA915DB861}"/>
+                <a16:creationId xmlns="" xmlns:a16="http://schemas.microsoft.com/office/drawing/2014/main" id="{F52E60EE-182B-4659-A8CB-4EDA915DB861}"/>
               </a:ext>
             </a:extLst>
           </p:cNvPr>
@@ -41883,18 +41913,18 @@
 </file>
 
 <file path=customXml/item1.xml><?xml version="1.0" encoding="utf-8"?>
-<p:properties xmlns:p="http://schemas.microsoft.com/office/2006/metadata/properties" xmlns:xsi="http://www.w3.org/2001/XMLSchema-instance">
-  <documentManagement/>
-</p:properties>
-</file>
-
-<file path=customXml/item2.xml><?xml version="1.0" encoding="utf-8"?>
 <?mso-contentType ?>
 <FormTemplates xmlns="http://schemas.microsoft.com/sharepoint/v3/contenttype/forms">
   <Display>DocumentLibraryForm</Display>
   <Edit>DocumentLibraryForm</Edit>
   <New>DocumentLibraryForm</New>
 </FormTemplates>
+</file>
+
+<file path=customXml/item2.xml><?xml version="1.0" encoding="utf-8"?>
+<p:properties xmlns:p="http://schemas.microsoft.com/office/2006/metadata/properties" xmlns:xsi="http://www.w3.org/2001/XMLSchema-instance">
+  <documentManagement/>
+</p:properties>
 </file>
 
 <file path=customXml/item3.xml><?xml version="1.0" encoding="utf-8"?>
@@ -41947,6 +41977,14 @@
 </file>
 
 <file path=customXml/itemProps1.xml><?xml version="1.0" encoding="utf-8"?>
+<ds:datastoreItem xmlns:ds="http://schemas.openxmlformats.org/officeDocument/2006/customXml" ds:itemID="{A8AED1B3-2F45-4762-91FA-ED08F295B52E}">
+  <ds:schemaRefs>
+    <ds:schemaRef ds:uri="http://schemas.microsoft.com/sharepoint/v3/contenttype/forms"/>
+  </ds:schemaRefs>
+</ds:datastoreItem>
+</file>
+
+<file path=customXml/itemProps2.xml><?xml version="1.0" encoding="utf-8"?>
 <ds:datastoreItem xmlns:ds="http://schemas.openxmlformats.org/officeDocument/2006/customXml" ds:itemID="{50BC6695-9009-4E8C-96D7-2BD9B437109A}">
   <ds:schemaRefs>
     <ds:schemaRef ds:uri="http://purl.org/dc/elements/1.1/"/>
@@ -41956,14 +41994,6 @@
     <ds:schemaRef ds:uri="http://schemas.microsoft.com/office/2006/documentManagement/types"/>
     <ds:schemaRef ds:uri="http://www.w3.org/XML/1998/namespace"/>
     <ds:schemaRef ds:uri="http://purl.org/dc/dcmitype/"/>
-  </ds:schemaRefs>
-</ds:datastoreItem>
-</file>
-
-<file path=customXml/itemProps2.xml><?xml version="1.0" encoding="utf-8"?>
-<ds:datastoreItem xmlns:ds="http://schemas.openxmlformats.org/officeDocument/2006/customXml" ds:itemID="{A8AED1B3-2F45-4762-91FA-ED08F295B52E}">
-  <ds:schemaRefs>
-    <ds:schemaRef ds:uri="http://schemas.microsoft.com/sharepoint/v3/contenttype/forms"/>
   </ds:schemaRefs>
 </ds:datastoreItem>
 </file>
